--- a/campionamento_sciami_atmosferici_ad_alta_quota_Irene_Gentili.pptx
+++ b/campionamento_sciami_atmosferici_ad_alta_quota_Irene_Gentili.pptx
@@ -36,7 +36,7 @@
     <p:sldId id="292" r:id="rId24"/>
   </p:sldIdLst>
   <p:sldSz cx="9144000" cy="5143500" type="screen16x9"/>
-  <p:notesSz cx="6858000" cy="9144000"/>
+  <p:notesSz cx="6797675" cy="9926638"/>
   <p:embeddedFontLst>
     <p:embeddedFont>
       <p:font typeface="Abadi" panose="020B0604020104020204" pitchFamily="34" charset="0"/>
@@ -366,7 +366,7 @@
         <p:spPr>
           <a:xfrm>
             <a:off x="0" y="0"/>
-            <a:ext cx="2971800" cy="458788"/>
+            <a:ext cx="2945659" cy="498056"/>
           </a:xfrm>
           <a:prstGeom prst="rect">
             <a:avLst/>
@@ -402,8 +402,8 @@
         </p:nvSpPr>
         <p:spPr>
           <a:xfrm>
-            <a:off x="3884613" y="0"/>
-            <a:ext cx="2971800" cy="458788"/>
+            <a:off x="3850443" y="0"/>
+            <a:ext cx="2945659" cy="498056"/>
           </a:xfrm>
           <a:prstGeom prst="rect">
             <a:avLst/>
@@ -419,7 +419,7 @@
           <a:p>
             <a:fld id="{1D0AE3D9-6B3F-4004-A10A-C1B28CEBFD42}" type="datetimeFigureOut">
               <a:rPr lang="it-IT" smtClean="0"/>
-              <a:t>31/01/2025</a:t>
+              <a:t>01/02/2025</a:t>
             </a:fld>
             <a:endParaRPr lang="it-IT"/>
           </a:p>
@@ -443,8 +443,8 @@
         </p:nvSpPr>
         <p:spPr>
           <a:xfrm>
-            <a:off x="0" y="8685213"/>
-            <a:ext cx="2971800" cy="458787"/>
+            <a:off x="0" y="9428584"/>
+            <a:ext cx="2945659" cy="498055"/>
           </a:xfrm>
           <a:prstGeom prst="rect">
             <a:avLst/>
@@ -480,8 +480,8 @@
         </p:nvSpPr>
         <p:spPr>
           <a:xfrm>
-            <a:off x="3884613" y="8685213"/>
-            <a:ext cx="2971800" cy="458787"/>
+            <a:off x="3850443" y="9428584"/>
+            <a:ext cx="2945659" cy="498055"/>
           </a:xfrm>
           <a:prstGeom prst="rect">
             <a:avLst/>
@@ -549,8 +549,8 @@
         </p:nvSpPr>
         <p:spPr>
           <a:xfrm>
-            <a:off x="381300" y="685800"/>
-            <a:ext cx="6096075" cy="3429000"/>
+            <a:off x="90488" y="744538"/>
+            <a:ext cx="6616700" cy="3722687"/>
           </a:xfrm>
           <a:custGeom>
             <a:avLst/>
@@ -600,8 +600,8 @@
         </p:nvSpPr>
         <p:spPr>
           <a:xfrm>
-            <a:off x="685800" y="4343400"/>
-            <a:ext cx="5486400" cy="4114800"/>
+            <a:off x="679768" y="4715153"/>
+            <a:ext cx="5438140" cy="4466987"/>
           </a:xfrm>
           <a:prstGeom prst="rect">
             <a:avLst/>
@@ -986,8 +986,8 @@
         </p:nvSpPr>
         <p:spPr>
           <a:xfrm>
-            <a:off x="381000" y="685800"/>
-            <a:ext cx="6096000" cy="3429000"/>
+            <a:off x="90488" y="744538"/>
+            <a:ext cx="6616700" cy="3722687"/>
           </a:xfrm>
           <a:custGeom>
             <a:avLst/>
@@ -1027,8 +1027,8 @@
         </p:nvSpPr>
         <p:spPr>
           <a:xfrm>
-            <a:off x="685800" y="4343400"/>
-            <a:ext cx="5486400" cy="4114800"/>
+            <a:off x="679768" y="4715153"/>
+            <a:ext cx="5438140" cy="4466987"/>
           </a:xfrm>
           <a:prstGeom prst="rect">
             <a:avLst/>
@@ -1090,8 +1090,8 @@
         </p:nvSpPr>
         <p:spPr>
           <a:xfrm>
-            <a:off x="381000" y="685800"/>
-            <a:ext cx="6096000" cy="3429000"/>
+            <a:off x="90488" y="744538"/>
+            <a:ext cx="6616700" cy="3722687"/>
           </a:xfrm>
           <a:custGeom>
             <a:avLst/>
@@ -1131,8 +1131,8 @@
         </p:nvSpPr>
         <p:spPr>
           <a:xfrm>
-            <a:off x="685800" y="4343400"/>
-            <a:ext cx="5486400" cy="4114800"/>
+            <a:off x="679768" y="4715153"/>
+            <a:ext cx="5438140" cy="4466987"/>
           </a:xfrm>
           <a:prstGeom prst="rect">
             <a:avLst/>
@@ -1255,8 +1255,8 @@
         </p:nvSpPr>
         <p:spPr>
           <a:xfrm>
-            <a:off x="381000" y="685800"/>
-            <a:ext cx="6096000" cy="3429000"/>
+            <a:off x="90488" y="744538"/>
+            <a:ext cx="6616700" cy="3722687"/>
           </a:xfrm>
           <a:custGeom>
             <a:avLst/>
@@ -1296,8 +1296,8 @@
         </p:nvSpPr>
         <p:spPr>
           <a:xfrm>
-            <a:off x="685800" y="4343400"/>
-            <a:ext cx="5486400" cy="4114800"/>
+            <a:off x="679768" y="4715153"/>
+            <a:ext cx="5438140" cy="4466987"/>
           </a:xfrm>
           <a:prstGeom prst="rect">
             <a:avLst/>
@@ -1364,8 +1364,8 @@
         </p:nvSpPr>
         <p:spPr>
           <a:xfrm>
-            <a:off x="381000" y="685800"/>
-            <a:ext cx="6096000" cy="3429000"/>
+            <a:off x="90488" y="744538"/>
+            <a:ext cx="6616700" cy="3722687"/>
           </a:xfrm>
           <a:custGeom>
             <a:avLst/>
@@ -1405,8 +1405,8 @@
         </p:nvSpPr>
         <p:spPr>
           <a:xfrm>
-            <a:off x="685800" y="4343400"/>
-            <a:ext cx="5486400" cy="4114800"/>
+            <a:off x="679768" y="4715153"/>
+            <a:ext cx="5438140" cy="4466987"/>
           </a:xfrm>
           <a:prstGeom prst="rect">
             <a:avLst/>
@@ -1473,8 +1473,8 @@
         </p:nvSpPr>
         <p:spPr>
           <a:xfrm>
-            <a:off x="381000" y="685800"/>
-            <a:ext cx="6096000" cy="3429000"/>
+            <a:off x="90488" y="744538"/>
+            <a:ext cx="6616700" cy="3722687"/>
           </a:xfrm>
           <a:custGeom>
             <a:avLst/>
@@ -1514,8 +1514,8 @@
         </p:nvSpPr>
         <p:spPr>
           <a:xfrm>
-            <a:off x="685800" y="4343400"/>
-            <a:ext cx="5486400" cy="4114800"/>
+            <a:off x="679768" y="4715153"/>
+            <a:ext cx="5438140" cy="4466987"/>
           </a:xfrm>
           <a:prstGeom prst="rect">
             <a:avLst/>
@@ -1582,8 +1582,8 @@
         </p:nvSpPr>
         <p:spPr>
           <a:xfrm>
-            <a:off x="381000" y="685800"/>
-            <a:ext cx="6096000" cy="3429000"/>
+            <a:off x="90488" y="744538"/>
+            <a:ext cx="6616700" cy="3722687"/>
           </a:xfrm>
           <a:custGeom>
             <a:avLst/>
@@ -1623,8 +1623,8 @@
         </p:nvSpPr>
         <p:spPr>
           <a:xfrm>
-            <a:off x="685800" y="4343400"/>
-            <a:ext cx="5486400" cy="4114800"/>
+            <a:off x="679768" y="4715153"/>
+            <a:ext cx="5438140" cy="4466987"/>
           </a:xfrm>
           <a:prstGeom prst="rect">
             <a:avLst/>
@@ -1686,8 +1686,8 @@
         </p:nvSpPr>
         <p:spPr>
           <a:xfrm>
-            <a:off x="381000" y="685800"/>
-            <a:ext cx="6096000" cy="3429000"/>
+            <a:off x="90488" y="744538"/>
+            <a:ext cx="6616700" cy="3722687"/>
           </a:xfrm>
           <a:custGeom>
             <a:avLst/>
@@ -1727,8 +1727,8 @@
         </p:nvSpPr>
         <p:spPr>
           <a:xfrm>
-            <a:off x="685800" y="4343400"/>
-            <a:ext cx="5486400" cy="4114800"/>
+            <a:off x="679768" y="4715153"/>
+            <a:ext cx="5438140" cy="4466987"/>
           </a:xfrm>
           <a:prstGeom prst="rect">
             <a:avLst/>
@@ -2116,13 +2116,13 @@
   <p:clrMapOvr>
     <a:masterClrMapping/>
   </p:clrMapOvr>
-  <mc:AlternateContent xmlns:mc="http://schemas.openxmlformats.org/markup-compatibility/2006">
-    <mc:Choice xmlns:p15="http://schemas.microsoft.com/office/powerpoint/2012/main" Requires="p15">
+  <mc:AlternateContent xmlns:mc="http://schemas.openxmlformats.org/markup-compatibility/2006" xmlns:p15="http://schemas.microsoft.com/office/powerpoint/2012/main">
+    <mc:Choice Requires="p15">
       <p:transition xmlns:p14="http://schemas.microsoft.com/office/powerpoint/2010/main" spd="slow" p14:dur="2000">
         <p15:prstTrans prst="wind"/>
       </p:transition>
     </mc:Choice>
-    <mc:Fallback>
+    <mc:Fallback xmlns="">
       <p:transition spd="slow">
         <p:fade/>
       </p:transition>
@@ -2483,13 +2483,13 @@
   <p:clrMapOvr>
     <a:masterClrMapping/>
   </p:clrMapOvr>
-  <mc:AlternateContent xmlns:mc="http://schemas.openxmlformats.org/markup-compatibility/2006">
-    <mc:Choice xmlns:p15="http://schemas.microsoft.com/office/powerpoint/2012/main" Requires="p15">
+  <mc:AlternateContent xmlns:mc="http://schemas.openxmlformats.org/markup-compatibility/2006" xmlns:p15="http://schemas.microsoft.com/office/powerpoint/2012/main">
+    <mc:Choice Requires="p15">
       <p:transition xmlns:p14="http://schemas.microsoft.com/office/powerpoint/2010/main" spd="slow" p14:dur="2000">
         <p15:prstTrans prst="wind"/>
       </p:transition>
     </mc:Choice>
-    <mc:Fallback>
+    <mc:Fallback xmlns="">
       <p:transition spd="slow">
         <p:fade/>
       </p:transition>
@@ -2932,13 +2932,13 @@
   <p:clrMapOvr>
     <a:masterClrMapping/>
   </p:clrMapOvr>
-  <mc:AlternateContent xmlns:mc="http://schemas.openxmlformats.org/markup-compatibility/2006">
-    <mc:Choice xmlns:p15="http://schemas.microsoft.com/office/powerpoint/2012/main" Requires="p15">
+  <mc:AlternateContent xmlns:mc="http://schemas.openxmlformats.org/markup-compatibility/2006" xmlns:p15="http://schemas.microsoft.com/office/powerpoint/2012/main">
+    <mc:Choice Requires="p15">
       <p:transition xmlns:p14="http://schemas.microsoft.com/office/powerpoint/2010/main" spd="slow" p14:dur="2000">
         <p15:prstTrans prst="wind"/>
       </p:transition>
     </mc:Choice>
-    <mc:Fallback>
+    <mc:Fallback xmlns="">
       <p:transition spd="slow">
         <p:fade/>
       </p:transition>
@@ -4065,13 +4065,13 @@
   <p:clrMapOvr>
     <a:masterClrMapping/>
   </p:clrMapOvr>
-  <mc:AlternateContent xmlns:mc="http://schemas.openxmlformats.org/markup-compatibility/2006">
-    <mc:Choice xmlns:p15="http://schemas.microsoft.com/office/powerpoint/2012/main" Requires="p15">
+  <mc:AlternateContent xmlns:mc="http://schemas.openxmlformats.org/markup-compatibility/2006" xmlns:p15="http://schemas.microsoft.com/office/powerpoint/2012/main">
+    <mc:Choice Requires="p15">
       <p:transition xmlns:p14="http://schemas.microsoft.com/office/powerpoint/2010/main" spd="slow" p14:dur="2000">
         <p15:prstTrans prst="wind"/>
       </p:transition>
     </mc:Choice>
-    <mc:Fallback>
+    <mc:Fallback xmlns="">
       <p:transition spd="slow">
         <p:fade/>
       </p:transition>
@@ -4358,13 +4358,13 @@
   <p:clrMapOvr>
     <a:masterClrMapping/>
   </p:clrMapOvr>
-  <mc:AlternateContent xmlns:mc="http://schemas.openxmlformats.org/markup-compatibility/2006">
-    <mc:Choice xmlns:p15="http://schemas.microsoft.com/office/powerpoint/2012/main" Requires="p15">
+  <mc:AlternateContent xmlns:mc="http://schemas.openxmlformats.org/markup-compatibility/2006" xmlns:p15="http://schemas.microsoft.com/office/powerpoint/2012/main">
+    <mc:Choice Requires="p15">
       <p:transition xmlns:p14="http://schemas.microsoft.com/office/powerpoint/2010/main" spd="slow" p14:dur="2000">
         <p15:prstTrans prst="wind"/>
       </p:transition>
     </mc:Choice>
-    <mc:Fallback>
+    <mc:Fallback xmlns="">
       <p:transition spd="slow">
         <p:fade/>
       </p:transition>
@@ -4946,13 +4946,13 @@
   <p:clrMapOvr>
     <a:masterClrMapping/>
   </p:clrMapOvr>
-  <mc:AlternateContent xmlns:mc="http://schemas.openxmlformats.org/markup-compatibility/2006">
-    <mc:Choice xmlns:p15="http://schemas.microsoft.com/office/powerpoint/2012/main" Requires="p15">
+  <mc:AlternateContent xmlns:mc="http://schemas.openxmlformats.org/markup-compatibility/2006" xmlns:p15="http://schemas.microsoft.com/office/powerpoint/2012/main">
+    <mc:Choice Requires="p15">
       <p:transition xmlns:p14="http://schemas.microsoft.com/office/powerpoint/2010/main" spd="slow" p14:dur="2000">
         <p15:prstTrans prst="wind"/>
       </p:transition>
     </mc:Choice>
-    <mc:Fallback>
+    <mc:Fallback xmlns="">
       <p:transition spd="slow">
         <p:fade/>
       </p:transition>
@@ -6421,13 +6421,13 @@
   <p:clrMapOvr>
     <a:masterClrMapping/>
   </p:clrMapOvr>
-  <mc:AlternateContent xmlns:mc="http://schemas.openxmlformats.org/markup-compatibility/2006">
-    <mc:Choice xmlns:p15="http://schemas.microsoft.com/office/powerpoint/2012/main" Requires="p15">
+  <mc:AlternateContent xmlns:mc="http://schemas.openxmlformats.org/markup-compatibility/2006" xmlns:p15="http://schemas.microsoft.com/office/powerpoint/2012/main">
+    <mc:Choice Requires="p15">
       <p:transition xmlns:p14="http://schemas.microsoft.com/office/powerpoint/2010/main" spd="slow" p14:dur="2000">
         <p15:prstTrans prst="wind"/>
       </p:transition>
     </mc:Choice>
-    <mc:Fallback>
+    <mc:Fallback xmlns="">
       <p:transition spd="slow">
         <p:fade/>
       </p:transition>
@@ -6585,13 +6585,13 @@
   <p:clrMapOvr>
     <a:masterClrMapping/>
   </p:clrMapOvr>
-  <mc:AlternateContent xmlns:mc="http://schemas.openxmlformats.org/markup-compatibility/2006">
-    <mc:Choice xmlns:p15="http://schemas.microsoft.com/office/powerpoint/2012/main" Requires="p15">
+  <mc:AlternateContent xmlns:mc="http://schemas.openxmlformats.org/markup-compatibility/2006" xmlns:p15="http://schemas.microsoft.com/office/powerpoint/2012/main">
+    <mc:Choice Requires="p15">
       <p:transition xmlns:p14="http://schemas.microsoft.com/office/powerpoint/2010/main" spd="slow" p14:dur="2000">
         <p15:prstTrans prst="wind"/>
       </p:transition>
     </mc:Choice>
-    <mc:Fallback>
+    <mc:Fallback xmlns="">
       <p:transition spd="slow">
         <p:fade/>
       </p:transition>
@@ -6888,13 +6888,13 @@
   <p:clrMapOvr>
     <a:masterClrMapping/>
   </p:clrMapOvr>
-  <mc:AlternateContent xmlns:mc="http://schemas.openxmlformats.org/markup-compatibility/2006">
-    <mc:Choice xmlns:p15="http://schemas.microsoft.com/office/powerpoint/2012/main" Requires="p15">
+  <mc:AlternateContent xmlns:mc="http://schemas.openxmlformats.org/markup-compatibility/2006" xmlns:p15="http://schemas.microsoft.com/office/powerpoint/2012/main">
+    <mc:Choice Requires="p15">
       <p:transition xmlns:p14="http://schemas.microsoft.com/office/powerpoint/2010/main" spd="slow" p14:dur="2000">
         <p15:prstTrans prst="wind"/>
       </p:transition>
     </mc:Choice>
-    <mc:Fallback>
+    <mc:Fallback xmlns="">
       <p:transition spd="slow">
         <p:fade/>
       </p:transition>
@@ -7451,13 +7451,13 @@
     <p:sldLayoutId id="2147483671" r:id="rId8"/>
     <p:sldLayoutId id="2147483672" r:id="rId9"/>
   </p:sldLayoutIdLst>
-  <mc:AlternateContent xmlns:mc="http://schemas.openxmlformats.org/markup-compatibility/2006">
-    <mc:Choice xmlns:p15="http://schemas.microsoft.com/office/powerpoint/2012/main" Requires="p15">
+  <mc:AlternateContent xmlns:mc="http://schemas.openxmlformats.org/markup-compatibility/2006" xmlns:p15="http://schemas.microsoft.com/office/powerpoint/2012/main">
+    <mc:Choice Requires="p15">
       <p:transition xmlns:p14="http://schemas.microsoft.com/office/powerpoint/2010/main" spd="slow" p14:dur="2000">
         <p15:prstTrans prst="wind"/>
       </p:transition>
     </mc:Choice>
-    <mc:Fallback>
+    <mc:Fallback xmlns="">
       <p:transition spd="slow">
         <p:fade/>
       </p:transition>
@@ -8449,13 +8449,13 @@
   <p:clrMapOvr>
     <a:masterClrMapping/>
   </p:clrMapOvr>
-  <mc:AlternateContent xmlns:mc="http://schemas.openxmlformats.org/markup-compatibility/2006">
-    <mc:Choice xmlns:p15="http://schemas.microsoft.com/office/powerpoint/2012/main" Requires="p15">
+  <mc:AlternateContent xmlns:mc="http://schemas.openxmlformats.org/markup-compatibility/2006" xmlns:p15="http://schemas.microsoft.com/office/powerpoint/2012/main">
+    <mc:Choice Requires="p15">
       <p:transition xmlns:p14="http://schemas.microsoft.com/office/powerpoint/2010/main" spd="slow" p14:dur="6000">
         <p15:prstTrans prst="curtains"/>
       </p:transition>
     </mc:Choice>
-    <mc:Fallback>
+    <mc:Fallback xmlns="">
       <p:transition spd="slow">
         <p:fade/>
       </p:transition>
@@ -8771,7 +8771,7 @@
                     </a:solidFill>
                     <a:latin typeface="Abadi" panose="020B0604020104020204" pitchFamily="34" charset="0"/>
                   </a:rPr>
-                  <a:t> che dovrà contenere le nuove particelle create nella simulazione  e </a:t>
+                  <a:t> contenente le nuove particelle create nella simulazione  e </a:t>
                 </a:r>
                 <a:r>
                   <a:rPr lang="it-IT" dirty="0" err="1">
@@ -8807,7 +8807,7 @@
                     </a:solidFill>
                     <a:latin typeface="Abadi" panose="020B0604020104020204" pitchFamily="34" charset="0"/>
                   </a:rPr>
-                  <a:t>che contiene i nuovi valori delle energie delle particelle di sciame e i relativi indici.</a:t>
+                  <a:t>contenente i nuovi valori delle energie delle particelle di sciame e i relativi indici.</a:t>
                 </a:r>
               </a:p>
               <a:p>
@@ -8922,9 +8922,21 @@
                         <a:lumOff val="25000"/>
                       </a:schemeClr>
                     </a:solidFill>
+                    <a:latin typeface="Consolas" panose="020B0609020204030204" pitchFamily="49" charset="0"/>
+                  </a:rPr>
+                  <a:t>tuple</a:t>
+                </a:r>
+                <a:r>
+                  <a:rPr lang="it-IT" dirty="0">
+                    <a:solidFill>
+                      <a:schemeClr val="tx2">
+                        <a:lumMod val="75000"/>
+                        <a:lumOff val="25000"/>
+                      </a:schemeClr>
+                    </a:solidFill>
                     <a:latin typeface="Abadi" panose="020B0604020104020204" pitchFamily="34" charset="0"/>
                   </a:rPr>
-                  <a:t>tuple</a:t>
+                  <a:t> (indice, tipo, energia) (</a:t>
                 </a:r>
                 <a:r>
                   <a:rPr lang="it-IT" dirty="0">
@@ -8935,8 +8947,15 @@
                       </a:schemeClr>
                     </a:solidFill>
                     <a:latin typeface="Abadi" panose="020B0604020104020204" pitchFamily="34" charset="0"/>
-                  </a:rPr>
-                  <a:t> (indice, tipo, energia) (più veloce di </a:t>
+                    <a:hlinkClick r:id="rId2">
+                      <a:extLst>
+                        <a:ext uri="{A12FA001-AC4F-418D-AE19-62706E023703}">
+                          <ahyp:hlinkClr xmlns:ahyp="http://schemas.microsoft.com/office/drawing/2018/hyperlinkcolor" val="tx"/>
+                        </a:ext>
+                      </a:extLst>
+                    </a:hlinkClick>
+                  </a:rPr>
+                  <a:t>più veloce di </a:t>
                 </a:r>
                 <a:r>
                   <a:rPr lang="it-IT" dirty="0" err="1">
@@ -8947,6 +8966,13 @@
                       </a:schemeClr>
                     </a:solidFill>
                     <a:latin typeface="Consolas" panose="020B0609020204030204" pitchFamily="49" charset="0"/>
+                    <a:hlinkClick r:id="rId2">
+                      <a:extLst>
+                        <a:ext uri="{A12FA001-AC4F-418D-AE19-62706E023703}">
+                          <ahyp:hlinkClr xmlns:ahyp="http://schemas.microsoft.com/office/drawing/2018/hyperlinkcolor" val="tx"/>
+                        </a:ext>
+                      </a:extLst>
+                    </a:hlinkClick>
                   </a:rPr>
                   <a:t>iterrows</a:t>
                 </a:r>
@@ -8959,8 +8985,27 @@
                       </a:schemeClr>
                     </a:solidFill>
                     <a:latin typeface="Consolas" panose="020B0609020204030204" pitchFamily="49" charset="0"/>
-                  </a:rPr>
-                  <a:t>()).</a:t>
+                    <a:hlinkClick r:id="rId2">
+                      <a:extLst>
+                        <a:ext uri="{A12FA001-AC4F-418D-AE19-62706E023703}">
+                          <ahyp:hlinkClr xmlns:ahyp="http://schemas.microsoft.com/office/drawing/2018/hyperlinkcolor" val="tx"/>
+                        </a:ext>
+                      </a:extLst>
+                    </a:hlinkClick>
+                  </a:rPr>
+                  <a:t>()</a:t>
+                </a:r>
+                <a:r>
+                  <a:rPr lang="it-IT" dirty="0">
+                    <a:solidFill>
+                      <a:schemeClr val="tx2">
+                        <a:lumMod val="75000"/>
+                        <a:lumOff val="25000"/>
+                      </a:schemeClr>
+                    </a:solidFill>
+                    <a:latin typeface="Consolas" panose="020B0609020204030204" pitchFamily="49" charset="0"/>
+                  </a:rPr>
+                  <a:t>).</a:t>
                 </a:r>
               </a:p>
               <a:p>
@@ -10167,7 +10212,7 @@
                 <a:avLst/>
               </a:prstGeom>
               <a:blipFill>
-                <a:blip r:embed="rId2"/>
+                <a:blip r:embed="rId3"/>
                 <a:stretch>
                   <a:fillRect l="-149"/>
                 </a:stretch>
@@ -10198,18 +10243,250 @@
   <p:clrMapOvr>
     <a:masterClrMapping/>
   </p:clrMapOvr>
-  <mc:AlternateContent xmlns:mc="http://schemas.openxmlformats.org/markup-compatibility/2006">
-    <mc:Choice xmlns:p15="http://schemas.microsoft.com/office/powerpoint/2012/main" Requires="p15">
+  <mc:AlternateContent xmlns:mc="http://schemas.openxmlformats.org/markup-compatibility/2006" xmlns:p15="http://schemas.microsoft.com/office/powerpoint/2012/main">
+    <mc:Choice Requires="p15">
       <p:transition xmlns:p14="http://schemas.microsoft.com/office/powerpoint/2010/main" spd="slow" p14:dur="2000">
         <p15:prstTrans prst="wind"/>
       </p:transition>
     </mc:Choice>
-    <mc:Fallback>
+    <mc:Fallback xmlns="">
       <p:transition spd="slow">
         <p:fade/>
       </p:transition>
     </mc:Fallback>
   </mc:AlternateContent>
+  <p:timing>
+    <p:tnLst>
+      <p:par>
+        <p:cTn id="1" dur="indefinite" restart="never" nodeType="tmRoot">
+          <p:childTnLst>
+            <p:seq concurrent="1" nextAc="seek">
+              <p:cTn id="2" dur="indefinite" nodeType="mainSeq">
+                <p:childTnLst>
+                  <p:par>
+                    <p:cTn id="3" fill="hold">
+                      <p:stCondLst>
+                        <p:cond delay="indefinite"/>
+                      </p:stCondLst>
+                      <p:childTnLst>
+                        <p:par>
+                          <p:cTn id="4" fill="hold">
+                            <p:stCondLst>
+                              <p:cond delay="0"/>
+                            </p:stCondLst>
+                            <p:childTnLst>
+                              <p:par>
+                                <p:cTn id="5" presetID="47" presetClass="entr" presetSubtype="0" fill="hold" grpId="0" nodeType="clickEffect">
+                                  <p:stCondLst>
+                                    <p:cond delay="0"/>
+                                  </p:stCondLst>
+                                  <p:childTnLst>
+                                    <p:set>
+                                      <p:cBhvr>
+                                        <p:cTn id="6" dur="1" fill="hold">
+                                          <p:stCondLst>
+                                            <p:cond delay="0"/>
+                                          </p:stCondLst>
+                                        </p:cTn>
+                                        <p:tgtEl>
+                                          <p:spTgt spid="2"/>
+                                        </p:tgtEl>
+                                        <p:attrNameLst>
+                                          <p:attrName>style.visibility</p:attrName>
+                                        </p:attrNameLst>
+                                      </p:cBhvr>
+                                      <p:to>
+                                        <p:strVal val="visible"/>
+                                      </p:to>
+                                    </p:set>
+                                    <p:animEffect transition="in" filter="fade">
+                                      <p:cBhvr>
+                                        <p:cTn id="7" dur="1000"/>
+                                        <p:tgtEl>
+                                          <p:spTgt spid="2"/>
+                                        </p:tgtEl>
+                                      </p:cBhvr>
+                                    </p:animEffect>
+                                    <p:anim calcmode="lin" valueType="num">
+                                      <p:cBhvr>
+                                        <p:cTn id="8" dur="1000" fill="hold"/>
+                                        <p:tgtEl>
+                                          <p:spTgt spid="2"/>
+                                        </p:tgtEl>
+                                        <p:attrNameLst>
+                                          <p:attrName>ppt_x</p:attrName>
+                                        </p:attrNameLst>
+                                      </p:cBhvr>
+                                      <p:tavLst>
+                                        <p:tav tm="0">
+                                          <p:val>
+                                            <p:strVal val="#ppt_x"/>
+                                          </p:val>
+                                        </p:tav>
+                                        <p:tav tm="100000">
+                                          <p:val>
+                                            <p:strVal val="#ppt_x"/>
+                                          </p:val>
+                                        </p:tav>
+                                      </p:tavLst>
+                                    </p:anim>
+                                    <p:anim calcmode="lin" valueType="num">
+                                      <p:cBhvr>
+                                        <p:cTn id="9" dur="1000" fill="hold"/>
+                                        <p:tgtEl>
+                                          <p:spTgt spid="2"/>
+                                        </p:tgtEl>
+                                        <p:attrNameLst>
+                                          <p:attrName>ppt_y</p:attrName>
+                                        </p:attrNameLst>
+                                      </p:cBhvr>
+                                      <p:tavLst>
+                                        <p:tav tm="0">
+                                          <p:val>
+                                            <p:strVal val="#ppt_y-.1"/>
+                                          </p:val>
+                                        </p:tav>
+                                        <p:tav tm="100000">
+                                          <p:val>
+                                            <p:strVal val="#ppt_y"/>
+                                          </p:val>
+                                        </p:tav>
+                                      </p:tavLst>
+                                    </p:anim>
+                                  </p:childTnLst>
+                                </p:cTn>
+                              </p:par>
+                            </p:childTnLst>
+                          </p:cTn>
+                        </p:par>
+                      </p:childTnLst>
+                    </p:cTn>
+                  </p:par>
+                  <p:par>
+                    <p:cTn id="10" fill="hold">
+                      <p:stCondLst>
+                        <p:cond delay="indefinite"/>
+                      </p:stCondLst>
+                      <p:childTnLst>
+                        <p:par>
+                          <p:cTn id="11" fill="hold">
+                            <p:stCondLst>
+                              <p:cond delay="0"/>
+                            </p:stCondLst>
+                            <p:childTnLst>
+                              <p:par>
+                                <p:cTn id="12" presetID="42" presetClass="entr" presetSubtype="0" fill="hold" grpId="0" nodeType="clickEffect">
+                                  <p:stCondLst>
+                                    <p:cond delay="0"/>
+                                  </p:stCondLst>
+                                  <p:childTnLst>
+                                    <p:set>
+                                      <p:cBhvr>
+                                        <p:cTn id="13" dur="1" fill="hold">
+                                          <p:stCondLst>
+                                            <p:cond delay="0"/>
+                                          </p:stCondLst>
+                                        </p:cTn>
+                                        <p:tgtEl>
+                                          <p:spTgt spid="5"/>
+                                        </p:tgtEl>
+                                        <p:attrNameLst>
+                                          <p:attrName>style.visibility</p:attrName>
+                                        </p:attrNameLst>
+                                      </p:cBhvr>
+                                      <p:to>
+                                        <p:strVal val="visible"/>
+                                      </p:to>
+                                    </p:set>
+                                    <p:animEffect transition="in" filter="fade">
+                                      <p:cBhvr>
+                                        <p:cTn id="14" dur="1000"/>
+                                        <p:tgtEl>
+                                          <p:spTgt spid="5"/>
+                                        </p:tgtEl>
+                                      </p:cBhvr>
+                                    </p:animEffect>
+                                    <p:anim calcmode="lin" valueType="num">
+                                      <p:cBhvr>
+                                        <p:cTn id="15" dur="1000" fill="hold"/>
+                                        <p:tgtEl>
+                                          <p:spTgt spid="5"/>
+                                        </p:tgtEl>
+                                        <p:attrNameLst>
+                                          <p:attrName>ppt_x</p:attrName>
+                                        </p:attrNameLst>
+                                      </p:cBhvr>
+                                      <p:tavLst>
+                                        <p:tav tm="0">
+                                          <p:val>
+                                            <p:strVal val="#ppt_x"/>
+                                          </p:val>
+                                        </p:tav>
+                                        <p:tav tm="100000">
+                                          <p:val>
+                                            <p:strVal val="#ppt_x"/>
+                                          </p:val>
+                                        </p:tav>
+                                      </p:tavLst>
+                                    </p:anim>
+                                    <p:anim calcmode="lin" valueType="num">
+                                      <p:cBhvr>
+                                        <p:cTn id="16" dur="1000" fill="hold"/>
+                                        <p:tgtEl>
+                                          <p:spTgt spid="5"/>
+                                        </p:tgtEl>
+                                        <p:attrNameLst>
+                                          <p:attrName>ppt_y</p:attrName>
+                                        </p:attrNameLst>
+                                      </p:cBhvr>
+                                      <p:tavLst>
+                                        <p:tav tm="0">
+                                          <p:val>
+                                            <p:strVal val="#ppt_y+.1"/>
+                                          </p:val>
+                                        </p:tav>
+                                        <p:tav tm="100000">
+                                          <p:val>
+                                            <p:strVal val="#ppt_y"/>
+                                          </p:val>
+                                        </p:tav>
+                                      </p:tavLst>
+                                    </p:anim>
+                                  </p:childTnLst>
+                                </p:cTn>
+                              </p:par>
+                            </p:childTnLst>
+                          </p:cTn>
+                        </p:par>
+                      </p:childTnLst>
+                    </p:cTn>
+                  </p:par>
+                </p:childTnLst>
+              </p:cTn>
+              <p:prevCondLst>
+                <p:cond evt="onPrev" delay="0">
+                  <p:tgtEl>
+                    <p:sldTgt/>
+                  </p:tgtEl>
+                </p:cond>
+              </p:prevCondLst>
+              <p:nextCondLst>
+                <p:cond evt="onNext" delay="0">
+                  <p:tgtEl>
+                    <p:sldTgt/>
+                  </p:tgtEl>
+                </p:cond>
+              </p:nextCondLst>
+            </p:seq>
+          </p:childTnLst>
+        </p:cTn>
+      </p:par>
+    </p:tnLst>
+    <p:bldLst>
+      <p:bldP spid="2" grpId="0"/>
+      <p:bldP spid="5" grpId="0"/>
+    </p:bldLst>
+  </p:timing>
 </p:sld>
 </file>
 
@@ -10663,7 +10940,7 @@
                         <a:lumOff val="25000"/>
                       </a:schemeClr>
                     </a:solidFill>
-                    <a:latin typeface="Abadi" panose="020B0604020104020204" pitchFamily="34" charset="0"/>
+                    <a:latin typeface="Consolas" panose="020B0609020204030204" pitchFamily="49" charset="0"/>
                   </a:rPr>
                   <a:t>tupla</a:t>
                 </a:r>
@@ -10942,7 +11219,7 @@
                         <a:lumOff val="25000"/>
                       </a:schemeClr>
                     </a:solidFill>
-                    <a:latin typeface="Abadi" panose="020B0604020104020204" pitchFamily="34" charset="0"/>
+                    <a:latin typeface="Consolas" panose="020B0609020204030204" pitchFamily="49" charset="0"/>
                   </a:rPr>
                   <a:t>tupla</a:t>
                 </a:r>
@@ -10985,7 +11262,7 @@
                     </a:solidFill>
                     <a:latin typeface="Abadi" panose="020B0604020104020204" pitchFamily="34" charset="0"/>
                   </a:rPr>
-                  <a:t>  e 0 come E.</a:t>
+                  <a:t>  e energia pari a 0.</a:t>
                 </a:r>
               </a:p>
               <a:p>
@@ -11302,6 +11579,18 @@
                     <a:latin typeface="Consolas" panose="020B0609020204030204" pitchFamily="49" charset="0"/>
                   </a:rPr>
                   <a:t>sciame </a:t>
+                </a:r>
+                <a:r>
+                  <a:rPr lang="it-IT" dirty="0">
+                    <a:solidFill>
+                      <a:schemeClr val="tx2">
+                        <a:lumMod val="75000"/>
+                        <a:lumOff val="25000"/>
+                      </a:schemeClr>
+                    </a:solidFill>
+                    <a:latin typeface="Abadi" panose="020B0604020104020204" pitchFamily="34" charset="0"/>
+                  </a:rPr>
+                  <a:t>con </a:t>
                 </a:r>
                 <a:r>
                   <a:rPr lang="it-IT" dirty="0" err="1">
@@ -11533,18 +11822,250 @@
   <p:clrMapOvr>
     <a:masterClrMapping/>
   </p:clrMapOvr>
-  <mc:AlternateContent xmlns:mc="http://schemas.openxmlformats.org/markup-compatibility/2006">
-    <mc:Choice xmlns:p15="http://schemas.microsoft.com/office/powerpoint/2012/main" Requires="p15">
+  <mc:AlternateContent xmlns:mc="http://schemas.openxmlformats.org/markup-compatibility/2006" xmlns:p15="http://schemas.microsoft.com/office/powerpoint/2012/main">
+    <mc:Choice Requires="p15">
       <p:transition xmlns:p14="http://schemas.microsoft.com/office/powerpoint/2010/main" spd="slow" p14:dur="2000">
         <p15:prstTrans prst="wind"/>
       </p:transition>
     </mc:Choice>
-    <mc:Fallback>
+    <mc:Fallback xmlns="">
       <p:transition spd="slow">
         <p:fade/>
       </p:transition>
     </mc:Fallback>
   </mc:AlternateContent>
+  <p:timing>
+    <p:tnLst>
+      <p:par>
+        <p:cTn id="1" dur="indefinite" restart="never" nodeType="tmRoot">
+          <p:childTnLst>
+            <p:seq concurrent="1" nextAc="seek">
+              <p:cTn id="2" dur="indefinite" nodeType="mainSeq">
+                <p:childTnLst>
+                  <p:par>
+                    <p:cTn id="3" fill="hold">
+                      <p:stCondLst>
+                        <p:cond delay="indefinite"/>
+                      </p:stCondLst>
+                      <p:childTnLst>
+                        <p:par>
+                          <p:cTn id="4" fill="hold">
+                            <p:stCondLst>
+                              <p:cond delay="0"/>
+                            </p:stCondLst>
+                            <p:childTnLst>
+                              <p:par>
+                                <p:cTn id="5" presetID="47" presetClass="entr" presetSubtype="0" fill="hold" grpId="0" nodeType="clickEffect">
+                                  <p:stCondLst>
+                                    <p:cond delay="0"/>
+                                  </p:stCondLst>
+                                  <p:childTnLst>
+                                    <p:set>
+                                      <p:cBhvr>
+                                        <p:cTn id="6" dur="1" fill="hold">
+                                          <p:stCondLst>
+                                            <p:cond delay="0"/>
+                                          </p:stCondLst>
+                                        </p:cTn>
+                                        <p:tgtEl>
+                                          <p:spTgt spid="2"/>
+                                        </p:tgtEl>
+                                        <p:attrNameLst>
+                                          <p:attrName>style.visibility</p:attrName>
+                                        </p:attrNameLst>
+                                      </p:cBhvr>
+                                      <p:to>
+                                        <p:strVal val="visible"/>
+                                      </p:to>
+                                    </p:set>
+                                    <p:animEffect transition="in" filter="fade">
+                                      <p:cBhvr>
+                                        <p:cTn id="7" dur="1000"/>
+                                        <p:tgtEl>
+                                          <p:spTgt spid="2"/>
+                                        </p:tgtEl>
+                                      </p:cBhvr>
+                                    </p:animEffect>
+                                    <p:anim calcmode="lin" valueType="num">
+                                      <p:cBhvr>
+                                        <p:cTn id="8" dur="1000" fill="hold"/>
+                                        <p:tgtEl>
+                                          <p:spTgt spid="2"/>
+                                        </p:tgtEl>
+                                        <p:attrNameLst>
+                                          <p:attrName>ppt_x</p:attrName>
+                                        </p:attrNameLst>
+                                      </p:cBhvr>
+                                      <p:tavLst>
+                                        <p:tav tm="0">
+                                          <p:val>
+                                            <p:strVal val="#ppt_x"/>
+                                          </p:val>
+                                        </p:tav>
+                                        <p:tav tm="100000">
+                                          <p:val>
+                                            <p:strVal val="#ppt_x"/>
+                                          </p:val>
+                                        </p:tav>
+                                      </p:tavLst>
+                                    </p:anim>
+                                    <p:anim calcmode="lin" valueType="num">
+                                      <p:cBhvr>
+                                        <p:cTn id="9" dur="1000" fill="hold"/>
+                                        <p:tgtEl>
+                                          <p:spTgt spid="2"/>
+                                        </p:tgtEl>
+                                        <p:attrNameLst>
+                                          <p:attrName>ppt_y</p:attrName>
+                                        </p:attrNameLst>
+                                      </p:cBhvr>
+                                      <p:tavLst>
+                                        <p:tav tm="0">
+                                          <p:val>
+                                            <p:strVal val="#ppt_y-.1"/>
+                                          </p:val>
+                                        </p:tav>
+                                        <p:tav tm="100000">
+                                          <p:val>
+                                            <p:strVal val="#ppt_y"/>
+                                          </p:val>
+                                        </p:tav>
+                                      </p:tavLst>
+                                    </p:anim>
+                                  </p:childTnLst>
+                                </p:cTn>
+                              </p:par>
+                            </p:childTnLst>
+                          </p:cTn>
+                        </p:par>
+                      </p:childTnLst>
+                    </p:cTn>
+                  </p:par>
+                  <p:par>
+                    <p:cTn id="10" fill="hold">
+                      <p:stCondLst>
+                        <p:cond delay="indefinite"/>
+                      </p:stCondLst>
+                      <p:childTnLst>
+                        <p:par>
+                          <p:cTn id="11" fill="hold">
+                            <p:stCondLst>
+                              <p:cond delay="0"/>
+                            </p:stCondLst>
+                            <p:childTnLst>
+                              <p:par>
+                                <p:cTn id="12" presetID="42" presetClass="entr" presetSubtype="0" fill="hold" grpId="0" nodeType="clickEffect">
+                                  <p:stCondLst>
+                                    <p:cond delay="0"/>
+                                  </p:stCondLst>
+                                  <p:childTnLst>
+                                    <p:set>
+                                      <p:cBhvr>
+                                        <p:cTn id="13" dur="1" fill="hold">
+                                          <p:stCondLst>
+                                            <p:cond delay="0"/>
+                                          </p:stCondLst>
+                                        </p:cTn>
+                                        <p:tgtEl>
+                                          <p:spTgt spid="5"/>
+                                        </p:tgtEl>
+                                        <p:attrNameLst>
+                                          <p:attrName>style.visibility</p:attrName>
+                                        </p:attrNameLst>
+                                      </p:cBhvr>
+                                      <p:to>
+                                        <p:strVal val="visible"/>
+                                      </p:to>
+                                    </p:set>
+                                    <p:animEffect transition="in" filter="fade">
+                                      <p:cBhvr>
+                                        <p:cTn id="14" dur="1000"/>
+                                        <p:tgtEl>
+                                          <p:spTgt spid="5"/>
+                                        </p:tgtEl>
+                                      </p:cBhvr>
+                                    </p:animEffect>
+                                    <p:anim calcmode="lin" valueType="num">
+                                      <p:cBhvr>
+                                        <p:cTn id="15" dur="1000" fill="hold"/>
+                                        <p:tgtEl>
+                                          <p:spTgt spid="5"/>
+                                        </p:tgtEl>
+                                        <p:attrNameLst>
+                                          <p:attrName>ppt_x</p:attrName>
+                                        </p:attrNameLst>
+                                      </p:cBhvr>
+                                      <p:tavLst>
+                                        <p:tav tm="0">
+                                          <p:val>
+                                            <p:strVal val="#ppt_x"/>
+                                          </p:val>
+                                        </p:tav>
+                                        <p:tav tm="100000">
+                                          <p:val>
+                                            <p:strVal val="#ppt_x"/>
+                                          </p:val>
+                                        </p:tav>
+                                      </p:tavLst>
+                                    </p:anim>
+                                    <p:anim calcmode="lin" valueType="num">
+                                      <p:cBhvr>
+                                        <p:cTn id="16" dur="1000" fill="hold"/>
+                                        <p:tgtEl>
+                                          <p:spTgt spid="5"/>
+                                        </p:tgtEl>
+                                        <p:attrNameLst>
+                                          <p:attrName>ppt_y</p:attrName>
+                                        </p:attrNameLst>
+                                      </p:cBhvr>
+                                      <p:tavLst>
+                                        <p:tav tm="0">
+                                          <p:val>
+                                            <p:strVal val="#ppt_y+.1"/>
+                                          </p:val>
+                                        </p:tav>
+                                        <p:tav tm="100000">
+                                          <p:val>
+                                            <p:strVal val="#ppt_y"/>
+                                          </p:val>
+                                        </p:tav>
+                                      </p:tavLst>
+                                    </p:anim>
+                                  </p:childTnLst>
+                                </p:cTn>
+                              </p:par>
+                            </p:childTnLst>
+                          </p:cTn>
+                        </p:par>
+                      </p:childTnLst>
+                    </p:cTn>
+                  </p:par>
+                </p:childTnLst>
+              </p:cTn>
+              <p:prevCondLst>
+                <p:cond evt="onPrev" delay="0">
+                  <p:tgtEl>
+                    <p:sldTgt/>
+                  </p:tgtEl>
+                </p:cond>
+              </p:prevCondLst>
+              <p:nextCondLst>
+                <p:cond evt="onNext" delay="0">
+                  <p:tgtEl>
+                    <p:sldTgt/>
+                  </p:tgtEl>
+                </p:cond>
+              </p:nextCondLst>
+            </p:seq>
+          </p:childTnLst>
+        </p:cTn>
+      </p:par>
+    </p:tnLst>
+    <p:bldLst>
+      <p:bldP spid="2" grpId="0"/>
+      <p:bldP spid="5" grpId="0"/>
+    </p:bldLst>
+  </p:timing>
 </p:sld>
 </file>
 
@@ -11879,13 +12400,13 @@
   <p:clrMapOvr>
     <a:masterClrMapping/>
   </p:clrMapOvr>
-  <mc:AlternateContent xmlns:mc="http://schemas.openxmlformats.org/markup-compatibility/2006">
-    <mc:Choice xmlns:p15="http://schemas.microsoft.com/office/powerpoint/2012/main" Requires="p15">
+  <mc:AlternateContent xmlns:mc="http://schemas.openxmlformats.org/markup-compatibility/2006" xmlns:p15="http://schemas.microsoft.com/office/powerpoint/2012/main">
+    <mc:Choice Requires="p15">
       <p:transition xmlns:p14="http://schemas.microsoft.com/office/powerpoint/2010/main" spd="slow" p14:dur="6000">
         <p15:prstTrans prst="curtains"/>
       </p:transition>
     </mc:Choice>
-    <mc:Fallback>
+    <mc:Fallback xmlns="">
       <p:transition spd="slow">
         <p:fade/>
       </p:transition>
@@ -11939,8 +12460,8 @@
           </a:p>
         </p:txBody>
       </p:sp>
-      <mc:AlternateContent xmlns:mc="http://schemas.openxmlformats.org/markup-compatibility/2006">
-        <mc:Choice xmlns:a14="http://schemas.microsoft.com/office/drawing/2010/main" Requires="a14">
+      <mc:AlternateContent xmlns:mc="http://schemas.openxmlformats.org/markup-compatibility/2006" xmlns:a14="http://schemas.microsoft.com/office/drawing/2010/main">
+        <mc:Choice Requires="a14">
           <p:sp>
             <p:nvSpPr>
               <p:cNvPr id="4" name="CasellaDiTesto 3">
@@ -12195,7 +12716,7 @@
             </p:txBody>
           </p:sp>
         </mc:Choice>
-        <mc:Fallback>
+        <mc:Fallback xmlns="">
           <p:sp>
             <p:nvSpPr>
               <p:cNvPr id="4" name="CasellaDiTesto 3">
@@ -12427,7 +12948,31 @@
                     </a:solidFill>
                     <a:latin typeface="Abadi" panose="020B0604020104020204" pitchFamily="34" charset="0"/>
                   </a:rPr>
-                  <a:t>Il numero di valori di E da considerare (n)</a:t>
+                  <a:t>Il numero di valori di E da considerare (</a:t>
+                </a:r>
+                <a:r>
+                  <a:rPr lang="it-IT" dirty="0">
+                    <a:solidFill>
+                      <a:schemeClr val="tx2">
+                        <a:lumMod val="75000"/>
+                        <a:lumOff val="25000"/>
+                      </a:schemeClr>
+                    </a:solidFill>
+                    <a:latin typeface="Consolas" panose="020B0609020204030204" pitchFamily="49" charset="0"/>
+                  </a:rPr>
+                  <a:t>n</a:t>
+                </a:r>
+                <a:r>
+                  <a:rPr lang="it-IT" dirty="0">
+                    <a:solidFill>
+                      <a:schemeClr val="tx2">
+                        <a:lumMod val="75000"/>
+                        <a:lumOff val="25000"/>
+                      </a:schemeClr>
+                    </a:solidFill>
+                    <a:latin typeface="Abadi" panose="020B0604020104020204" pitchFamily="34" charset="0"/>
+                  </a:rPr>
+                  <a:t>)</a:t>
                 </a:r>
               </a:p>
               <a:p>
@@ -12480,7 +13025,31 @@
                     </a:solidFill>
                     <a:latin typeface="Abadi" panose="020B0604020104020204" pitchFamily="34" charset="0"/>
                   </a:rPr>
-                  <a:t> (x)</a:t>
+                  <a:t> (</a:t>
+                </a:r>
+                <a:r>
+                  <a:rPr lang="it-IT" dirty="0">
+                    <a:solidFill>
+                      <a:schemeClr val="tx2">
+                        <a:lumMod val="75000"/>
+                        <a:lumOff val="25000"/>
+                      </a:schemeClr>
+                    </a:solidFill>
+                    <a:latin typeface="Consolas" panose="020B0609020204030204" pitchFamily="49" charset="0"/>
+                  </a:rPr>
+                  <a:t>x</a:t>
+                </a:r>
+                <a:r>
+                  <a:rPr lang="it-IT" dirty="0">
+                    <a:solidFill>
+                      <a:schemeClr val="tx2">
+                        <a:lumMod val="75000"/>
+                        <a:lumOff val="25000"/>
+                      </a:schemeClr>
+                    </a:solidFill>
+                    <a:latin typeface="Abadi" panose="020B0604020104020204" pitchFamily="34" charset="0"/>
+                  </a:rPr>
+                  <a:t>)</a:t>
                 </a:r>
               </a:p>
               <a:p>
@@ -12504,7 +13073,31 @@
                     </a:solidFill>
                     <a:latin typeface="Abadi" panose="020B0604020104020204" pitchFamily="34" charset="0"/>
                   </a:rPr>
-                  <a:t>Il valore del passo di avanzamento (s)</a:t>
+                  <a:t>Il valore del passo di avanzamento (</a:t>
+                </a:r>
+                <a:r>
+                  <a:rPr lang="it-IT" dirty="0">
+                    <a:solidFill>
+                      <a:schemeClr val="tx2">
+                        <a:lumMod val="75000"/>
+                        <a:lumOff val="25000"/>
+                      </a:schemeClr>
+                    </a:solidFill>
+                    <a:latin typeface="Consolas" panose="020B0609020204030204" pitchFamily="49" charset="0"/>
+                  </a:rPr>
+                  <a:t>s</a:t>
+                </a:r>
+                <a:r>
+                  <a:rPr lang="it-IT" dirty="0">
+                    <a:solidFill>
+                      <a:schemeClr val="tx2">
+                        <a:lumMod val="75000"/>
+                        <a:lumOff val="25000"/>
+                      </a:schemeClr>
+                    </a:solidFill>
+                    <a:latin typeface="Abadi" panose="020B0604020104020204" pitchFamily="34" charset="0"/>
+                  </a:rPr>
+                  <a:t>)</a:t>
                 </a:r>
               </a:p>
               <a:p>
@@ -12815,18 +13408,250 @@
   <p:clrMapOvr>
     <a:masterClrMapping/>
   </p:clrMapOvr>
-  <mc:AlternateContent xmlns:mc="http://schemas.openxmlformats.org/markup-compatibility/2006">
-    <mc:Choice xmlns:p15="http://schemas.microsoft.com/office/powerpoint/2012/main" Requires="p15">
+  <mc:AlternateContent xmlns:mc="http://schemas.openxmlformats.org/markup-compatibility/2006" xmlns:p15="http://schemas.microsoft.com/office/powerpoint/2012/main">
+    <mc:Choice Requires="p15">
       <p:transition xmlns:p14="http://schemas.microsoft.com/office/powerpoint/2010/main" spd="slow" p14:dur="2000">
         <p15:prstTrans prst="wind"/>
       </p:transition>
     </mc:Choice>
-    <mc:Fallback>
+    <mc:Fallback xmlns="">
       <p:transition spd="slow">
         <p:fade/>
       </p:transition>
     </mc:Fallback>
   </mc:AlternateContent>
+  <p:timing>
+    <p:tnLst>
+      <p:par>
+        <p:cTn id="1" dur="indefinite" restart="never" nodeType="tmRoot">
+          <p:childTnLst>
+            <p:seq concurrent="1" nextAc="seek">
+              <p:cTn id="2" dur="indefinite" nodeType="mainSeq">
+                <p:childTnLst>
+                  <p:par>
+                    <p:cTn id="3" fill="hold">
+                      <p:stCondLst>
+                        <p:cond delay="indefinite"/>
+                      </p:stCondLst>
+                      <p:childTnLst>
+                        <p:par>
+                          <p:cTn id="4" fill="hold">
+                            <p:stCondLst>
+                              <p:cond delay="0"/>
+                            </p:stCondLst>
+                            <p:childTnLst>
+                              <p:par>
+                                <p:cTn id="5" presetID="47" presetClass="entr" presetSubtype="0" fill="hold" grpId="0" nodeType="clickEffect">
+                                  <p:stCondLst>
+                                    <p:cond delay="0"/>
+                                  </p:stCondLst>
+                                  <p:childTnLst>
+                                    <p:set>
+                                      <p:cBhvr>
+                                        <p:cTn id="6" dur="1" fill="hold">
+                                          <p:stCondLst>
+                                            <p:cond delay="0"/>
+                                          </p:stCondLst>
+                                        </p:cTn>
+                                        <p:tgtEl>
+                                          <p:spTgt spid="4"/>
+                                        </p:tgtEl>
+                                        <p:attrNameLst>
+                                          <p:attrName>style.visibility</p:attrName>
+                                        </p:attrNameLst>
+                                      </p:cBhvr>
+                                      <p:to>
+                                        <p:strVal val="visible"/>
+                                      </p:to>
+                                    </p:set>
+                                    <p:animEffect transition="in" filter="fade">
+                                      <p:cBhvr>
+                                        <p:cTn id="7" dur="1000"/>
+                                        <p:tgtEl>
+                                          <p:spTgt spid="4"/>
+                                        </p:tgtEl>
+                                      </p:cBhvr>
+                                    </p:animEffect>
+                                    <p:anim calcmode="lin" valueType="num">
+                                      <p:cBhvr>
+                                        <p:cTn id="8" dur="1000" fill="hold"/>
+                                        <p:tgtEl>
+                                          <p:spTgt spid="4"/>
+                                        </p:tgtEl>
+                                        <p:attrNameLst>
+                                          <p:attrName>ppt_x</p:attrName>
+                                        </p:attrNameLst>
+                                      </p:cBhvr>
+                                      <p:tavLst>
+                                        <p:tav tm="0">
+                                          <p:val>
+                                            <p:strVal val="#ppt_x"/>
+                                          </p:val>
+                                        </p:tav>
+                                        <p:tav tm="100000">
+                                          <p:val>
+                                            <p:strVal val="#ppt_x"/>
+                                          </p:val>
+                                        </p:tav>
+                                      </p:tavLst>
+                                    </p:anim>
+                                    <p:anim calcmode="lin" valueType="num">
+                                      <p:cBhvr>
+                                        <p:cTn id="9" dur="1000" fill="hold"/>
+                                        <p:tgtEl>
+                                          <p:spTgt spid="4"/>
+                                        </p:tgtEl>
+                                        <p:attrNameLst>
+                                          <p:attrName>ppt_y</p:attrName>
+                                        </p:attrNameLst>
+                                      </p:cBhvr>
+                                      <p:tavLst>
+                                        <p:tav tm="0">
+                                          <p:val>
+                                            <p:strVal val="#ppt_y-.1"/>
+                                          </p:val>
+                                        </p:tav>
+                                        <p:tav tm="100000">
+                                          <p:val>
+                                            <p:strVal val="#ppt_y"/>
+                                          </p:val>
+                                        </p:tav>
+                                      </p:tavLst>
+                                    </p:anim>
+                                  </p:childTnLst>
+                                </p:cTn>
+                              </p:par>
+                            </p:childTnLst>
+                          </p:cTn>
+                        </p:par>
+                      </p:childTnLst>
+                    </p:cTn>
+                  </p:par>
+                  <p:par>
+                    <p:cTn id="10" fill="hold">
+                      <p:stCondLst>
+                        <p:cond delay="indefinite"/>
+                      </p:stCondLst>
+                      <p:childTnLst>
+                        <p:par>
+                          <p:cTn id="11" fill="hold">
+                            <p:stCondLst>
+                              <p:cond delay="0"/>
+                            </p:stCondLst>
+                            <p:childTnLst>
+                              <p:par>
+                                <p:cTn id="12" presetID="42" presetClass="entr" presetSubtype="0" fill="hold" grpId="0" nodeType="clickEffect">
+                                  <p:stCondLst>
+                                    <p:cond delay="0"/>
+                                  </p:stCondLst>
+                                  <p:childTnLst>
+                                    <p:set>
+                                      <p:cBhvr>
+                                        <p:cTn id="13" dur="1" fill="hold">
+                                          <p:stCondLst>
+                                            <p:cond delay="0"/>
+                                          </p:stCondLst>
+                                        </p:cTn>
+                                        <p:tgtEl>
+                                          <p:spTgt spid="5"/>
+                                        </p:tgtEl>
+                                        <p:attrNameLst>
+                                          <p:attrName>style.visibility</p:attrName>
+                                        </p:attrNameLst>
+                                      </p:cBhvr>
+                                      <p:to>
+                                        <p:strVal val="visible"/>
+                                      </p:to>
+                                    </p:set>
+                                    <p:animEffect transition="in" filter="fade">
+                                      <p:cBhvr>
+                                        <p:cTn id="14" dur="1000"/>
+                                        <p:tgtEl>
+                                          <p:spTgt spid="5"/>
+                                        </p:tgtEl>
+                                      </p:cBhvr>
+                                    </p:animEffect>
+                                    <p:anim calcmode="lin" valueType="num">
+                                      <p:cBhvr>
+                                        <p:cTn id="15" dur="1000" fill="hold"/>
+                                        <p:tgtEl>
+                                          <p:spTgt spid="5"/>
+                                        </p:tgtEl>
+                                        <p:attrNameLst>
+                                          <p:attrName>ppt_x</p:attrName>
+                                        </p:attrNameLst>
+                                      </p:cBhvr>
+                                      <p:tavLst>
+                                        <p:tav tm="0">
+                                          <p:val>
+                                            <p:strVal val="#ppt_x"/>
+                                          </p:val>
+                                        </p:tav>
+                                        <p:tav tm="100000">
+                                          <p:val>
+                                            <p:strVal val="#ppt_x"/>
+                                          </p:val>
+                                        </p:tav>
+                                      </p:tavLst>
+                                    </p:anim>
+                                    <p:anim calcmode="lin" valueType="num">
+                                      <p:cBhvr>
+                                        <p:cTn id="16" dur="1000" fill="hold"/>
+                                        <p:tgtEl>
+                                          <p:spTgt spid="5"/>
+                                        </p:tgtEl>
+                                        <p:attrNameLst>
+                                          <p:attrName>ppt_y</p:attrName>
+                                        </p:attrNameLst>
+                                      </p:cBhvr>
+                                      <p:tavLst>
+                                        <p:tav tm="0">
+                                          <p:val>
+                                            <p:strVal val="#ppt_y+.1"/>
+                                          </p:val>
+                                        </p:tav>
+                                        <p:tav tm="100000">
+                                          <p:val>
+                                            <p:strVal val="#ppt_y"/>
+                                          </p:val>
+                                        </p:tav>
+                                      </p:tavLst>
+                                    </p:anim>
+                                  </p:childTnLst>
+                                </p:cTn>
+                              </p:par>
+                            </p:childTnLst>
+                          </p:cTn>
+                        </p:par>
+                      </p:childTnLst>
+                    </p:cTn>
+                  </p:par>
+                </p:childTnLst>
+              </p:cTn>
+              <p:prevCondLst>
+                <p:cond evt="onPrev" delay="0">
+                  <p:tgtEl>
+                    <p:sldTgt/>
+                  </p:tgtEl>
+                </p:cond>
+              </p:prevCondLst>
+              <p:nextCondLst>
+                <p:cond evt="onNext" delay="0">
+                  <p:tgtEl>
+                    <p:sldTgt/>
+                  </p:tgtEl>
+                </p:cond>
+              </p:nextCondLst>
+            </p:seq>
+          </p:childTnLst>
+        </p:cTn>
+      </p:par>
+    </p:tnLst>
+    <p:bldLst>
+      <p:bldP spid="4" grpId="0"/>
+      <p:bldP spid="5" grpId="0"/>
+    </p:bldLst>
+  </p:timing>
 </p:sld>
 </file>
 
@@ -12991,7 +13816,7 @@
                     </a:solidFill>
                     <a:latin typeface="Abadi" panose="020B0604020104020204" pitchFamily="34" charset="0"/>
                   </a:rPr>
-                  <a:t>, con la deviazione standard della media associata e con il numero di particelle rivelate per ogni coppia per ognuna delle x simulazioni fatte. </a:t>
+                  <a:t>, con la deviazione standard della media associata e con il numero di particelle rivelate per ognuna delle x simulazioni fatte. </a:t>
                 </a:r>
               </a:p>
               <a:p>
@@ -13019,6 +13844,18 @@
                   <a:t>Questi valori vengono determinati chiamando la funzione </a:t>
                 </a:r>
                 <a:r>
+                  <a:rPr lang="it-IT" dirty="0">
+                    <a:solidFill>
+                      <a:schemeClr val="tx2">
+                        <a:lumMod val="75000"/>
+                        <a:lumOff val="25000"/>
+                      </a:schemeClr>
+                    </a:solidFill>
+                    <a:latin typeface="Consolas" panose="020B0609020204030204" pitchFamily="49" charset="0"/>
+                  </a:rPr>
+                  <a:t>media(</a:t>
+                </a:r>
+                <a:r>
                   <a:rPr lang="it-IT" dirty="0" err="1">
                     <a:solidFill>
                       <a:schemeClr val="tx2">
@@ -13028,7 +13865,7 @@
                     </a:solidFill>
                     <a:latin typeface="Consolas" panose="020B0609020204030204" pitchFamily="49" charset="0"/>
                   </a:rPr>
-                  <a:t>def</a:t>
+                  <a:t>row</a:t>
                 </a:r>
                 <a:r>
                   <a:rPr lang="it-IT" dirty="0">
@@ -13040,7 +13877,19 @@
                     </a:solidFill>
                     <a:latin typeface="Consolas" panose="020B0609020204030204" pitchFamily="49" charset="0"/>
                   </a:rPr>
-                  <a:t> media(</a:t>
+                  <a:t>, s, volte), </a:t>
+                </a:r>
+                <a:r>
+                  <a:rPr lang="it-IT" dirty="0">
+                    <a:solidFill>
+                      <a:schemeClr val="tx2">
+                        <a:lumMod val="75000"/>
+                        <a:lumOff val="25000"/>
+                      </a:schemeClr>
+                    </a:solidFill>
+                    <a:latin typeface="Abadi" panose="020B0604020104020204" pitchFamily="34" charset="0"/>
+                  </a:rPr>
+                  <a:t>che ha come parametri la riga (</a:t>
                 </a:r>
                 <a:r>
                   <a:rPr lang="it-IT" dirty="0" err="1">
@@ -13062,21 +13911,9 @@
                         <a:lumOff val="25000"/>
                       </a:schemeClr>
                     </a:solidFill>
-                    <a:latin typeface="Consolas" panose="020B0609020204030204" pitchFamily="49" charset="0"/>
-                  </a:rPr>
-                  <a:t>, s, volte):, </a:t>
-                </a:r>
-                <a:r>
-                  <a:rPr lang="it-IT" dirty="0">
-                    <a:solidFill>
-                      <a:schemeClr val="tx2">
-                        <a:lumMod val="75000"/>
-                        <a:lumOff val="25000"/>
-                      </a:schemeClr>
-                    </a:solidFill>
                     <a:latin typeface="Abadi" panose="020B0604020104020204" pitchFamily="34" charset="0"/>
                   </a:rPr>
-                  <a:t>che ha come parametri la riga contenente la coppia E-</a:t>
+                  <a:t>) contenente la coppia E-</a:t>
                 </a:r>
                 <a:r>
                   <a:rPr lang="it-IT" dirty="0">
@@ -13117,7 +13954,79 @@
                     </a:solidFill>
                     <a:latin typeface="Abadi" panose="020B0604020104020204" pitchFamily="34" charset="0"/>
                   </a:rPr>
-                  <a:t>, il passo s e volte, ovvero x.</a:t>
+                  <a:t>, il passo </a:t>
+                </a:r>
+                <a:r>
+                  <a:rPr lang="it-IT" dirty="0">
+                    <a:solidFill>
+                      <a:schemeClr val="tx2">
+                        <a:lumMod val="75000"/>
+                        <a:lumOff val="25000"/>
+                      </a:schemeClr>
+                    </a:solidFill>
+                    <a:latin typeface="Consolas" panose="020B0609020204030204" pitchFamily="49" charset="0"/>
+                  </a:rPr>
+                  <a:t>s</a:t>
+                </a:r>
+                <a:r>
+                  <a:rPr lang="it-IT" dirty="0">
+                    <a:solidFill>
+                      <a:schemeClr val="tx2">
+                        <a:lumMod val="75000"/>
+                        <a:lumOff val="25000"/>
+                      </a:schemeClr>
+                    </a:solidFill>
+                    <a:latin typeface="Abadi" panose="020B0604020104020204" pitchFamily="34" charset="0"/>
+                  </a:rPr>
+                  <a:t> e </a:t>
+                </a:r>
+                <a:r>
+                  <a:rPr lang="it-IT" dirty="0">
+                    <a:solidFill>
+                      <a:schemeClr val="tx2">
+                        <a:lumMod val="75000"/>
+                        <a:lumOff val="25000"/>
+                      </a:schemeClr>
+                    </a:solidFill>
+                    <a:latin typeface="Consolas" panose="020B0609020204030204" pitchFamily="49" charset="0"/>
+                  </a:rPr>
+                  <a:t>x</a:t>
+                </a:r>
+                <a:r>
+                  <a:rPr lang="it-IT" dirty="0">
+                    <a:solidFill>
+                      <a:schemeClr val="tx2">
+                        <a:lumMod val="75000"/>
+                        <a:lumOff val="25000"/>
+                      </a:schemeClr>
+                    </a:solidFill>
+                    <a:latin typeface="Abadi" panose="020B0604020104020204" pitchFamily="34" charset="0"/>
+                  </a:rPr>
+                  <a:t> (</a:t>
+                </a:r>
+                <a:r>
+                  <a:rPr lang="it-IT" dirty="0">
+                    <a:solidFill>
+                      <a:schemeClr val="tx2">
+                        <a:lumMod val="75000"/>
+                        <a:lumOff val="25000"/>
+                      </a:schemeClr>
+                    </a:solidFill>
+                    <a:latin typeface="Consolas" panose="020B0609020204030204" pitchFamily="49" charset="0"/>
+                  </a:rPr>
+                  <a:t>volte</a:t>
+                </a:r>
+                <a:r>
+                  <a:rPr lang="it-IT" dirty="0">
+                    <a:solidFill>
+                      <a:schemeClr val="tx2">
+                        <a:lumMod val="75000"/>
+                        <a:lumOff val="25000"/>
+                      </a:schemeClr>
+                    </a:solidFill>
+                    <a:latin typeface="Abadi" panose="020B0604020104020204" pitchFamily="34" charset="0"/>
+                  </a:rPr>
+                  <a:t>).</a:t>
                 </a:r>
               </a:p>
               <a:p>
@@ -13601,7 +14510,7 @@
                     </a:solidFill>
                     <a:latin typeface="Abadi" panose="020B0604020104020204" pitchFamily="34" charset="0"/>
                   </a:rPr>
-                  <a:t> e sull’asse z il numero medio di particelle rivelate corrispondente.</a:t>
+                  <a:t> e sull’asse z il numero medio di particelle rivelate.</a:t>
                 </a:r>
               </a:p>
               <a:p>
@@ -13794,13 +14703,13 @@
   <p:clrMapOvr>
     <a:masterClrMapping/>
   </p:clrMapOvr>
-  <mc:AlternateContent xmlns:mc="http://schemas.openxmlformats.org/markup-compatibility/2006">
-    <mc:Choice xmlns:p15="http://schemas.microsoft.com/office/powerpoint/2012/main" Requires="p15">
+  <mc:AlternateContent xmlns:mc="http://schemas.openxmlformats.org/markup-compatibility/2006" xmlns:p15="http://schemas.microsoft.com/office/powerpoint/2012/main">
+    <mc:Choice Requires="p15">
       <p:transition xmlns:p14="http://schemas.microsoft.com/office/powerpoint/2010/main" spd="slow" p14:dur="2000">
         <p15:prstTrans prst="wind"/>
       </p:transition>
     </mc:Choice>
-    <mc:Fallback>
+    <mc:Fallback xmlns="">
       <p:transition spd="slow">
         <p:fade/>
       </p:transition>
@@ -13909,13 +14818,13 @@
   <p:clrMapOvr>
     <a:masterClrMapping/>
   </p:clrMapOvr>
-  <mc:AlternateContent xmlns:mc="http://schemas.openxmlformats.org/markup-compatibility/2006">
-    <mc:Choice xmlns:p15="http://schemas.microsoft.com/office/powerpoint/2012/main" Requires="p15">
+  <mc:AlternateContent xmlns:mc="http://schemas.openxmlformats.org/markup-compatibility/2006" xmlns:p15="http://schemas.microsoft.com/office/powerpoint/2012/main">
+    <mc:Choice Requires="p15">
       <p:transition xmlns:p14="http://schemas.microsoft.com/office/powerpoint/2010/main" spd="slow" p14:dur="2000">
         <p15:prstTrans prst="drape"/>
       </p:transition>
     </mc:Choice>
-    <mc:Fallback>
+    <mc:Fallback xmlns="">
       <p:transition spd="slow">
         <p:fade/>
       </p:transition>
@@ -14077,13 +14986,13 @@
   <p:clrMapOvr>
     <a:masterClrMapping/>
   </p:clrMapOvr>
-  <mc:AlternateContent xmlns:mc="http://schemas.openxmlformats.org/markup-compatibility/2006">
-    <mc:Choice xmlns:p15="http://schemas.microsoft.com/office/powerpoint/2012/main" Requires="p15">
+  <mc:AlternateContent xmlns:mc="http://schemas.openxmlformats.org/markup-compatibility/2006" xmlns:p15="http://schemas.microsoft.com/office/powerpoint/2012/main">
+    <mc:Choice Requires="p15">
       <p:transition xmlns:p14="http://schemas.microsoft.com/office/powerpoint/2010/main" spd="slow" p14:dur="2000">
         <p15:prstTrans prst="drape"/>
       </p:transition>
     </mc:Choice>
-    <mc:Fallback>
+    <mc:Fallback xmlns="">
       <p:transition spd="slow">
         <p:fade/>
       </p:transition>
@@ -14142,8 +15051,8 @@
           </a:p>
         </p:txBody>
       </p:sp>
-      <mc:AlternateContent xmlns:mc="http://schemas.openxmlformats.org/markup-compatibility/2006">
-        <mc:Choice xmlns:a14="http://schemas.microsoft.com/office/drawing/2010/main" Requires="a14">
+      <mc:AlternateContent xmlns:mc="http://schemas.openxmlformats.org/markup-compatibility/2006" xmlns:a14="http://schemas.microsoft.com/office/drawing/2010/main">
+        <mc:Choice Requires="a14">
           <p:sp>
             <p:nvSpPr>
               <p:cNvPr id="5" name="CasellaDiTesto 4">
@@ -14616,7 +15525,7 @@
             </p:txBody>
           </p:sp>
         </mc:Choice>
-        <mc:Fallback>
+        <mc:Fallback xmlns="">
           <p:sp>
             <p:nvSpPr>
               <p:cNvPr id="5" name="CasellaDiTesto 4">
@@ -14671,13 +15580,13 @@
   <p:clrMapOvr>
     <a:masterClrMapping/>
   </p:clrMapOvr>
-  <mc:AlternateContent xmlns:mc="http://schemas.openxmlformats.org/markup-compatibility/2006">
-    <mc:Choice xmlns:p15="http://schemas.microsoft.com/office/powerpoint/2012/main" Requires="p15">
+  <mc:AlternateContent xmlns:mc="http://schemas.openxmlformats.org/markup-compatibility/2006" xmlns:p15="http://schemas.microsoft.com/office/powerpoint/2012/main">
+    <mc:Choice Requires="p15">
       <p:transition xmlns:p14="http://schemas.microsoft.com/office/powerpoint/2010/main" spd="slow" p14:dur="2000">
         <p15:prstTrans prst="wind"/>
       </p:transition>
     </mc:Choice>
-    <mc:Fallback>
+    <mc:Fallback xmlns="">
       <p:transition spd="slow">
         <p:fade/>
       </p:transition>
@@ -14786,13 +15695,13 @@
   <p:clrMapOvr>
     <a:masterClrMapping/>
   </p:clrMapOvr>
-  <mc:AlternateContent xmlns:mc="http://schemas.openxmlformats.org/markup-compatibility/2006">
-    <mc:Choice xmlns:p15="http://schemas.microsoft.com/office/powerpoint/2012/main" Requires="p15">
+  <mc:AlternateContent xmlns:mc="http://schemas.openxmlformats.org/markup-compatibility/2006" xmlns:p15="http://schemas.microsoft.com/office/powerpoint/2012/main">
+    <mc:Choice Requires="p15">
       <p:transition xmlns:p14="http://schemas.microsoft.com/office/powerpoint/2010/main" spd="slow" p14:dur="2000">
         <p15:prstTrans prst="drape"/>
       </p:transition>
     </mc:Choice>
-    <mc:Fallback>
+    <mc:Fallback xmlns="">
       <p:transition spd="slow">
         <p:fade/>
       </p:transition>
@@ -15415,7 +16324,7 @@
                     </a:solidFill>
                     <a:latin typeface="Abadi" panose="020B0604020104020204" pitchFamily="34" charset="0"/>
                   </a:rPr>
-                  <a:t> contenente sull’asse x E e sull’asse y </a:t>
+                  <a:t> contenente E sull’asse x e </a:t>
                 </a:r>
                 <a14:m>
                   <m:oMath xmlns:m="http://schemas.openxmlformats.org/officeDocument/2006/math">
@@ -15444,7 +16353,7 @@
                     </a:solidFill>
                     <a:latin typeface="Abadi" panose="020B0604020104020204" pitchFamily="34" charset="0"/>
                   </a:rPr>
-                  <a:t>, mentre il numero di particelle è indicato attraverso la </a:t>
+                  <a:t> sull’asse y, mentre il numero di particelle è indicato attraverso la </a:t>
                 </a:r>
                 <a:r>
                   <a:rPr lang="it-IT" dirty="0" err="1">
@@ -15529,13 +16438,13 @@
   <p:clrMapOvr>
     <a:masterClrMapping/>
   </p:clrMapOvr>
-  <mc:AlternateContent xmlns:mc="http://schemas.openxmlformats.org/markup-compatibility/2006">
-    <mc:Choice xmlns:p15="http://schemas.microsoft.com/office/powerpoint/2012/main" Requires="p15">
+  <mc:AlternateContent xmlns:mc="http://schemas.openxmlformats.org/markup-compatibility/2006" xmlns:p15="http://schemas.microsoft.com/office/powerpoint/2012/main">
+    <mc:Choice Requires="p15">
       <p:transition xmlns:p14="http://schemas.microsoft.com/office/powerpoint/2010/main" spd="slow" p14:dur="2000">
         <p15:prstTrans prst="wind"/>
       </p:transition>
     </mc:Choice>
-    <mc:Fallback>
+    <mc:Fallback xmlns="">
       <p:transition spd="slow">
         <p:fade/>
       </p:transition>
@@ -15808,13 +16717,13 @@
   <p:clrMapOvr>
     <a:masterClrMapping/>
   </p:clrMapOvr>
-  <mc:AlternateContent xmlns:mc="http://schemas.openxmlformats.org/markup-compatibility/2006">
-    <mc:Choice xmlns:p15="http://schemas.microsoft.com/office/powerpoint/2012/main" Requires="p15">
+  <mc:AlternateContent xmlns:mc="http://schemas.openxmlformats.org/markup-compatibility/2006" xmlns:p15="http://schemas.microsoft.com/office/powerpoint/2012/main">
+    <mc:Choice Requires="p15">
       <p:transition xmlns:p14="http://schemas.microsoft.com/office/powerpoint/2010/main" spd="slow" p14:dur="6000">
         <p15:prstTrans prst="curtains"/>
       </p:transition>
     </mc:Choice>
-    <mc:Fallback>
+    <mc:Fallback xmlns="">
       <p:transition spd="slow">
         <p:fade/>
       </p:transition>
@@ -15923,13 +16832,13 @@
   <p:clrMapOvr>
     <a:masterClrMapping/>
   </p:clrMapOvr>
-  <mc:AlternateContent xmlns:mc="http://schemas.openxmlformats.org/markup-compatibility/2006">
-    <mc:Choice xmlns:p15="http://schemas.microsoft.com/office/powerpoint/2012/main" Requires="p15">
+  <mc:AlternateContent xmlns:mc="http://schemas.openxmlformats.org/markup-compatibility/2006" xmlns:p15="http://schemas.microsoft.com/office/powerpoint/2012/main">
+    <mc:Choice Requires="p15">
       <p:transition xmlns:p14="http://schemas.microsoft.com/office/powerpoint/2010/main" spd="slow" p14:dur="2000">
         <p15:prstTrans prst="drape"/>
       </p:transition>
     </mc:Choice>
-    <mc:Fallback>
+    <mc:Fallback xmlns="">
       <p:transition spd="slow">
         <p:fade/>
       </p:transition>
@@ -16308,7 +17217,7 @@
         <p:spPr>
           <a:xfrm>
             <a:off x="5282522" y="2174240"/>
-            <a:ext cx="1067478" cy="904240"/>
+            <a:ext cx="1180271" cy="832431"/>
           </a:xfrm>
           <a:prstGeom prst="straightConnector1">
             <a:avLst/>
@@ -16413,18 +17322,456 @@
   <p:clrMapOvr>
     <a:masterClrMapping/>
   </p:clrMapOvr>
-  <mc:AlternateContent xmlns:mc="http://schemas.openxmlformats.org/markup-compatibility/2006">
-    <mc:Choice xmlns:p15="http://schemas.microsoft.com/office/powerpoint/2012/main" Requires="p15">
+  <mc:AlternateContent xmlns:mc="http://schemas.openxmlformats.org/markup-compatibility/2006" xmlns:p15="http://schemas.microsoft.com/office/powerpoint/2012/main">
+    <mc:Choice Requires="p15">
       <p:transition xmlns:p14="http://schemas.microsoft.com/office/powerpoint/2010/main" spd="slow" p14:dur="2000">
         <p15:prstTrans prst="wind"/>
       </p:transition>
     </mc:Choice>
-    <mc:Fallback>
+    <mc:Fallback xmlns="">
       <p:transition spd="slow">
         <p:fade/>
       </p:transition>
     </mc:Fallback>
   </mc:AlternateContent>
+  <p:timing>
+    <p:tnLst>
+      <p:par>
+        <p:cTn id="1" dur="indefinite" restart="never" nodeType="tmRoot">
+          <p:childTnLst>
+            <p:seq concurrent="1" nextAc="seek">
+              <p:cTn id="2" dur="indefinite" nodeType="mainSeq">
+                <p:childTnLst>
+                  <p:par>
+                    <p:cTn id="3" fill="hold">
+                      <p:stCondLst>
+                        <p:cond delay="indefinite"/>
+                      </p:stCondLst>
+                      <p:childTnLst>
+                        <p:par>
+                          <p:cTn id="4" fill="hold">
+                            <p:stCondLst>
+                              <p:cond delay="0"/>
+                            </p:stCondLst>
+                            <p:childTnLst>
+                              <p:par>
+                                <p:cTn id="5" presetID="47" presetClass="entr" presetSubtype="0" fill="hold" grpId="0" nodeType="clickEffect">
+                                  <p:stCondLst>
+                                    <p:cond delay="0"/>
+                                  </p:stCondLst>
+                                  <p:childTnLst>
+                                    <p:set>
+                                      <p:cBhvr>
+                                        <p:cTn id="6" dur="1" fill="hold">
+                                          <p:stCondLst>
+                                            <p:cond delay="0"/>
+                                          </p:stCondLst>
+                                        </p:cTn>
+                                        <p:tgtEl>
+                                          <p:spTgt spid="4"/>
+                                        </p:tgtEl>
+                                        <p:attrNameLst>
+                                          <p:attrName>style.visibility</p:attrName>
+                                        </p:attrNameLst>
+                                      </p:cBhvr>
+                                      <p:to>
+                                        <p:strVal val="visible"/>
+                                      </p:to>
+                                    </p:set>
+                                    <p:animEffect transition="in" filter="fade">
+                                      <p:cBhvr>
+                                        <p:cTn id="7" dur="1000"/>
+                                        <p:tgtEl>
+                                          <p:spTgt spid="4"/>
+                                        </p:tgtEl>
+                                      </p:cBhvr>
+                                    </p:animEffect>
+                                    <p:anim calcmode="lin" valueType="num">
+                                      <p:cBhvr>
+                                        <p:cTn id="8" dur="1000" fill="hold"/>
+                                        <p:tgtEl>
+                                          <p:spTgt spid="4"/>
+                                        </p:tgtEl>
+                                        <p:attrNameLst>
+                                          <p:attrName>ppt_x</p:attrName>
+                                        </p:attrNameLst>
+                                      </p:cBhvr>
+                                      <p:tavLst>
+                                        <p:tav tm="0">
+                                          <p:val>
+                                            <p:strVal val="#ppt_x"/>
+                                          </p:val>
+                                        </p:tav>
+                                        <p:tav tm="100000">
+                                          <p:val>
+                                            <p:strVal val="#ppt_x"/>
+                                          </p:val>
+                                        </p:tav>
+                                      </p:tavLst>
+                                    </p:anim>
+                                    <p:anim calcmode="lin" valueType="num">
+                                      <p:cBhvr>
+                                        <p:cTn id="9" dur="1000" fill="hold"/>
+                                        <p:tgtEl>
+                                          <p:spTgt spid="4"/>
+                                        </p:tgtEl>
+                                        <p:attrNameLst>
+                                          <p:attrName>ppt_y</p:attrName>
+                                        </p:attrNameLst>
+                                      </p:cBhvr>
+                                      <p:tavLst>
+                                        <p:tav tm="0">
+                                          <p:val>
+                                            <p:strVal val="#ppt_y-.1"/>
+                                          </p:val>
+                                        </p:tav>
+                                        <p:tav tm="100000">
+                                          <p:val>
+                                            <p:strVal val="#ppt_y"/>
+                                          </p:val>
+                                        </p:tav>
+                                      </p:tavLst>
+                                    </p:anim>
+                                  </p:childTnLst>
+                                </p:cTn>
+                              </p:par>
+                            </p:childTnLst>
+                          </p:cTn>
+                        </p:par>
+                      </p:childTnLst>
+                    </p:cTn>
+                  </p:par>
+                  <p:par>
+                    <p:cTn id="10" fill="hold">
+                      <p:stCondLst>
+                        <p:cond delay="indefinite"/>
+                      </p:stCondLst>
+                      <p:childTnLst>
+                        <p:par>
+                          <p:cTn id="11" fill="hold">
+                            <p:stCondLst>
+                              <p:cond delay="0"/>
+                            </p:stCondLst>
+                            <p:childTnLst>
+                              <p:par>
+                                <p:cTn id="12" presetID="10" presetClass="entr" presetSubtype="0" fill="hold" nodeType="clickEffect">
+                                  <p:stCondLst>
+                                    <p:cond delay="0"/>
+                                  </p:stCondLst>
+                                  <p:childTnLst>
+                                    <p:set>
+                                      <p:cBhvr>
+                                        <p:cTn id="13" dur="1" fill="hold">
+                                          <p:stCondLst>
+                                            <p:cond delay="0"/>
+                                          </p:stCondLst>
+                                        </p:cTn>
+                                        <p:tgtEl>
+                                          <p:spTgt spid="6"/>
+                                        </p:tgtEl>
+                                        <p:attrNameLst>
+                                          <p:attrName>style.visibility</p:attrName>
+                                        </p:attrNameLst>
+                                      </p:cBhvr>
+                                      <p:to>
+                                        <p:strVal val="visible"/>
+                                      </p:to>
+                                    </p:set>
+                                    <p:animEffect transition="in" filter="fade">
+                                      <p:cBhvr>
+                                        <p:cTn id="14" dur="500"/>
+                                        <p:tgtEl>
+                                          <p:spTgt spid="6"/>
+                                        </p:tgtEl>
+                                      </p:cBhvr>
+                                    </p:animEffect>
+                                  </p:childTnLst>
+                                </p:cTn>
+                              </p:par>
+                            </p:childTnLst>
+                          </p:cTn>
+                        </p:par>
+                      </p:childTnLst>
+                    </p:cTn>
+                  </p:par>
+                  <p:par>
+                    <p:cTn id="15" fill="hold">
+                      <p:stCondLst>
+                        <p:cond delay="indefinite"/>
+                      </p:stCondLst>
+                      <p:childTnLst>
+                        <p:par>
+                          <p:cTn id="16" fill="hold">
+                            <p:stCondLst>
+                              <p:cond delay="0"/>
+                            </p:stCondLst>
+                            <p:childTnLst>
+                              <p:par>
+                                <p:cTn id="17" presetID="42" presetClass="entr" presetSubtype="0" fill="hold" grpId="0" nodeType="clickEffect">
+                                  <p:stCondLst>
+                                    <p:cond delay="0"/>
+                                  </p:stCondLst>
+                                  <p:childTnLst>
+                                    <p:set>
+                                      <p:cBhvr>
+                                        <p:cTn id="18" dur="1" fill="hold">
+                                          <p:stCondLst>
+                                            <p:cond delay="0"/>
+                                          </p:stCondLst>
+                                        </p:cTn>
+                                        <p:tgtEl>
+                                          <p:spTgt spid="7"/>
+                                        </p:tgtEl>
+                                        <p:attrNameLst>
+                                          <p:attrName>style.visibility</p:attrName>
+                                        </p:attrNameLst>
+                                      </p:cBhvr>
+                                      <p:to>
+                                        <p:strVal val="visible"/>
+                                      </p:to>
+                                    </p:set>
+                                    <p:animEffect transition="in" filter="fade">
+                                      <p:cBhvr>
+                                        <p:cTn id="19" dur="1000"/>
+                                        <p:tgtEl>
+                                          <p:spTgt spid="7"/>
+                                        </p:tgtEl>
+                                      </p:cBhvr>
+                                    </p:animEffect>
+                                    <p:anim calcmode="lin" valueType="num">
+                                      <p:cBhvr>
+                                        <p:cTn id="20" dur="1000" fill="hold"/>
+                                        <p:tgtEl>
+                                          <p:spTgt spid="7"/>
+                                        </p:tgtEl>
+                                        <p:attrNameLst>
+                                          <p:attrName>ppt_x</p:attrName>
+                                        </p:attrNameLst>
+                                      </p:cBhvr>
+                                      <p:tavLst>
+                                        <p:tav tm="0">
+                                          <p:val>
+                                            <p:strVal val="#ppt_x"/>
+                                          </p:val>
+                                        </p:tav>
+                                        <p:tav tm="100000">
+                                          <p:val>
+                                            <p:strVal val="#ppt_x"/>
+                                          </p:val>
+                                        </p:tav>
+                                      </p:tavLst>
+                                    </p:anim>
+                                    <p:anim calcmode="lin" valueType="num">
+                                      <p:cBhvr>
+                                        <p:cTn id="21" dur="1000" fill="hold"/>
+                                        <p:tgtEl>
+                                          <p:spTgt spid="7"/>
+                                        </p:tgtEl>
+                                        <p:attrNameLst>
+                                          <p:attrName>ppt_y</p:attrName>
+                                        </p:attrNameLst>
+                                      </p:cBhvr>
+                                      <p:tavLst>
+                                        <p:tav tm="0">
+                                          <p:val>
+                                            <p:strVal val="#ppt_y+.1"/>
+                                          </p:val>
+                                        </p:tav>
+                                        <p:tav tm="100000">
+                                          <p:val>
+                                            <p:strVal val="#ppt_y"/>
+                                          </p:val>
+                                        </p:tav>
+                                      </p:tavLst>
+                                    </p:anim>
+                                  </p:childTnLst>
+                                </p:cTn>
+                              </p:par>
+                            </p:childTnLst>
+                          </p:cTn>
+                        </p:par>
+                      </p:childTnLst>
+                    </p:cTn>
+                  </p:par>
+                  <p:par>
+                    <p:cTn id="22" fill="hold">
+                      <p:stCondLst>
+                        <p:cond delay="indefinite"/>
+                      </p:stCondLst>
+                      <p:childTnLst>
+                        <p:par>
+                          <p:cTn id="23" fill="hold">
+                            <p:stCondLst>
+                              <p:cond delay="0"/>
+                            </p:stCondLst>
+                            <p:childTnLst>
+                              <p:par>
+                                <p:cTn id="24" presetID="10" presetClass="entr" presetSubtype="0" fill="hold" nodeType="clickEffect">
+                                  <p:stCondLst>
+                                    <p:cond delay="0"/>
+                                  </p:stCondLst>
+                                  <p:childTnLst>
+                                    <p:set>
+                                      <p:cBhvr>
+                                        <p:cTn id="25" dur="1" fill="hold">
+                                          <p:stCondLst>
+                                            <p:cond delay="0"/>
+                                          </p:stCondLst>
+                                        </p:cTn>
+                                        <p:tgtEl>
+                                          <p:spTgt spid="8"/>
+                                        </p:tgtEl>
+                                        <p:attrNameLst>
+                                          <p:attrName>style.visibility</p:attrName>
+                                        </p:attrNameLst>
+                                      </p:cBhvr>
+                                      <p:to>
+                                        <p:strVal val="visible"/>
+                                      </p:to>
+                                    </p:set>
+                                    <p:animEffect transition="in" filter="fade">
+                                      <p:cBhvr>
+                                        <p:cTn id="26" dur="500"/>
+                                        <p:tgtEl>
+                                          <p:spTgt spid="8"/>
+                                        </p:tgtEl>
+                                      </p:cBhvr>
+                                    </p:animEffect>
+                                  </p:childTnLst>
+                                </p:cTn>
+                              </p:par>
+                            </p:childTnLst>
+                          </p:cTn>
+                        </p:par>
+                      </p:childTnLst>
+                    </p:cTn>
+                  </p:par>
+                  <p:par>
+                    <p:cTn id="27" fill="hold">
+                      <p:stCondLst>
+                        <p:cond delay="indefinite"/>
+                      </p:stCondLst>
+                      <p:childTnLst>
+                        <p:par>
+                          <p:cTn id="28" fill="hold">
+                            <p:stCondLst>
+                              <p:cond delay="0"/>
+                            </p:stCondLst>
+                            <p:childTnLst>
+                              <p:par>
+                                <p:cTn id="29" presetID="42" presetClass="entr" presetSubtype="0" fill="hold" grpId="0" nodeType="clickEffect">
+                                  <p:stCondLst>
+                                    <p:cond delay="0"/>
+                                  </p:stCondLst>
+                                  <p:childTnLst>
+                                    <p:set>
+                                      <p:cBhvr>
+                                        <p:cTn id="30" dur="1" fill="hold">
+                                          <p:stCondLst>
+                                            <p:cond delay="0"/>
+                                          </p:stCondLst>
+                                        </p:cTn>
+                                        <p:tgtEl>
+                                          <p:spTgt spid="12"/>
+                                        </p:tgtEl>
+                                        <p:attrNameLst>
+                                          <p:attrName>style.visibility</p:attrName>
+                                        </p:attrNameLst>
+                                      </p:cBhvr>
+                                      <p:to>
+                                        <p:strVal val="visible"/>
+                                      </p:to>
+                                    </p:set>
+                                    <p:animEffect transition="in" filter="fade">
+                                      <p:cBhvr>
+                                        <p:cTn id="31" dur="1000"/>
+                                        <p:tgtEl>
+                                          <p:spTgt spid="12"/>
+                                        </p:tgtEl>
+                                      </p:cBhvr>
+                                    </p:animEffect>
+                                    <p:anim calcmode="lin" valueType="num">
+                                      <p:cBhvr>
+                                        <p:cTn id="32" dur="1000" fill="hold"/>
+                                        <p:tgtEl>
+                                          <p:spTgt spid="12"/>
+                                        </p:tgtEl>
+                                        <p:attrNameLst>
+                                          <p:attrName>ppt_x</p:attrName>
+                                        </p:attrNameLst>
+                                      </p:cBhvr>
+                                      <p:tavLst>
+                                        <p:tav tm="0">
+                                          <p:val>
+                                            <p:strVal val="#ppt_x"/>
+                                          </p:val>
+                                        </p:tav>
+                                        <p:tav tm="100000">
+                                          <p:val>
+                                            <p:strVal val="#ppt_x"/>
+                                          </p:val>
+                                        </p:tav>
+                                      </p:tavLst>
+                                    </p:anim>
+                                    <p:anim calcmode="lin" valueType="num">
+                                      <p:cBhvr>
+                                        <p:cTn id="33" dur="1000" fill="hold"/>
+                                        <p:tgtEl>
+                                          <p:spTgt spid="12"/>
+                                        </p:tgtEl>
+                                        <p:attrNameLst>
+                                          <p:attrName>ppt_y</p:attrName>
+                                        </p:attrNameLst>
+                                      </p:cBhvr>
+                                      <p:tavLst>
+                                        <p:tav tm="0">
+                                          <p:val>
+                                            <p:strVal val="#ppt_y+.1"/>
+                                          </p:val>
+                                        </p:tav>
+                                        <p:tav tm="100000">
+                                          <p:val>
+                                            <p:strVal val="#ppt_y"/>
+                                          </p:val>
+                                        </p:tav>
+                                      </p:tavLst>
+                                    </p:anim>
+                                  </p:childTnLst>
+                                </p:cTn>
+                              </p:par>
+                            </p:childTnLst>
+                          </p:cTn>
+                        </p:par>
+                      </p:childTnLst>
+                    </p:cTn>
+                  </p:par>
+                </p:childTnLst>
+              </p:cTn>
+              <p:prevCondLst>
+                <p:cond evt="onPrev" delay="0">
+                  <p:tgtEl>
+                    <p:sldTgt/>
+                  </p:tgtEl>
+                </p:cond>
+              </p:prevCondLst>
+              <p:nextCondLst>
+                <p:cond evt="onNext" delay="0">
+                  <p:tgtEl>
+                    <p:sldTgt/>
+                  </p:tgtEl>
+                </p:cond>
+              </p:nextCondLst>
+            </p:seq>
+          </p:childTnLst>
+        </p:cTn>
+      </p:par>
+    </p:tnLst>
+    <p:bldLst>
+      <p:bldP spid="4" grpId="0"/>
+      <p:bldP spid="7" grpId="0"/>
+      <p:bldP spid="12" grpId="0"/>
+    </p:bldLst>
+  </p:timing>
 </p:sld>
 </file>
 
@@ -16584,7 +17931,7 @@
         </p:nvSpPr>
         <p:spPr>
           <a:xfrm>
-            <a:off x="517133" y="1304934"/>
+            <a:off x="418284" y="1293710"/>
             <a:ext cx="8230625" cy="1600438"/>
           </a:xfrm>
           <a:prstGeom prst="rect">
@@ -16729,13 +18076,15 @@
               </a:ext>
             </a:extLst>
           </p:cNvPr>
-          <p:cNvCxnSpPr/>
+          <p:cNvCxnSpPr>
+            <a:cxnSpLocks/>
+          </p:cNvCxnSpPr>
           <p:nvPr/>
         </p:nvCxnSpPr>
         <p:spPr>
           <a:xfrm flipH="1">
-            <a:off x="2326640" y="2544648"/>
-            <a:ext cx="1899920" cy="533832"/>
+            <a:off x="2851688" y="2544648"/>
+            <a:ext cx="995243" cy="702247"/>
           </a:xfrm>
           <a:prstGeom prst="straightConnector1">
             <a:avLst/>
@@ -16776,7 +18125,7 @@
         </p:nvSpPr>
         <p:spPr>
           <a:xfrm>
-            <a:off x="791800" y="3078480"/>
+            <a:off x="720000" y="3428218"/>
             <a:ext cx="3069680" cy="954107"/>
           </a:xfrm>
           <a:prstGeom prst="rect">
@@ -16858,8 +18207,8 @@
         </p:nvCxnSpPr>
         <p:spPr>
           <a:xfrm>
-            <a:off x="4464973" y="2544648"/>
-            <a:ext cx="1885027" cy="533832"/>
+            <a:off x="4758164" y="2533844"/>
+            <a:ext cx="1177687" cy="713051"/>
           </a:xfrm>
           <a:prstGeom prst="straightConnector1">
             <a:avLst/>
@@ -16900,8 +18249,8 @@
         </p:nvSpPr>
         <p:spPr>
           <a:xfrm>
-            <a:off x="5282522" y="3092296"/>
-            <a:ext cx="3536360" cy="954107"/>
+            <a:off x="5047290" y="3392842"/>
+            <a:ext cx="3536360" cy="1169551"/>
           </a:xfrm>
           <a:prstGeom prst="rect">
             <a:avLst/>
@@ -16925,7 +18274,7 @@
                 </a:solidFill>
                 <a:latin typeface="Abadi" panose="020B0604020104020204" pitchFamily="34" charset="0"/>
               </a:rPr>
-              <a:t>Lo </a:t>
+              <a:t>Il grafico </a:t>
             </a:r>
             <a:r>
               <a:rPr lang="it-IT" i="1" dirty="0" err="1">
@@ -16949,7 +18298,7 @@
                 </a:solidFill>
                 <a:latin typeface="Abadi" panose="020B0604020104020204" pitchFamily="34" charset="0"/>
               </a:rPr>
-              <a:t> </a:t>
+              <a:t> con bande di errore </a:t>
             </a:r>
             <a:r>
               <a:rPr lang="it-IT" dirty="0">
@@ -16995,18 +18344,471 @@
   <p:clrMapOvr>
     <a:masterClrMapping/>
   </p:clrMapOvr>
-  <mc:AlternateContent xmlns:mc="http://schemas.openxmlformats.org/markup-compatibility/2006">
-    <mc:Choice xmlns:p15="http://schemas.microsoft.com/office/powerpoint/2012/main" Requires="p15">
+  <mc:AlternateContent xmlns:mc="http://schemas.openxmlformats.org/markup-compatibility/2006" xmlns:p15="http://schemas.microsoft.com/office/powerpoint/2012/main">
+    <mc:Choice Requires="p15">
       <p:transition xmlns:p14="http://schemas.microsoft.com/office/powerpoint/2010/main" spd="slow" p14:dur="2000">
         <p15:prstTrans prst="wind"/>
       </p:transition>
     </mc:Choice>
-    <mc:Fallback>
+    <mc:Fallback xmlns="">
       <p:transition spd="slow">
         <p:fade/>
       </p:transition>
     </mc:Fallback>
   </mc:AlternateContent>
+  <p:timing>
+    <p:tnLst>
+      <p:par>
+        <p:cTn id="1" dur="indefinite" restart="never" nodeType="tmRoot">
+          <p:childTnLst>
+            <p:seq concurrent="1" nextAc="seek">
+              <p:cTn id="2" dur="indefinite" nodeType="mainSeq">
+                <p:childTnLst>
+                  <p:par>
+                    <p:cTn id="3" fill="hold">
+                      <p:stCondLst>
+                        <p:cond delay="indefinite"/>
+                      </p:stCondLst>
+                      <p:childTnLst>
+                        <p:par>
+                          <p:cTn id="4" fill="hold">
+                            <p:stCondLst>
+                              <p:cond delay="0"/>
+                            </p:stCondLst>
+                            <p:childTnLst>
+                              <p:par>
+                                <p:cTn id="5" presetID="47" presetClass="entr" presetSubtype="0" fill="hold" grpId="0" nodeType="clickEffect">
+                                  <p:stCondLst>
+                                    <p:cond delay="0"/>
+                                  </p:stCondLst>
+                                  <p:childTnLst>
+                                    <p:set>
+                                      <p:cBhvr>
+                                        <p:cTn id="6" dur="1" fill="hold">
+                                          <p:stCondLst>
+                                            <p:cond delay="0"/>
+                                          </p:stCondLst>
+                                        </p:cTn>
+                                        <p:tgtEl>
+                                          <p:spTgt spid="4"/>
+                                        </p:tgtEl>
+                                        <p:attrNameLst>
+                                          <p:attrName>style.visibility</p:attrName>
+                                        </p:attrNameLst>
+                                      </p:cBhvr>
+                                      <p:to>
+                                        <p:strVal val="visible"/>
+                                      </p:to>
+                                    </p:set>
+                                    <p:animEffect transition="in" filter="fade">
+                                      <p:cBhvr>
+                                        <p:cTn id="7" dur="1000"/>
+                                        <p:tgtEl>
+                                          <p:spTgt spid="4"/>
+                                        </p:tgtEl>
+                                      </p:cBhvr>
+                                    </p:animEffect>
+                                    <p:anim calcmode="lin" valueType="num">
+                                      <p:cBhvr>
+                                        <p:cTn id="8" dur="1000" fill="hold"/>
+                                        <p:tgtEl>
+                                          <p:spTgt spid="4"/>
+                                        </p:tgtEl>
+                                        <p:attrNameLst>
+                                          <p:attrName>ppt_x</p:attrName>
+                                        </p:attrNameLst>
+                                      </p:cBhvr>
+                                      <p:tavLst>
+                                        <p:tav tm="0">
+                                          <p:val>
+                                            <p:strVal val="#ppt_x"/>
+                                          </p:val>
+                                        </p:tav>
+                                        <p:tav tm="100000">
+                                          <p:val>
+                                            <p:strVal val="#ppt_x"/>
+                                          </p:val>
+                                        </p:tav>
+                                      </p:tavLst>
+                                    </p:anim>
+                                    <p:anim calcmode="lin" valueType="num">
+                                      <p:cBhvr>
+                                        <p:cTn id="9" dur="1000" fill="hold"/>
+                                        <p:tgtEl>
+                                          <p:spTgt spid="4"/>
+                                        </p:tgtEl>
+                                        <p:attrNameLst>
+                                          <p:attrName>ppt_y</p:attrName>
+                                        </p:attrNameLst>
+                                      </p:cBhvr>
+                                      <p:tavLst>
+                                        <p:tav tm="0">
+                                          <p:val>
+                                            <p:strVal val="#ppt_y-.1"/>
+                                          </p:val>
+                                        </p:tav>
+                                        <p:tav tm="100000">
+                                          <p:val>
+                                            <p:strVal val="#ppt_y"/>
+                                          </p:val>
+                                        </p:tav>
+                                      </p:tavLst>
+                                    </p:anim>
+                                  </p:childTnLst>
+                                </p:cTn>
+                              </p:par>
+                            </p:childTnLst>
+                          </p:cTn>
+                        </p:par>
+                      </p:childTnLst>
+                    </p:cTn>
+                  </p:par>
+                  <p:par>
+                    <p:cTn id="10" fill="hold">
+                      <p:stCondLst>
+                        <p:cond delay="indefinite"/>
+                      </p:stCondLst>
+                      <p:childTnLst>
+                        <p:par>
+                          <p:cTn id="11" fill="hold">
+                            <p:stCondLst>
+                              <p:cond delay="0"/>
+                            </p:stCondLst>
+                            <p:childTnLst>
+                              <p:par>
+                                <p:cTn id="12" presetID="10" presetClass="entr" presetSubtype="0" fill="hold" nodeType="clickEffect">
+                                  <p:stCondLst>
+                                    <p:cond delay="0"/>
+                                  </p:stCondLst>
+                                  <p:childTnLst>
+                                    <p:set>
+                                      <p:cBhvr>
+                                        <p:cTn id="13" dur="1" fill="hold">
+                                          <p:stCondLst>
+                                            <p:cond delay="0"/>
+                                          </p:stCondLst>
+                                        </p:cTn>
+                                        <p:tgtEl>
+                                          <p:spTgt spid="6"/>
+                                        </p:tgtEl>
+                                        <p:attrNameLst>
+                                          <p:attrName>style.visibility</p:attrName>
+                                        </p:attrNameLst>
+                                      </p:cBhvr>
+                                      <p:to>
+                                        <p:strVal val="visible"/>
+                                      </p:to>
+                                    </p:set>
+                                    <p:animEffect transition="in" filter="fade">
+                                      <p:cBhvr>
+                                        <p:cTn id="14" dur="500"/>
+                                        <p:tgtEl>
+                                          <p:spTgt spid="6"/>
+                                        </p:tgtEl>
+                                      </p:cBhvr>
+                                    </p:animEffect>
+                                  </p:childTnLst>
+                                </p:cTn>
+                              </p:par>
+                            </p:childTnLst>
+                          </p:cTn>
+                        </p:par>
+                      </p:childTnLst>
+                    </p:cTn>
+                  </p:par>
+                  <p:par>
+                    <p:cTn id="15" fill="hold">
+                      <p:stCondLst>
+                        <p:cond delay="indefinite"/>
+                      </p:stCondLst>
+                      <p:childTnLst>
+                        <p:par>
+                          <p:cTn id="16" fill="hold">
+                            <p:stCondLst>
+                              <p:cond delay="0"/>
+                            </p:stCondLst>
+                            <p:childTnLst>
+                              <p:par>
+                                <p:cTn id="17" presetID="42" presetClass="entr" presetSubtype="0" fill="hold" grpId="0" nodeType="clickEffect">
+                                  <p:stCondLst>
+                                    <p:cond delay="0"/>
+                                  </p:stCondLst>
+                                  <p:childTnLst>
+                                    <p:set>
+                                      <p:cBhvr>
+                                        <p:cTn id="18" dur="1" fill="hold">
+                                          <p:stCondLst>
+                                            <p:cond delay="0"/>
+                                          </p:stCondLst>
+                                        </p:cTn>
+                                        <p:tgtEl>
+                                          <p:spTgt spid="7"/>
+                                        </p:tgtEl>
+                                        <p:attrNameLst>
+                                          <p:attrName>style.visibility</p:attrName>
+                                        </p:attrNameLst>
+                                      </p:cBhvr>
+                                      <p:to>
+                                        <p:strVal val="visible"/>
+                                      </p:to>
+                                    </p:set>
+                                    <p:animEffect transition="in" filter="fade">
+                                      <p:cBhvr>
+                                        <p:cTn id="19" dur="1000"/>
+                                        <p:tgtEl>
+                                          <p:spTgt spid="7"/>
+                                        </p:tgtEl>
+                                      </p:cBhvr>
+                                    </p:animEffect>
+                                    <p:anim calcmode="lin" valueType="num">
+                                      <p:cBhvr>
+                                        <p:cTn id="20" dur="1000" fill="hold"/>
+                                        <p:tgtEl>
+                                          <p:spTgt spid="7"/>
+                                        </p:tgtEl>
+                                        <p:attrNameLst>
+                                          <p:attrName>ppt_x</p:attrName>
+                                        </p:attrNameLst>
+                                      </p:cBhvr>
+                                      <p:tavLst>
+                                        <p:tav tm="0">
+                                          <p:val>
+                                            <p:strVal val="#ppt_x"/>
+                                          </p:val>
+                                        </p:tav>
+                                        <p:tav tm="100000">
+                                          <p:val>
+                                            <p:strVal val="#ppt_x"/>
+                                          </p:val>
+                                        </p:tav>
+                                      </p:tavLst>
+                                    </p:anim>
+                                    <p:anim calcmode="lin" valueType="num">
+                                      <p:cBhvr>
+                                        <p:cTn id="21" dur="1000" fill="hold"/>
+                                        <p:tgtEl>
+                                          <p:spTgt spid="7"/>
+                                        </p:tgtEl>
+                                        <p:attrNameLst>
+                                          <p:attrName>ppt_y</p:attrName>
+                                        </p:attrNameLst>
+                                      </p:cBhvr>
+                                      <p:tavLst>
+                                        <p:tav tm="0">
+                                          <p:val>
+                                            <p:strVal val="#ppt_y+.1"/>
+                                          </p:val>
+                                        </p:tav>
+                                        <p:tav tm="100000">
+                                          <p:val>
+                                            <p:strVal val="#ppt_y"/>
+                                          </p:val>
+                                        </p:tav>
+                                      </p:tavLst>
+                                    </p:anim>
+                                  </p:childTnLst>
+                                </p:cTn>
+                              </p:par>
+                            </p:childTnLst>
+                          </p:cTn>
+                        </p:par>
+                      </p:childTnLst>
+                    </p:cTn>
+                  </p:par>
+                  <p:par>
+                    <p:cTn id="22" fill="hold">
+                      <p:stCondLst>
+                        <p:cond delay="indefinite"/>
+                      </p:stCondLst>
+                      <p:childTnLst>
+                        <p:par>
+                          <p:cTn id="23" fill="hold">
+                            <p:stCondLst>
+                              <p:cond delay="0"/>
+                            </p:stCondLst>
+                            <p:childTnLst>
+                              <p:par>
+                                <p:cTn id="24" presetID="10" presetClass="entr" presetSubtype="0" fill="hold" nodeType="clickEffect">
+                                  <p:stCondLst>
+                                    <p:cond delay="0"/>
+                                  </p:stCondLst>
+                                  <p:childTnLst>
+                                    <p:set>
+                                      <p:cBhvr>
+                                        <p:cTn id="25" dur="1" fill="hold">
+                                          <p:stCondLst>
+                                            <p:cond delay="0"/>
+                                          </p:stCondLst>
+                                        </p:cTn>
+                                        <p:tgtEl>
+                                          <p:spTgt spid="8"/>
+                                        </p:tgtEl>
+                                        <p:attrNameLst>
+                                          <p:attrName>style.visibility</p:attrName>
+                                        </p:attrNameLst>
+                                      </p:cBhvr>
+                                      <p:to>
+                                        <p:strVal val="visible"/>
+                                      </p:to>
+                                    </p:set>
+                                    <p:animEffect transition="in" filter="fade">
+                                      <p:cBhvr>
+                                        <p:cTn id="26" dur="500"/>
+                                        <p:tgtEl>
+                                          <p:spTgt spid="8"/>
+                                        </p:tgtEl>
+                                      </p:cBhvr>
+                                    </p:animEffect>
+                                  </p:childTnLst>
+                                </p:cTn>
+                              </p:par>
+                            </p:childTnLst>
+                          </p:cTn>
+                        </p:par>
+                      </p:childTnLst>
+                    </p:cTn>
+                  </p:par>
+                  <p:par>
+                    <p:cTn id="27" fill="hold">
+                      <p:stCondLst>
+                        <p:cond delay="indefinite"/>
+                      </p:stCondLst>
+                      <p:childTnLst>
+                        <p:par>
+                          <p:cTn id="28" fill="hold">
+                            <p:stCondLst>
+                              <p:cond delay="0"/>
+                            </p:stCondLst>
+                            <p:childTnLst>
+                              <p:par>
+                                <p:cTn id="29" presetID="42" presetClass="entr" presetSubtype="0" fill="hold" nodeType="clickEffect">
+                                  <p:stCondLst>
+                                    <p:cond delay="0"/>
+                                  </p:stCondLst>
+                                  <p:childTnLst>
+                                    <p:set>
+                                      <p:cBhvr>
+                                        <p:cTn id="30" dur="1" fill="hold">
+                                          <p:stCondLst>
+                                            <p:cond delay="0"/>
+                                          </p:stCondLst>
+                                        </p:cTn>
+                                        <p:tgtEl>
+                                          <p:spTgt spid="12">
+                                            <p:txEl>
+                                              <p:pRg st="0" end="0"/>
+                                            </p:txEl>
+                                          </p:spTgt>
+                                        </p:tgtEl>
+                                        <p:attrNameLst>
+                                          <p:attrName>style.visibility</p:attrName>
+                                        </p:attrNameLst>
+                                      </p:cBhvr>
+                                      <p:to>
+                                        <p:strVal val="visible"/>
+                                      </p:to>
+                                    </p:set>
+                                    <p:animEffect transition="in" filter="fade">
+                                      <p:cBhvr>
+                                        <p:cTn id="31" dur="1000"/>
+                                        <p:tgtEl>
+                                          <p:spTgt spid="12">
+                                            <p:txEl>
+                                              <p:pRg st="0" end="0"/>
+                                            </p:txEl>
+                                          </p:spTgt>
+                                        </p:tgtEl>
+                                      </p:cBhvr>
+                                    </p:animEffect>
+                                    <p:anim calcmode="lin" valueType="num">
+                                      <p:cBhvr>
+                                        <p:cTn id="32" dur="1000" fill="hold"/>
+                                        <p:tgtEl>
+                                          <p:spTgt spid="12">
+                                            <p:txEl>
+                                              <p:pRg st="0" end="0"/>
+                                            </p:txEl>
+                                          </p:spTgt>
+                                        </p:tgtEl>
+                                        <p:attrNameLst>
+                                          <p:attrName>ppt_x</p:attrName>
+                                        </p:attrNameLst>
+                                      </p:cBhvr>
+                                      <p:tavLst>
+                                        <p:tav tm="0">
+                                          <p:val>
+                                            <p:strVal val="#ppt_x"/>
+                                          </p:val>
+                                        </p:tav>
+                                        <p:tav tm="100000">
+                                          <p:val>
+                                            <p:strVal val="#ppt_x"/>
+                                          </p:val>
+                                        </p:tav>
+                                      </p:tavLst>
+                                    </p:anim>
+                                    <p:anim calcmode="lin" valueType="num">
+                                      <p:cBhvr>
+                                        <p:cTn id="33" dur="1000" fill="hold"/>
+                                        <p:tgtEl>
+                                          <p:spTgt spid="12">
+                                            <p:txEl>
+                                              <p:pRg st="0" end="0"/>
+                                            </p:txEl>
+                                          </p:spTgt>
+                                        </p:tgtEl>
+                                        <p:attrNameLst>
+                                          <p:attrName>ppt_y</p:attrName>
+                                        </p:attrNameLst>
+                                      </p:cBhvr>
+                                      <p:tavLst>
+                                        <p:tav tm="0">
+                                          <p:val>
+                                            <p:strVal val="#ppt_y+.1"/>
+                                          </p:val>
+                                        </p:tav>
+                                        <p:tav tm="100000">
+                                          <p:val>
+                                            <p:strVal val="#ppt_y"/>
+                                          </p:val>
+                                        </p:tav>
+                                      </p:tavLst>
+                                    </p:anim>
+                                  </p:childTnLst>
+                                </p:cTn>
+                              </p:par>
+                            </p:childTnLst>
+                          </p:cTn>
+                        </p:par>
+                      </p:childTnLst>
+                    </p:cTn>
+                  </p:par>
+                </p:childTnLst>
+              </p:cTn>
+              <p:prevCondLst>
+                <p:cond evt="onPrev" delay="0">
+                  <p:tgtEl>
+                    <p:sldTgt/>
+                  </p:tgtEl>
+                </p:cond>
+              </p:prevCondLst>
+              <p:nextCondLst>
+                <p:cond evt="onNext" delay="0">
+                  <p:tgtEl>
+                    <p:sldTgt/>
+                  </p:tgtEl>
+                </p:cond>
+              </p:nextCondLst>
+            </p:seq>
+          </p:childTnLst>
+        </p:cTn>
+      </p:par>
+    </p:tnLst>
+    <p:bldLst>
+      <p:bldP spid="4" grpId="0"/>
+      <p:bldP spid="7" grpId="0"/>
+    </p:bldLst>
+  </p:timing>
 </p:sld>
 </file>
 
@@ -17582,18 +19384,456 @@
   <p:clrMapOvr>
     <a:masterClrMapping/>
   </p:clrMapOvr>
-  <mc:AlternateContent xmlns:mc="http://schemas.openxmlformats.org/markup-compatibility/2006">
-    <mc:Choice xmlns:p15="http://schemas.microsoft.com/office/powerpoint/2012/main" Requires="p15">
+  <mc:AlternateContent xmlns:mc="http://schemas.openxmlformats.org/markup-compatibility/2006" xmlns:p15="http://schemas.microsoft.com/office/powerpoint/2012/main">
+    <mc:Choice Requires="p15">
       <p:transition xmlns:p14="http://schemas.microsoft.com/office/powerpoint/2010/main" spd="slow" p14:dur="2000">
         <p15:prstTrans prst="wind"/>
       </p:transition>
     </mc:Choice>
-    <mc:Fallback>
+    <mc:Fallback xmlns="">
       <p:transition spd="slow">
         <p:fade/>
       </p:transition>
     </mc:Fallback>
   </mc:AlternateContent>
+  <p:timing>
+    <p:tnLst>
+      <p:par>
+        <p:cTn id="1" dur="indefinite" restart="never" nodeType="tmRoot">
+          <p:childTnLst>
+            <p:seq concurrent="1" nextAc="seek">
+              <p:cTn id="2" dur="indefinite" nodeType="mainSeq">
+                <p:childTnLst>
+                  <p:par>
+                    <p:cTn id="3" fill="hold">
+                      <p:stCondLst>
+                        <p:cond delay="indefinite"/>
+                      </p:stCondLst>
+                      <p:childTnLst>
+                        <p:par>
+                          <p:cTn id="4" fill="hold">
+                            <p:stCondLst>
+                              <p:cond delay="0"/>
+                            </p:stCondLst>
+                            <p:childTnLst>
+                              <p:par>
+                                <p:cTn id="5" presetID="47" presetClass="entr" presetSubtype="0" fill="hold" grpId="0" nodeType="clickEffect">
+                                  <p:stCondLst>
+                                    <p:cond delay="0"/>
+                                  </p:stCondLst>
+                                  <p:childTnLst>
+                                    <p:set>
+                                      <p:cBhvr>
+                                        <p:cTn id="6" dur="1" fill="hold">
+                                          <p:stCondLst>
+                                            <p:cond delay="0"/>
+                                          </p:stCondLst>
+                                        </p:cTn>
+                                        <p:tgtEl>
+                                          <p:spTgt spid="4"/>
+                                        </p:tgtEl>
+                                        <p:attrNameLst>
+                                          <p:attrName>style.visibility</p:attrName>
+                                        </p:attrNameLst>
+                                      </p:cBhvr>
+                                      <p:to>
+                                        <p:strVal val="visible"/>
+                                      </p:to>
+                                    </p:set>
+                                    <p:animEffect transition="in" filter="fade">
+                                      <p:cBhvr>
+                                        <p:cTn id="7" dur="1000"/>
+                                        <p:tgtEl>
+                                          <p:spTgt spid="4"/>
+                                        </p:tgtEl>
+                                      </p:cBhvr>
+                                    </p:animEffect>
+                                    <p:anim calcmode="lin" valueType="num">
+                                      <p:cBhvr>
+                                        <p:cTn id="8" dur="1000" fill="hold"/>
+                                        <p:tgtEl>
+                                          <p:spTgt spid="4"/>
+                                        </p:tgtEl>
+                                        <p:attrNameLst>
+                                          <p:attrName>ppt_x</p:attrName>
+                                        </p:attrNameLst>
+                                      </p:cBhvr>
+                                      <p:tavLst>
+                                        <p:tav tm="0">
+                                          <p:val>
+                                            <p:strVal val="#ppt_x"/>
+                                          </p:val>
+                                        </p:tav>
+                                        <p:tav tm="100000">
+                                          <p:val>
+                                            <p:strVal val="#ppt_x"/>
+                                          </p:val>
+                                        </p:tav>
+                                      </p:tavLst>
+                                    </p:anim>
+                                    <p:anim calcmode="lin" valueType="num">
+                                      <p:cBhvr>
+                                        <p:cTn id="9" dur="1000" fill="hold"/>
+                                        <p:tgtEl>
+                                          <p:spTgt spid="4"/>
+                                        </p:tgtEl>
+                                        <p:attrNameLst>
+                                          <p:attrName>ppt_y</p:attrName>
+                                        </p:attrNameLst>
+                                      </p:cBhvr>
+                                      <p:tavLst>
+                                        <p:tav tm="0">
+                                          <p:val>
+                                            <p:strVal val="#ppt_y-.1"/>
+                                          </p:val>
+                                        </p:tav>
+                                        <p:tav tm="100000">
+                                          <p:val>
+                                            <p:strVal val="#ppt_y"/>
+                                          </p:val>
+                                        </p:tav>
+                                      </p:tavLst>
+                                    </p:anim>
+                                  </p:childTnLst>
+                                </p:cTn>
+                              </p:par>
+                            </p:childTnLst>
+                          </p:cTn>
+                        </p:par>
+                      </p:childTnLst>
+                    </p:cTn>
+                  </p:par>
+                  <p:par>
+                    <p:cTn id="10" fill="hold">
+                      <p:stCondLst>
+                        <p:cond delay="indefinite"/>
+                      </p:stCondLst>
+                      <p:childTnLst>
+                        <p:par>
+                          <p:cTn id="11" fill="hold">
+                            <p:stCondLst>
+                              <p:cond delay="0"/>
+                            </p:stCondLst>
+                            <p:childTnLst>
+                              <p:par>
+                                <p:cTn id="12" presetID="10" presetClass="entr" presetSubtype="0" fill="hold" nodeType="clickEffect">
+                                  <p:stCondLst>
+                                    <p:cond delay="0"/>
+                                  </p:stCondLst>
+                                  <p:childTnLst>
+                                    <p:set>
+                                      <p:cBhvr>
+                                        <p:cTn id="13" dur="1" fill="hold">
+                                          <p:stCondLst>
+                                            <p:cond delay="0"/>
+                                          </p:stCondLst>
+                                        </p:cTn>
+                                        <p:tgtEl>
+                                          <p:spTgt spid="6"/>
+                                        </p:tgtEl>
+                                        <p:attrNameLst>
+                                          <p:attrName>style.visibility</p:attrName>
+                                        </p:attrNameLst>
+                                      </p:cBhvr>
+                                      <p:to>
+                                        <p:strVal val="visible"/>
+                                      </p:to>
+                                    </p:set>
+                                    <p:animEffect transition="in" filter="fade">
+                                      <p:cBhvr>
+                                        <p:cTn id="14" dur="500"/>
+                                        <p:tgtEl>
+                                          <p:spTgt spid="6"/>
+                                        </p:tgtEl>
+                                      </p:cBhvr>
+                                    </p:animEffect>
+                                  </p:childTnLst>
+                                </p:cTn>
+                              </p:par>
+                            </p:childTnLst>
+                          </p:cTn>
+                        </p:par>
+                      </p:childTnLst>
+                    </p:cTn>
+                  </p:par>
+                  <p:par>
+                    <p:cTn id="15" fill="hold">
+                      <p:stCondLst>
+                        <p:cond delay="indefinite"/>
+                      </p:stCondLst>
+                      <p:childTnLst>
+                        <p:par>
+                          <p:cTn id="16" fill="hold">
+                            <p:stCondLst>
+                              <p:cond delay="0"/>
+                            </p:stCondLst>
+                            <p:childTnLst>
+                              <p:par>
+                                <p:cTn id="17" presetID="42" presetClass="entr" presetSubtype="0" fill="hold" grpId="0" nodeType="clickEffect">
+                                  <p:stCondLst>
+                                    <p:cond delay="0"/>
+                                  </p:stCondLst>
+                                  <p:childTnLst>
+                                    <p:set>
+                                      <p:cBhvr>
+                                        <p:cTn id="18" dur="1" fill="hold">
+                                          <p:stCondLst>
+                                            <p:cond delay="0"/>
+                                          </p:stCondLst>
+                                        </p:cTn>
+                                        <p:tgtEl>
+                                          <p:spTgt spid="7"/>
+                                        </p:tgtEl>
+                                        <p:attrNameLst>
+                                          <p:attrName>style.visibility</p:attrName>
+                                        </p:attrNameLst>
+                                      </p:cBhvr>
+                                      <p:to>
+                                        <p:strVal val="visible"/>
+                                      </p:to>
+                                    </p:set>
+                                    <p:animEffect transition="in" filter="fade">
+                                      <p:cBhvr>
+                                        <p:cTn id="19" dur="1000"/>
+                                        <p:tgtEl>
+                                          <p:spTgt spid="7"/>
+                                        </p:tgtEl>
+                                      </p:cBhvr>
+                                    </p:animEffect>
+                                    <p:anim calcmode="lin" valueType="num">
+                                      <p:cBhvr>
+                                        <p:cTn id="20" dur="1000" fill="hold"/>
+                                        <p:tgtEl>
+                                          <p:spTgt spid="7"/>
+                                        </p:tgtEl>
+                                        <p:attrNameLst>
+                                          <p:attrName>ppt_x</p:attrName>
+                                        </p:attrNameLst>
+                                      </p:cBhvr>
+                                      <p:tavLst>
+                                        <p:tav tm="0">
+                                          <p:val>
+                                            <p:strVal val="#ppt_x"/>
+                                          </p:val>
+                                        </p:tav>
+                                        <p:tav tm="100000">
+                                          <p:val>
+                                            <p:strVal val="#ppt_x"/>
+                                          </p:val>
+                                        </p:tav>
+                                      </p:tavLst>
+                                    </p:anim>
+                                    <p:anim calcmode="lin" valueType="num">
+                                      <p:cBhvr>
+                                        <p:cTn id="21" dur="1000" fill="hold"/>
+                                        <p:tgtEl>
+                                          <p:spTgt spid="7"/>
+                                        </p:tgtEl>
+                                        <p:attrNameLst>
+                                          <p:attrName>ppt_y</p:attrName>
+                                        </p:attrNameLst>
+                                      </p:cBhvr>
+                                      <p:tavLst>
+                                        <p:tav tm="0">
+                                          <p:val>
+                                            <p:strVal val="#ppt_y+.1"/>
+                                          </p:val>
+                                        </p:tav>
+                                        <p:tav tm="100000">
+                                          <p:val>
+                                            <p:strVal val="#ppt_y"/>
+                                          </p:val>
+                                        </p:tav>
+                                      </p:tavLst>
+                                    </p:anim>
+                                  </p:childTnLst>
+                                </p:cTn>
+                              </p:par>
+                            </p:childTnLst>
+                          </p:cTn>
+                        </p:par>
+                      </p:childTnLst>
+                    </p:cTn>
+                  </p:par>
+                  <p:par>
+                    <p:cTn id="22" fill="hold">
+                      <p:stCondLst>
+                        <p:cond delay="indefinite"/>
+                      </p:stCondLst>
+                      <p:childTnLst>
+                        <p:par>
+                          <p:cTn id="23" fill="hold">
+                            <p:stCondLst>
+                              <p:cond delay="0"/>
+                            </p:stCondLst>
+                            <p:childTnLst>
+                              <p:par>
+                                <p:cTn id="24" presetID="10" presetClass="entr" presetSubtype="0" fill="hold" nodeType="clickEffect">
+                                  <p:stCondLst>
+                                    <p:cond delay="0"/>
+                                  </p:stCondLst>
+                                  <p:childTnLst>
+                                    <p:set>
+                                      <p:cBhvr>
+                                        <p:cTn id="25" dur="1" fill="hold">
+                                          <p:stCondLst>
+                                            <p:cond delay="0"/>
+                                          </p:stCondLst>
+                                        </p:cTn>
+                                        <p:tgtEl>
+                                          <p:spTgt spid="8"/>
+                                        </p:tgtEl>
+                                        <p:attrNameLst>
+                                          <p:attrName>style.visibility</p:attrName>
+                                        </p:attrNameLst>
+                                      </p:cBhvr>
+                                      <p:to>
+                                        <p:strVal val="visible"/>
+                                      </p:to>
+                                    </p:set>
+                                    <p:animEffect transition="in" filter="fade">
+                                      <p:cBhvr>
+                                        <p:cTn id="26" dur="500"/>
+                                        <p:tgtEl>
+                                          <p:spTgt spid="8"/>
+                                        </p:tgtEl>
+                                      </p:cBhvr>
+                                    </p:animEffect>
+                                  </p:childTnLst>
+                                </p:cTn>
+                              </p:par>
+                            </p:childTnLst>
+                          </p:cTn>
+                        </p:par>
+                      </p:childTnLst>
+                    </p:cTn>
+                  </p:par>
+                  <p:par>
+                    <p:cTn id="27" fill="hold">
+                      <p:stCondLst>
+                        <p:cond delay="indefinite"/>
+                      </p:stCondLst>
+                      <p:childTnLst>
+                        <p:par>
+                          <p:cTn id="28" fill="hold">
+                            <p:stCondLst>
+                              <p:cond delay="0"/>
+                            </p:stCondLst>
+                            <p:childTnLst>
+                              <p:par>
+                                <p:cTn id="29" presetID="42" presetClass="entr" presetSubtype="0" fill="hold" grpId="0" nodeType="clickEffect">
+                                  <p:stCondLst>
+                                    <p:cond delay="0"/>
+                                  </p:stCondLst>
+                                  <p:childTnLst>
+                                    <p:set>
+                                      <p:cBhvr>
+                                        <p:cTn id="30" dur="1" fill="hold">
+                                          <p:stCondLst>
+                                            <p:cond delay="0"/>
+                                          </p:stCondLst>
+                                        </p:cTn>
+                                        <p:tgtEl>
+                                          <p:spTgt spid="12"/>
+                                        </p:tgtEl>
+                                        <p:attrNameLst>
+                                          <p:attrName>style.visibility</p:attrName>
+                                        </p:attrNameLst>
+                                      </p:cBhvr>
+                                      <p:to>
+                                        <p:strVal val="visible"/>
+                                      </p:to>
+                                    </p:set>
+                                    <p:animEffect transition="in" filter="fade">
+                                      <p:cBhvr>
+                                        <p:cTn id="31" dur="1000"/>
+                                        <p:tgtEl>
+                                          <p:spTgt spid="12"/>
+                                        </p:tgtEl>
+                                      </p:cBhvr>
+                                    </p:animEffect>
+                                    <p:anim calcmode="lin" valueType="num">
+                                      <p:cBhvr>
+                                        <p:cTn id="32" dur="1000" fill="hold"/>
+                                        <p:tgtEl>
+                                          <p:spTgt spid="12"/>
+                                        </p:tgtEl>
+                                        <p:attrNameLst>
+                                          <p:attrName>ppt_x</p:attrName>
+                                        </p:attrNameLst>
+                                      </p:cBhvr>
+                                      <p:tavLst>
+                                        <p:tav tm="0">
+                                          <p:val>
+                                            <p:strVal val="#ppt_x"/>
+                                          </p:val>
+                                        </p:tav>
+                                        <p:tav tm="100000">
+                                          <p:val>
+                                            <p:strVal val="#ppt_x"/>
+                                          </p:val>
+                                        </p:tav>
+                                      </p:tavLst>
+                                    </p:anim>
+                                    <p:anim calcmode="lin" valueType="num">
+                                      <p:cBhvr>
+                                        <p:cTn id="33" dur="1000" fill="hold"/>
+                                        <p:tgtEl>
+                                          <p:spTgt spid="12"/>
+                                        </p:tgtEl>
+                                        <p:attrNameLst>
+                                          <p:attrName>ppt_y</p:attrName>
+                                        </p:attrNameLst>
+                                      </p:cBhvr>
+                                      <p:tavLst>
+                                        <p:tav tm="0">
+                                          <p:val>
+                                            <p:strVal val="#ppt_y+.1"/>
+                                          </p:val>
+                                        </p:tav>
+                                        <p:tav tm="100000">
+                                          <p:val>
+                                            <p:strVal val="#ppt_y"/>
+                                          </p:val>
+                                        </p:tav>
+                                      </p:tavLst>
+                                    </p:anim>
+                                  </p:childTnLst>
+                                </p:cTn>
+                              </p:par>
+                            </p:childTnLst>
+                          </p:cTn>
+                        </p:par>
+                      </p:childTnLst>
+                    </p:cTn>
+                  </p:par>
+                </p:childTnLst>
+              </p:cTn>
+              <p:prevCondLst>
+                <p:cond evt="onPrev" delay="0">
+                  <p:tgtEl>
+                    <p:sldTgt/>
+                  </p:tgtEl>
+                </p:cond>
+              </p:prevCondLst>
+              <p:nextCondLst>
+                <p:cond evt="onNext" delay="0">
+                  <p:tgtEl>
+                    <p:sldTgt/>
+                  </p:tgtEl>
+                </p:cond>
+              </p:nextCondLst>
+            </p:seq>
+          </p:childTnLst>
+        </p:cTn>
+      </p:par>
+    </p:tnLst>
+    <p:bldLst>
+      <p:bldP spid="4" grpId="0"/>
+      <p:bldP spid="7" grpId="0"/>
+      <p:bldP spid="12" grpId="0"/>
+    </p:bldLst>
+  </p:timing>
 </p:sld>
 </file>
 
@@ -17787,8 +20027,8 @@
           </a:p>
         </p:txBody>
       </p:sp>
-      <mc:AlternateContent xmlns:mc="http://schemas.openxmlformats.org/markup-compatibility/2006">
-        <mc:Choice xmlns:a14="http://schemas.microsoft.com/office/drawing/2010/main" Requires="a14">
+      <mc:AlternateContent xmlns:mc="http://schemas.openxmlformats.org/markup-compatibility/2006" xmlns:a14="http://schemas.microsoft.com/office/drawing/2010/main">
+        <mc:Choice Requires="a14">
           <p:sp>
             <p:nvSpPr>
               <p:cNvPr id="10" name="CasellaDiTesto 9">
@@ -17964,7 +20204,7 @@
             </p:txBody>
           </p:sp>
         </mc:Choice>
-        <mc:Fallback>
+        <mc:Fallback xmlns="">
           <p:sp>
             <p:nvSpPr>
               <p:cNvPr id="10" name="CasellaDiTesto 9">
@@ -18009,8 +20249,8 @@
           </p:sp>
         </mc:Fallback>
       </mc:AlternateContent>
-      <mc:AlternateContent xmlns:mc="http://schemas.openxmlformats.org/markup-compatibility/2006">
-        <mc:Choice xmlns:a14="http://schemas.microsoft.com/office/drawing/2010/main" Requires="a14">
+      <mc:AlternateContent xmlns:mc="http://schemas.openxmlformats.org/markup-compatibility/2006" xmlns:a14="http://schemas.microsoft.com/office/drawing/2010/main">
+        <mc:Choice Requires="a14">
           <p:sp>
             <p:nvSpPr>
               <p:cNvPr id="11" name="CasellaDiTesto 10">
@@ -18110,7 +20350,7 @@
             </p:txBody>
           </p:sp>
         </mc:Choice>
-        <mc:Fallback>
+        <mc:Fallback xmlns="">
           <p:sp>
             <p:nvSpPr>
               <p:cNvPr id="11" name="CasellaDiTesto 10">
@@ -18155,8 +20395,8 @@
           </p:sp>
         </mc:Fallback>
       </mc:AlternateContent>
-      <mc:AlternateContent xmlns:mc="http://schemas.openxmlformats.org/markup-compatibility/2006">
-        <mc:Choice xmlns:a14="http://schemas.microsoft.com/office/drawing/2010/main" Requires="a14">
+      <mc:AlternateContent xmlns:mc="http://schemas.openxmlformats.org/markup-compatibility/2006" xmlns:a14="http://schemas.microsoft.com/office/drawing/2010/main">
+        <mc:Choice Requires="a14">
           <p:sp>
             <p:nvSpPr>
               <p:cNvPr id="12" name="CasellaDiTesto 11">
@@ -18311,7 +20551,7 @@
             </p:txBody>
           </p:sp>
         </mc:Choice>
-        <mc:Fallback>
+        <mc:Fallback xmlns="">
           <p:sp>
             <p:nvSpPr>
               <p:cNvPr id="12" name="CasellaDiTesto 11">
@@ -18540,18 +20780,595 @@
   <p:clrMapOvr>
     <a:masterClrMapping/>
   </p:clrMapOvr>
-  <mc:AlternateContent xmlns:mc="http://schemas.openxmlformats.org/markup-compatibility/2006">
-    <mc:Choice xmlns:p15="http://schemas.microsoft.com/office/powerpoint/2012/main" Requires="p15">
+  <mc:AlternateContent xmlns:mc="http://schemas.openxmlformats.org/markup-compatibility/2006" xmlns:p15="http://schemas.microsoft.com/office/powerpoint/2012/main">
+    <mc:Choice Requires="p15">
       <p:transition xmlns:p14="http://schemas.microsoft.com/office/powerpoint/2010/main" spd="slow" p14:dur="2000">
         <p15:prstTrans prst="wind"/>
       </p:transition>
     </mc:Choice>
-    <mc:Fallback>
+    <mc:Fallback xmlns="">
       <p:transition spd="slow">
         <p:fade/>
       </p:transition>
     </mc:Fallback>
   </mc:AlternateContent>
+  <p:timing>
+    <p:tnLst>
+      <p:par>
+        <p:cTn id="1" dur="indefinite" restart="never" nodeType="tmRoot">
+          <p:childTnLst>
+            <p:seq concurrent="1" nextAc="seek">
+              <p:cTn id="2" dur="indefinite" nodeType="mainSeq">
+                <p:childTnLst>
+                  <p:par>
+                    <p:cTn id="3" fill="hold">
+                      <p:stCondLst>
+                        <p:cond delay="indefinite"/>
+                      </p:stCondLst>
+                      <p:childTnLst>
+                        <p:par>
+                          <p:cTn id="4" fill="hold">
+                            <p:stCondLst>
+                              <p:cond delay="0"/>
+                            </p:stCondLst>
+                            <p:childTnLst>
+                              <p:par>
+                                <p:cTn id="5" presetID="16" presetClass="entr" presetSubtype="37" fill="hold" grpId="0" nodeType="clickEffect">
+                                  <p:stCondLst>
+                                    <p:cond delay="0"/>
+                                  </p:stCondLst>
+                                  <p:childTnLst>
+                                    <p:set>
+                                      <p:cBhvr>
+                                        <p:cTn id="6" dur="1" fill="hold">
+                                          <p:stCondLst>
+                                            <p:cond delay="0"/>
+                                          </p:stCondLst>
+                                        </p:cTn>
+                                        <p:tgtEl>
+                                          <p:spTgt spid="3">
+                                            <p:txEl>
+                                              <p:pRg st="0" end="0"/>
+                                            </p:txEl>
+                                          </p:spTgt>
+                                        </p:tgtEl>
+                                        <p:attrNameLst>
+                                          <p:attrName>style.visibility</p:attrName>
+                                        </p:attrNameLst>
+                                      </p:cBhvr>
+                                      <p:to>
+                                        <p:strVal val="visible"/>
+                                      </p:to>
+                                    </p:set>
+                                    <p:animEffect transition="in" filter="barn(outVertical)">
+                                      <p:cBhvr>
+                                        <p:cTn id="7" dur="500"/>
+                                        <p:tgtEl>
+                                          <p:spTgt spid="3">
+                                            <p:txEl>
+                                              <p:pRg st="0" end="0"/>
+                                            </p:txEl>
+                                          </p:spTgt>
+                                        </p:tgtEl>
+                                      </p:cBhvr>
+                                    </p:animEffect>
+                                  </p:childTnLst>
+                                </p:cTn>
+                              </p:par>
+                            </p:childTnLst>
+                          </p:cTn>
+                        </p:par>
+                      </p:childTnLst>
+                    </p:cTn>
+                  </p:par>
+                  <p:par>
+                    <p:cTn id="8" fill="hold">
+                      <p:stCondLst>
+                        <p:cond delay="indefinite"/>
+                      </p:stCondLst>
+                      <p:childTnLst>
+                        <p:par>
+                          <p:cTn id="9" fill="hold">
+                            <p:stCondLst>
+                              <p:cond delay="0"/>
+                            </p:stCondLst>
+                            <p:childTnLst>
+                              <p:par>
+                                <p:cTn id="10" presetID="22" presetClass="entr" presetSubtype="8" fill="hold" grpId="0" nodeType="clickEffect">
+                                  <p:stCondLst>
+                                    <p:cond delay="0"/>
+                                  </p:stCondLst>
+                                  <p:childTnLst>
+                                    <p:set>
+                                      <p:cBhvr>
+                                        <p:cTn id="11" dur="1" fill="hold">
+                                          <p:stCondLst>
+                                            <p:cond delay="0"/>
+                                          </p:stCondLst>
+                                        </p:cTn>
+                                        <p:tgtEl>
+                                          <p:spTgt spid="4"/>
+                                        </p:tgtEl>
+                                        <p:attrNameLst>
+                                          <p:attrName>style.visibility</p:attrName>
+                                        </p:attrNameLst>
+                                      </p:cBhvr>
+                                      <p:to>
+                                        <p:strVal val="visible"/>
+                                      </p:to>
+                                    </p:set>
+                                    <p:animEffect transition="in" filter="wipe(left)">
+                                      <p:cBhvr>
+                                        <p:cTn id="12" dur="500"/>
+                                        <p:tgtEl>
+                                          <p:spTgt spid="4"/>
+                                        </p:tgtEl>
+                                      </p:cBhvr>
+                                    </p:animEffect>
+                                  </p:childTnLst>
+                                </p:cTn>
+                              </p:par>
+                            </p:childTnLst>
+                          </p:cTn>
+                        </p:par>
+                      </p:childTnLst>
+                    </p:cTn>
+                  </p:par>
+                  <p:par>
+                    <p:cTn id="13" fill="hold">
+                      <p:stCondLst>
+                        <p:cond delay="indefinite"/>
+                      </p:stCondLst>
+                      <p:childTnLst>
+                        <p:par>
+                          <p:cTn id="14" fill="hold">
+                            <p:stCondLst>
+                              <p:cond delay="0"/>
+                            </p:stCondLst>
+                            <p:childTnLst>
+                              <p:par>
+                                <p:cTn id="15" presetID="10" presetClass="entr" presetSubtype="0" fill="hold" nodeType="clickEffect">
+                                  <p:stCondLst>
+                                    <p:cond delay="0"/>
+                                  </p:stCondLst>
+                                  <p:childTnLst>
+                                    <p:set>
+                                      <p:cBhvr>
+                                        <p:cTn id="16" dur="1" fill="hold">
+                                          <p:stCondLst>
+                                            <p:cond delay="0"/>
+                                          </p:stCondLst>
+                                        </p:cTn>
+                                        <p:tgtEl>
+                                          <p:spTgt spid="6"/>
+                                        </p:tgtEl>
+                                        <p:attrNameLst>
+                                          <p:attrName>style.visibility</p:attrName>
+                                        </p:attrNameLst>
+                                      </p:cBhvr>
+                                      <p:to>
+                                        <p:strVal val="visible"/>
+                                      </p:to>
+                                    </p:set>
+                                    <p:animEffect transition="in" filter="fade">
+                                      <p:cBhvr>
+                                        <p:cTn id="17" dur="500"/>
+                                        <p:tgtEl>
+                                          <p:spTgt spid="6"/>
+                                        </p:tgtEl>
+                                      </p:cBhvr>
+                                    </p:animEffect>
+                                  </p:childTnLst>
+                                </p:cTn>
+                              </p:par>
+                            </p:childTnLst>
+                          </p:cTn>
+                        </p:par>
+                      </p:childTnLst>
+                    </p:cTn>
+                  </p:par>
+                  <p:par>
+                    <p:cTn id="18" fill="hold">
+                      <p:stCondLst>
+                        <p:cond delay="indefinite"/>
+                      </p:stCondLst>
+                      <p:childTnLst>
+                        <p:par>
+                          <p:cTn id="19" fill="hold">
+                            <p:stCondLst>
+                              <p:cond delay="0"/>
+                            </p:stCondLst>
+                            <p:childTnLst>
+                              <p:par>
+                                <p:cTn id="20" presetID="22" presetClass="entr" presetSubtype="2" fill="hold" grpId="0" nodeType="clickEffect">
+                                  <p:stCondLst>
+                                    <p:cond delay="0"/>
+                                  </p:stCondLst>
+                                  <p:childTnLst>
+                                    <p:set>
+                                      <p:cBhvr>
+                                        <p:cTn id="21" dur="1" fill="hold">
+                                          <p:stCondLst>
+                                            <p:cond delay="0"/>
+                                          </p:stCondLst>
+                                        </p:cTn>
+                                        <p:tgtEl>
+                                          <p:spTgt spid="11"/>
+                                        </p:tgtEl>
+                                        <p:attrNameLst>
+                                          <p:attrName>style.visibility</p:attrName>
+                                        </p:attrNameLst>
+                                      </p:cBhvr>
+                                      <p:to>
+                                        <p:strVal val="visible"/>
+                                      </p:to>
+                                    </p:set>
+                                    <p:animEffect transition="in" filter="wipe(right)">
+                                      <p:cBhvr>
+                                        <p:cTn id="22" dur="500"/>
+                                        <p:tgtEl>
+                                          <p:spTgt spid="11"/>
+                                        </p:tgtEl>
+                                      </p:cBhvr>
+                                    </p:animEffect>
+                                  </p:childTnLst>
+                                </p:cTn>
+                              </p:par>
+                            </p:childTnLst>
+                          </p:cTn>
+                        </p:par>
+                      </p:childTnLst>
+                    </p:cTn>
+                  </p:par>
+                  <p:par>
+                    <p:cTn id="23" fill="hold">
+                      <p:stCondLst>
+                        <p:cond delay="indefinite"/>
+                      </p:stCondLst>
+                      <p:childTnLst>
+                        <p:par>
+                          <p:cTn id="24" fill="hold">
+                            <p:stCondLst>
+                              <p:cond delay="0"/>
+                            </p:stCondLst>
+                            <p:childTnLst>
+                              <p:par>
+                                <p:cTn id="25" presetID="22" presetClass="entr" presetSubtype="8" fill="hold" grpId="0" nodeType="clickEffect">
+                                  <p:stCondLst>
+                                    <p:cond delay="0"/>
+                                  </p:stCondLst>
+                                  <p:childTnLst>
+                                    <p:set>
+                                      <p:cBhvr>
+                                        <p:cTn id="26" dur="1" fill="hold">
+                                          <p:stCondLst>
+                                            <p:cond delay="0"/>
+                                          </p:stCondLst>
+                                        </p:cTn>
+                                        <p:tgtEl>
+                                          <p:spTgt spid="16"/>
+                                        </p:tgtEl>
+                                        <p:attrNameLst>
+                                          <p:attrName>style.visibility</p:attrName>
+                                        </p:attrNameLst>
+                                      </p:cBhvr>
+                                      <p:to>
+                                        <p:strVal val="visible"/>
+                                      </p:to>
+                                    </p:set>
+                                    <p:animEffect transition="in" filter="wipe(left)">
+                                      <p:cBhvr>
+                                        <p:cTn id="27" dur="500"/>
+                                        <p:tgtEl>
+                                          <p:spTgt spid="16"/>
+                                        </p:tgtEl>
+                                      </p:cBhvr>
+                                    </p:animEffect>
+                                  </p:childTnLst>
+                                </p:cTn>
+                              </p:par>
+                            </p:childTnLst>
+                          </p:cTn>
+                        </p:par>
+                      </p:childTnLst>
+                    </p:cTn>
+                  </p:par>
+                  <p:par>
+                    <p:cTn id="28" fill="hold">
+                      <p:stCondLst>
+                        <p:cond delay="indefinite"/>
+                      </p:stCondLst>
+                      <p:childTnLst>
+                        <p:par>
+                          <p:cTn id="29" fill="hold">
+                            <p:stCondLst>
+                              <p:cond delay="0"/>
+                            </p:stCondLst>
+                            <p:childTnLst>
+                              <p:par>
+                                <p:cTn id="30" presetID="10" presetClass="entr" presetSubtype="0" fill="hold" nodeType="clickEffect">
+                                  <p:stCondLst>
+                                    <p:cond delay="0"/>
+                                  </p:stCondLst>
+                                  <p:childTnLst>
+                                    <p:set>
+                                      <p:cBhvr>
+                                        <p:cTn id="31" dur="1" fill="hold">
+                                          <p:stCondLst>
+                                            <p:cond delay="0"/>
+                                          </p:stCondLst>
+                                        </p:cTn>
+                                        <p:tgtEl>
+                                          <p:spTgt spid="17"/>
+                                        </p:tgtEl>
+                                        <p:attrNameLst>
+                                          <p:attrName>style.visibility</p:attrName>
+                                        </p:attrNameLst>
+                                      </p:cBhvr>
+                                      <p:to>
+                                        <p:strVal val="visible"/>
+                                      </p:to>
+                                    </p:set>
+                                    <p:animEffect transition="in" filter="fade">
+                                      <p:cBhvr>
+                                        <p:cTn id="32" dur="500"/>
+                                        <p:tgtEl>
+                                          <p:spTgt spid="17"/>
+                                        </p:tgtEl>
+                                      </p:cBhvr>
+                                    </p:animEffect>
+                                  </p:childTnLst>
+                                </p:cTn>
+                              </p:par>
+                            </p:childTnLst>
+                          </p:cTn>
+                        </p:par>
+                      </p:childTnLst>
+                    </p:cTn>
+                  </p:par>
+                  <p:par>
+                    <p:cTn id="33" fill="hold">
+                      <p:stCondLst>
+                        <p:cond delay="indefinite"/>
+                      </p:stCondLst>
+                      <p:childTnLst>
+                        <p:par>
+                          <p:cTn id="34" fill="hold">
+                            <p:stCondLst>
+                              <p:cond delay="0"/>
+                            </p:stCondLst>
+                            <p:childTnLst>
+                              <p:par>
+                                <p:cTn id="35" presetID="22" presetClass="entr" presetSubtype="2" fill="hold" grpId="0" nodeType="clickEffect">
+                                  <p:stCondLst>
+                                    <p:cond delay="0"/>
+                                  </p:stCondLst>
+                                  <p:childTnLst>
+                                    <p:set>
+                                      <p:cBhvr>
+                                        <p:cTn id="36" dur="1" fill="hold">
+                                          <p:stCondLst>
+                                            <p:cond delay="0"/>
+                                          </p:stCondLst>
+                                        </p:cTn>
+                                        <p:tgtEl>
+                                          <p:spTgt spid="18"/>
+                                        </p:tgtEl>
+                                        <p:attrNameLst>
+                                          <p:attrName>style.visibility</p:attrName>
+                                        </p:attrNameLst>
+                                      </p:cBhvr>
+                                      <p:to>
+                                        <p:strVal val="visible"/>
+                                      </p:to>
+                                    </p:set>
+                                    <p:animEffect transition="in" filter="wipe(right)">
+                                      <p:cBhvr>
+                                        <p:cTn id="37" dur="500"/>
+                                        <p:tgtEl>
+                                          <p:spTgt spid="18"/>
+                                        </p:tgtEl>
+                                      </p:cBhvr>
+                                    </p:animEffect>
+                                  </p:childTnLst>
+                                </p:cTn>
+                              </p:par>
+                            </p:childTnLst>
+                          </p:cTn>
+                        </p:par>
+                      </p:childTnLst>
+                    </p:cTn>
+                  </p:par>
+                  <p:par>
+                    <p:cTn id="38" fill="hold">
+                      <p:stCondLst>
+                        <p:cond delay="indefinite"/>
+                      </p:stCondLst>
+                      <p:childTnLst>
+                        <p:par>
+                          <p:cTn id="39" fill="hold">
+                            <p:stCondLst>
+                              <p:cond delay="0"/>
+                            </p:stCondLst>
+                            <p:childTnLst>
+                              <p:par>
+                                <p:cTn id="40" presetID="22" presetClass="entr" presetSubtype="8" fill="hold" grpId="0" nodeType="clickEffect">
+                                  <p:stCondLst>
+                                    <p:cond delay="0"/>
+                                  </p:stCondLst>
+                                  <p:childTnLst>
+                                    <p:set>
+                                      <p:cBhvr>
+                                        <p:cTn id="41" dur="1" fill="hold">
+                                          <p:stCondLst>
+                                            <p:cond delay="0"/>
+                                          </p:stCondLst>
+                                        </p:cTn>
+                                        <p:tgtEl>
+                                          <p:spTgt spid="10"/>
+                                        </p:tgtEl>
+                                        <p:attrNameLst>
+                                          <p:attrName>style.visibility</p:attrName>
+                                        </p:attrNameLst>
+                                      </p:cBhvr>
+                                      <p:to>
+                                        <p:strVal val="visible"/>
+                                      </p:to>
+                                    </p:set>
+                                    <p:animEffect transition="in" filter="wipe(left)">
+                                      <p:cBhvr>
+                                        <p:cTn id="42" dur="500"/>
+                                        <p:tgtEl>
+                                          <p:spTgt spid="10"/>
+                                        </p:tgtEl>
+                                      </p:cBhvr>
+                                    </p:animEffect>
+                                  </p:childTnLst>
+                                </p:cTn>
+                              </p:par>
+                            </p:childTnLst>
+                          </p:cTn>
+                        </p:par>
+                      </p:childTnLst>
+                    </p:cTn>
+                  </p:par>
+                  <p:par>
+                    <p:cTn id="43" fill="hold">
+                      <p:stCondLst>
+                        <p:cond delay="indefinite"/>
+                      </p:stCondLst>
+                      <p:childTnLst>
+                        <p:par>
+                          <p:cTn id="44" fill="hold">
+                            <p:stCondLst>
+                              <p:cond delay="0"/>
+                            </p:stCondLst>
+                            <p:childTnLst>
+                              <p:par>
+                                <p:cTn id="45" presetID="10" presetClass="entr" presetSubtype="0" fill="hold" nodeType="clickEffect">
+                                  <p:stCondLst>
+                                    <p:cond delay="0"/>
+                                  </p:stCondLst>
+                                  <p:childTnLst>
+                                    <p:set>
+                                      <p:cBhvr>
+                                        <p:cTn id="46" dur="1" fill="hold">
+                                          <p:stCondLst>
+                                            <p:cond delay="0"/>
+                                          </p:stCondLst>
+                                        </p:cTn>
+                                        <p:tgtEl>
+                                          <p:spTgt spid="15"/>
+                                        </p:tgtEl>
+                                        <p:attrNameLst>
+                                          <p:attrName>style.visibility</p:attrName>
+                                        </p:attrNameLst>
+                                      </p:cBhvr>
+                                      <p:to>
+                                        <p:strVal val="visible"/>
+                                      </p:to>
+                                    </p:set>
+                                    <p:animEffect transition="in" filter="fade">
+                                      <p:cBhvr>
+                                        <p:cTn id="47" dur="500"/>
+                                        <p:tgtEl>
+                                          <p:spTgt spid="15"/>
+                                        </p:tgtEl>
+                                      </p:cBhvr>
+                                    </p:animEffect>
+                                  </p:childTnLst>
+                                </p:cTn>
+                              </p:par>
+                            </p:childTnLst>
+                          </p:cTn>
+                        </p:par>
+                      </p:childTnLst>
+                    </p:cTn>
+                  </p:par>
+                  <p:par>
+                    <p:cTn id="48" fill="hold">
+                      <p:stCondLst>
+                        <p:cond delay="indefinite"/>
+                      </p:stCondLst>
+                      <p:childTnLst>
+                        <p:par>
+                          <p:cTn id="49" fill="hold">
+                            <p:stCondLst>
+                              <p:cond delay="0"/>
+                            </p:stCondLst>
+                            <p:childTnLst>
+                              <p:par>
+                                <p:cTn id="50" presetID="22" presetClass="entr" presetSubtype="2" fill="hold" grpId="0" nodeType="clickEffect">
+                                  <p:stCondLst>
+                                    <p:cond delay="0"/>
+                                  </p:stCondLst>
+                                  <p:childTnLst>
+                                    <p:set>
+                                      <p:cBhvr>
+                                        <p:cTn id="51" dur="1" fill="hold">
+                                          <p:stCondLst>
+                                            <p:cond delay="0"/>
+                                          </p:stCondLst>
+                                        </p:cTn>
+                                        <p:tgtEl>
+                                          <p:spTgt spid="12"/>
+                                        </p:tgtEl>
+                                        <p:attrNameLst>
+                                          <p:attrName>style.visibility</p:attrName>
+                                        </p:attrNameLst>
+                                      </p:cBhvr>
+                                      <p:to>
+                                        <p:strVal val="visible"/>
+                                      </p:to>
+                                    </p:set>
+                                    <p:animEffect transition="in" filter="wipe(right)">
+                                      <p:cBhvr>
+                                        <p:cTn id="52" dur="500"/>
+                                        <p:tgtEl>
+                                          <p:spTgt spid="12"/>
+                                        </p:tgtEl>
+                                      </p:cBhvr>
+                                    </p:animEffect>
+                                  </p:childTnLst>
+                                </p:cTn>
+                              </p:par>
+                            </p:childTnLst>
+                          </p:cTn>
+                        </p:par>
+                      </p:childTnLst>
+                    </p:cTn>
+                  </p:par>
+                </p:childTnLst>
+              </p:cTn>
+              <p:prevCondLst>
+                <p:cond evt="onPrev" delay="0">
+                  <p:tgtEl>
+                    <p:sldTgt/>
+                  </p:tgtEl>
+                </p:cond>
+              </p:prevCondLst>
+              <p:nextCondLst>
+                <p:cond evt="onNext" delay="0">
+                  <p:tgtEl>
+                    <p:sldTgt/>
+                  </p:tgtEl>
+                </p:cond>
+              </p:nextCondLst>
+            </p:seq>
+          </p:childTnLst>
+        </p:cTn>
+      </p:par>
+    </p:tnLst>
+    <p:bldLst>
+      <p:bldP spid="3" grpId="0" build="p"/>
+      <p:bldP spid="4" grpId="0"/>
+      <p:bldP spid="10" grpId="0"/>
+      <p:bldP spid="11" grpId="0"/>
+      <p:bldP spid="12" grpId="0"/>
+      <p:bldP spid="16" grpId="0"/>
+      <p:bldP spid="18" grpId="0"/>
+    </p:bldLst>
+  </p:timing>
 </p:sld>
 </file>
 
@@ -18609,8 +21426,8 @@
           </a:p>
         </p:txBody>
       </p:sp>
-      <mc:AlternateContent xmlns:mc="http://schemas.openxmlformats.org/markup-compatibility/2006">
-        <mc:Choice xmlns:a14="http://schemas.microsoft.com/office/drawing/2010/main" Requires="a14">
+      <mc:AlternateContent xmlns:mc="http://schemas.openxmlformats.org/markup-compatibility/2006" xmlns:a14="http://schemas.microsoft.com/office/drawing/2010/main">
+        <mc:Choice Requires="a14">
           <p:sp>
             <p:nvSpPr>
               <p:cNvPr id="3" name="Sottotitolo 2">
@@ -18922,7 +21739,7 @@
             </p:txBody>
           </p:sp>
         </mc:Choice>
-        <mc:Fallback>
+        <mc:Fallback xmlns="">
           <p:sp>
             <p:nvSpPr>
               <p:cNvPr id="3" name="Sottotitolo 2">
@@ -19052,8 +21869,8 @@
           </a:fontRef>
         </p:style>
       </p:cxnSp>
-      <mc:AlternateContent xmlns:mc="http://schemas.openxmlformats.org/markup-compatibility/2006">
-        <mc:Choice xmlns:a14="http://schemas.microsoft.com/office/drawing/2010/main" Requires="a14">
+      <mc:AlternateContent xmlns:mc="http://schemas.openxmlformats.org/markup-compatibility/2006" xmlns:a14="http://schemas.microsoft.com/office/drawing/2010/main">
+        <mc:Choice Requires="a14">
           <p:sp>
             <p:nvSpPr>
               <p:cNvPr id="8" name="CasellaDiTesto 7">
@@ -19193,7 +22010,7 @@
             </p:txBody>
           </p:sp>
         </mc:Choice>
-        <mc:Fallback>
+        <mc:Fallback xmlns="">
           <p:sp>
             <p:nvSpPr>
               <p:cNvPr id="8" name="CasellaDiTesto 7">
@@ -19238,8 +22055,8 @@
           </p:sp>
         </mc:Fallback>
       </mc:AlternateContent>
-      <mc:AlternateContent xmlns:mc="http://schemas.openxmlformats.org/markup-compatibility/2006">
-        <mc:Choice xmlns:a14="http://schemas.microsoft.com/office/drawing/2010/main" Requires="a14">
+      <mc:AlternateContent xmlns:mc="http://schemas.openxmlformats.org/markup-compatibility/2006" xmlns:a14="http://schemas.microsoft.com/office/drawing/2010/main">
+        <mc:Choice Requires="a14">
           <p:sp>
             <p:nvSpPr>
               <p:cNvPr id="11" name="CasellaDiTesto 10">
@@ -19392,7 +22209,7 @@
             </p:txBody>
           </p:sp>
         </mc:Choice>
-        <mc:Fallback>
+        <mc:Fallback xmlns="">
           <p:sp>
             <p:nvSpPr>
               <p:cNvPr id="11" name="CasellaDiTesto 10">
@@ -19525,8 +22342,8 @@
           </a:fontRef>
         </p:style>
       </p:cxnSp>
-      <mc:AlternateContent xmlns:mc="http://schemas.openxmlformats.org/markup-compatibility/2006">
-        <mc:Choice xmlns:a14="http://schemas.microsoft.com/office/drawing/2010/main" Requires="a14">
+      <mc:AlternateContent xmlns:mc="http://schemas.openxmlformats.org/markup-compatibility/2006" xmlns:a14="http://schemas.microsoft.com/office/drawing/2010/main">
+        <mc:Choice Requires="a14">
           <p:sp>
             <p:nvSpPr>
               <p:cNvPr id="15" name="CasellaDiTesto 14">
@@ -19678,7 +22495,7 @@
             </p:txBody>
           </p:sp>
         </mc:Choice>
-        <mc:Fallback>
+        <mc:Fallback xmlns="">
           <p:sp>
             <p:nvSpPr>
               <p:cNvPr id="15" name="CasellaDiTesto 14">
@@ -19723,8 +22540,8 @@
           </p:sp>
         </mc:Fallback>
       </mc:AlternateContent>
-      <mc:AlternateContent xmlns:mc="http://schemas.openxmlformats.org/markup-compatibility/2006">
-        <mc:Choice xmlns:a14="http://schemas.microsoft.com/office/drawing/2010/main" Requires="a14">
+      <mc:AlternateContent xmlns:mc="http://schemas.openxmlformats.org/markup-compatibility/2006" xmlns:a14="http://schemas.microsoft.com/office/drawing/2010/main">
+        <mc:Choice Requires="a14">
           <p:sp>
             <p:nvSpPr>
               <p:cNvPr id="16" name="CasellaDiTesto 15">
@@ -19876,7 +22693,7 @@
             </p:txBody>
           </p:sp>
         </mc:Choice>
-        <mc:Fallback>
+        <mc:Fallback xmlns="">
           <p:sp>
             <p:nvSpPr>
               <p:cNvPr id="16" name="CasellaDiTesto 15">
@@ -19921,8 +22738,8 @@
           </p:sp>
         </mc:Fallback>
       </mc:AlternateContent>
-      <mc:AlternateContent xmlns:mc="http://schemas.openxmlformats.org/markup-compatibility/2006">
-        <mc:Choice xmlns:a14="http://schemas.microsoft.com/office/drawing/2010/main" Requires="a14">
+      <mc:AlternateContent xmlns:mc="http://schemas.openxmlformats.org/markup-compatibility/2006" xmlns:a14="http://schemas.microsoft.com/office/drawing/2010/main">
+        <mc:Choice Requires="a14">
           <p:sp>
             <p:nvSpPr>
               <p:cNvPr id="17" name="CasellaDiTesto 16">
@@ -20036,7 +22853,7 @@
             </p:txBody>
           </p:sp>
         </mc:Choice>
-        <mc:Fallback>
+        <mc:Fallback xmlns="">
           <p:sp>
             <p:nvSpPr>
               <p:cNvPr id="17" name="CasellaDiTesto 16">
@@ -20091,18 +22908,722 @@
   <p:clrMapOvr>
     <a:masterClrMapping/>
   </p:clrMapOvr>
-  <mc:AlternateContent xmlns:mc="http://schemas.openxmlformats.org/markup-compatibility/2006">
-    <mc:Choice xmlns:p15="http://schemas.microsoft.com/office/powerpoint/2012/main" Requires="p15">
+  <mc:AlternateContent xmlns:mc="http://schemas.openxmlformats.org/markup-compatibility/2006" xmlns:p15="http://schemas.microsoft.com/office/powerpoint/2012/main">
+    <mc:Choice Requires="p15">
       <p:transition xmlns:p14="http://schemas.microsoft.com/office/powerpoint/2010/main" spd="slow" p14:dur="2000">
         <p15:prstTrans prst="wind"/>
       </p:transition>
     </mc:Choice>
-    <mc:Fallback>
+    <mc:Fallback xmlns="">
       <p:transition spd="slow">
         <p:fade/>
       </p:transition>
     </mc:Fallback>
   </mc:AlternateContent>
+  <p:timing>
+    <p:tnLst>
+      <p:par>
+        <p:cTn id="1" dur="indefinite" restart="never" nodeType="tmRoot">
+          <p:childTnLst>
+            <p:seq concurrent="1" nextAc="seek">
+              <p:cTn id="2" dur="indefinite" nodeType="mainSeq">
+                <p:childTnLst>
+                  <p:par>
+                    <p:cTn id="3" fill="hold">
+                      <p:stCondLst>
+                        <p:cond delay="indefinite"/>
+                      </p:stCondLst>
+                      <p:childTnLst>
+                        <p:par>
+                          <p:cTn id="4" fill="hold">
+                            <p:stCondLst>
+                              <p:cond delay="0"/>
+                            </p:stCondLst>
+                            <p:childTnLst>
+                              <p:par>
+                                <p:cTn id="5" presetID="22" presetClass="entr" presetSubtype="8" fill="hold" nodeType="clickEffect">
+                                  <p:stCondLst>
+                                    <p:cond delay="0"/>
+                                  </p:stCondLst>
+                                  <p:childTnLst>
+                                    <p:set>
+                                      <p:cBhvr>
+                                        <p:cTn id="6" dur="1" fill="hold">
+                                          <p:stCondLst>
+                                            <p:cond delay="0"/>
+                                          </p:stCondLst>
+                                        </p:cTn>
+                                        <p:tgtEl>
+                                          <p:spTgt spid="3">
+                                            <p:txEl>
+                                              <p:pRg st="0" end="0"/>
+                                            </p:txEl>
+                                          </p:spTgt>
+                                        </p:tgtEl>
+                                        <p:attrNameLst>
+                                          <p:attrName>style.visibility</p:attrName>
+                                        </p:attrNameLst>
+                                      </p:cBhvr>
+                                      <p:to>
+                                        <p:strVal val="visible"/>
+                                      </p:to>
+                                    </p:set>
+                                    <p:animEffect transition="in" filter="wipe(left)">
+                                      <p:cBhvr>
+                                        <p:cTn id="7" dur="500"/>
+                                        <p:tgtEl>
+                                          <p:spTgt spid="3">
+                                            <p:txEl>
+                                              <p:pRg st="0" end="0"/>
+                                            </p:txEl>
+                                          </p:spTgt>
+                                        </p:tgtEl>
+                                      </p:cBhvr>
+                                    </p:animEffect>
+                                  </p:childTnLst>
+                                </p:cTn>
+                              </p:par>
+                              <p:par>
+                                <p:cTn id="8" presetID="22" presetClass="entr" presetSubtype="8" fill="hold" nodeType="withEffect">
+                                  <p:stCondLst>
+                                    <p:cond delay="0"/>
+                                  </p:stCondLst>
+                                  <p:childTnLst>
+                                    <p:set>
+                                      <p:cBhvr>
+                                        <p:cTn id="9" dur="1" fill="hold">
+                                          <p:stCondLst>
+                                            <p:cond delay="0"/>
+                                          </p:stCondLst>
+                                        </p:cTn>
+                                        <p:tgtEl>
+                                          <p:spTgt spid="3">
+                                            <p:txEl>
+                                              <p:pRg st="1" end="1"/>
+                                            </p:txEl>
+                                          </p:spTgt>
+                                        </p:tgtEl>
+                                        <p:attrNameLst>
+                                          <p:attrName>style.visibility</p:attrName>
+                                        </p:attrNameLst>
+                                      </p:cBhvr>
+                                      <p:to>
+                                        <p:strVal val="visible"/>
+                                      </p:to>
+                                    </p:set>
+                                    <p:animEffect transition="in" filter="wipe(left)">
+                                      <p:cBhvr>
+                                        <p:cTn id="10" dur="500"/>
+                                        <p:tgtEl>
+                                          <p:spTgt spid="3">
+                                            <p:txEl>
+                                              <p:pRg st="1" end="1"/>
+                                            </p:txEl>
+                                          </p:spTgt>
+                                        </p:tgtEl>
+                                      </p:cBhvr>
+                                    </p:animEffect>
+                                  </p:childTnLst>
+                                </p:cTn>
+                              </p:par>
+                              <p:par>
+                                <p:cTn id="11" presetID="22" presetClass="entr" presetSubtype="8" fill="hold" nodeType="withEffect">
+                                  <p:stCondLst>
+                                    <p:cond delay="0"/>
+                                  </p:stCondLst>
+                                  <p:childTnLst>
+                                    <p:set>
+                                      <p:cBhvr>
+                                        <p:cTn id="12" dur="1" fill="hold">
+                                          <p:stCondLst>
+                                            <p:cond delay="0"/>
+                                          </p:stCondLst>
+                                        </p:cTn>
+                                        <p:tgtEl>
+                                          <p:spTgt spid="3">
+                                            <p:txEl>
+                                              <p:pRg st="3" end="3"/>
+                                            </p:txEl>
+                                          </p:spTgt>
+                                        </p:tgtEl>
+                                        <p:attrNameLst>
+                                          <p:attrName>style.visibility</p:attrName>
+                                        </p:attrNameLst>
+                                      </p:cBhvr>
+                                      <p:to>
+                                        <p:strVal val="visible"/>
+                                      </p:to>
+                                    </p:set>
+                                    <p:animEffect transition="in" filter="wipe(left)">
+                                      <p:cBhvr>
+                                        <p:cTn id="13" dur="500"/>
+                                        <p:tgtEl>
+                                          <p:spTgt spid="3">
+                                            <p:txEl>
+                                              <p:pRg st="3" end="3"/>
+                                            </p:txEl>
+                                          </p:spTgt>
+                                        </p:tgtEl>
+                                      </p:cBhvr>
+                                    </p:animEffect>
+                                  </p:childTnLst>
+                                </p:cTn>
+                              </p:par>
+                              <p:par>
+                                <p:cTn id="14" presetID="22" presetClass="entr" presetSubtype="8" fill="hold" nodeType="withEffect">
+                                  <p:stCondLst>
+                                    <p:cond delay="0"/>
+                                  </p:stCondLst>
+                                  <p:childTnLst>
+                                    <p:set>
+                                      <p:cBhvr>
+                                        <p:cTn id="15" dur="1" fill="hold">
+                                          <p:stCondLst>
+                                            <p:cond delay="0"/>
+                                          </p:stCondLst>
+                                        </p:cTn>
+                                        <p:tgtEl>
+                                          <p:spTgt spid="3">
+                                            <p:txEl>
+                                              <p:pRg st="5" end="5"/>
+                                            </p:txEl>
+                                          </p:spTgt>
+                                        </p:tgtEl>
+                                        <p:attrNameLst>
+                                          <p:attrName>style.visibility</p:attrName>
+                                        </p:attrNameLst>
+                                      </p:cBhvr>
+                                      <p:to>
+                                        <p:strVal val="visible"/>
+                                      </p:to>
+                                    </p:set>
+                                    <p:animEffect transition="in" filter="wipe(left)">
+                                      <p:cBhvr>
+                                        <p:cTn id="16" dur="500"/>
+                                        <p:tgtEl>
+                                          <p:spTgt spid="3">
+                                            <p:txEl>
+                                              <p:pRg st="5" end="5"/>
+                                            </p:txEl>
+                                          </p:spTgt>
+                                        </p:tgtEl>
+                                      </p:cBhvr>
+                                    </p:animEffect>
+                                  </p:childTnLst>
+                                </p:cTn>
+                              </p:par>
+                            </p:childTnLst>
+                          </p:cTn>
+                        </p:par>
+                      </p:childTnLst>
+                    </p:cTn>
+                  </p:par>
+                  <p:par>
+                    <p:cTn id="17" fill="hold">
+                      <p:stCondLst>
+                        <p:cond delay="indefinite"/>
+                      </p:stCondLst>
+                      <p:childTnLst>
+                        <p:par>
+                          <p:cTn id="18" fill="hold">
+                            <p:stCondLst>
+                              <p:cond delay="0"/>
+                            </p:stCondLst>
+                            <p:childTnLst>
+                              <p:par>
+                                <p:cTn id="19" presetID="10" presetClass="entr" presetSubtype="0" fill="hold" nodeType="clickEffect">
+                                  <p:stCondLst>
+                                    <p:cond delay="0"/>
+                                  </p:stCondLst>
+                                  <p:childTnLst>
+                                    <p:set>
+                                      <p:cBhvr>
+                                        <p:cTn id="20" dur="1" fill="hold">
+                                          <p:stCondLst>
+                                            <p:cond delay="0"/>
+                                          </p:stCondLst>
+                                        </p:cTn>
+                                        <p:tgtEl>
+                                          <p:spTgt spid="5"/>
+                                        </p:tgtEl>
+                                        <p:attrNameLst>
+                                          <p:attrName>style.visibility</p:attrName>
+                                        </p:attrNameLst>
+                                      </p:cBhvr>
+                                      <p:to>
+                                        <p:strVal val="visible"/>
+                                      </p:to>
+                                    </p:set>
+                                    <p:animEffect transition="in" filter="fade">
+                                      <p:cBhvr>
+                                        <p:cTn id="21" dur="500"/>
+                                        <p:tgtEl>
+                                          <p:spTgt spid="5"/>
+                                        </p:tgtEl>
+                                      </p:cBhvr>
+                                    </p:animEffect>
+                                  </p:childTnLst>
+                                </p:cTn>
+                              </p:par>
+                            </p:childTnLst>
+                          </p:cTn>
+                        </p:par>
+                      </p:childTnLst>
+                    </p:cTn>
+                  </p:par>
+                  <p:par>
+                    <p:cTn id="22" fill="hold">
+                      <p:stCondLst>
+                        <p:cond delay="indefinite"/>
+                      </p:stCondLst>
+                      <p:childTnLst>
+                        <p:par>
+                          <p:cTn id="23" fill="hold">
+                            <p:stCondLst>
+                              <p:cond delay="0"/>
+                            </p:stCondLst>
+                            <p:childTnLst>
+                              <p:par>
+                                <p:cTn id="24" presetID="10" presetClass="entr" presetSubtype="0" fill="hold" nodeType="clickEffect">
+                                  <p:stCondLst>
+                                    <p:cond delay="0"/>
+                                  </p:stCondLst>
+                                  <p:childTnLst>
+                                    <p:set>
+                                      <p:cBhvr>
+                                        <p:cTn id="25" dur="1" fill="hold">
+                                          <p:stCondLst>
+                                            <p:cond delay="0"/>
+                                          </p:stCondLst>
+                                        </p:cTn>
+                                        <p:tgtEl>
+                                          <p:spTgt spid="6"/>
+                                        </p:tgtEl>
+                                        <p:attrNameLst>
+                                          <p:attrName>style.visibility</p:attrName>
+                                        </p:attrNameLst>
+                                      </p:cBhvr>
+                                      <p:to>
+                                        <p:strVal val="visible"/>
+                                      </p:to>
+                                    </p:set>
+                                    <p:animEffect transition="in" filter="fade">
+                                      <p:cBhvr>
+                                        <p:cTn id="26" dur="500"/>
+                                        <p:tgtEl>
+                                          <p:spTgt spid="6"/>
+                                        </p:tgtEl>
+                                      </p:cBhvr>
+                                    </p:animEffect>
+                                  </p:childTnLst>
+                                </p:cTn>
+                              </p:par>
+                            </p:childTnLst>
+                          </p:cTn>
+                        </p:par>
+                      </p:childTnLst>
+                    </p:cTn>
+                  </p:par>
+                  <p:par>
+                    <p:cTn id="27" fill="hold">
+                      <p:stCondLst>
+                        <p:cond delay="indefinite"/>
+                      </p:stCondLst>
+                      <p:childTnLst>
+                        <p:par>
+                          <p:cTn id="28" fill="hold">
+                            <p:stCondLst>
+                              <p:cond delay="0"/>
+                            </p:stCondLst>
+                            <p:childTnLst>
+                              <p:par>
+                                <p:cTn id="29" presetID="22" presetClass="entr" presetSubtype="2" fill="hold" grpId="0" nodeType="clickEffect">
+                                  <p:stCondLst>
+                                    <p:cond delay="0"/>
+                                  </p:stCondLst>
+                                  <p:childTnLst>
+                                    <p:set>
+                                      <p:cBhvr>
+                                        <p:cTn id="30" dur="1" fill="hold">
+                                          <p:stCondLst>
+                                            <p:cond delay="0"/>
+                                          </p:stCondLst>
+                                        </p:cTn>
+                                        <p:tgtEl>
+                                          <p:spTgt spid="8"/>
+                                        </p:tgtEl>
+                                        <p:attrNameLst>
+                                          <p:attrName>style.visibility</p:attrName>
+                                        </p:attrNameLst>
+                                      </p:cBhvr>
+                                      <p:to>
+                                        <p:strVal val="visible"/>
+                                      </p:to>
+                                    </p:set>
+                                    <p:animEffect transition="in" filter="wipe(right)">
+                                      <p:cBhvr>
+                                        <p:cTn id="31" dur="500"/>
+                                        <p:tgtEl>
+                                          <p:spTgt spid="8"/>
+                                        </p:tgtEl>
+                                      </p:cBhvr>
+                                    </p:animEffect>
+                                  </p:childTnLst>
+                                </p:cTn>
+                              </p:par>
+                            </p:childTnLst>
+                          </p:cTn>
+                        </p:par>
+                      </p:childTnLst>
+                    </p:cTn>
+                  </p:par>
+                  <p:par>
+                    <p:cTn id="32" fill="hold">
+                      <p:stCondLst>
+                        <p:cond delay="indefinite"/>
+                      </p:stCondLst>
+                      <p:childTnLst>
+                        <p:par>
+                          <p:cTn id="33" fill="hold">
+                            <p:stCondLst>
+                              <p:cond delay="0"/>
+                            </p:stCondLst>
+                            <p:childTnLst>
+                              <p:par>
+                                <p:cTn id="34" presetID="22" presetClass="entr" presetSubtype="2" fill="hold" grpId="0" nodeType="clickEffect">
+                                  <p:stCondLst>
+                                    <p:cond delay="0"/>
+                                  </p:stCondLst>
+                                  <p:childTnLst>
+                                    <p:set>
+                                      <p:cBhvr>
+                                        <p:cTn id="35" dur="1" fill="hold">
+                                          <p:stCondLst>
+                                            <p:cond delay="0"/>
+                                          </p:stCondLst>
+                                        </p:cTn>
+                                        <p:tgtEl>
+                                          <p:spTgt spid="11"/>
+                                        </p:tgtEl>
+                                        <p:attrNameLst>
+                                          <p:attrName>style.visibility</p:attrName>
+                                        </p:attrNameLst>
+                                      </p:cBhvr>
+                                      <p:to>
+                                        <p:strVal val="visible"/>
+                                      </p:to>
+                                    </p:set>
+                                    <p:animEffect transition="in" filter="wipe(right)">
+                                      <p:cBhvr>
+                                        <p:cTn id="36" dur="500"/>
+                                        <p:tgtEl>
+                                          <p:spTgt spid="11"/>
+                                        </p:tgtEl>
+                                      </p:cBhvr>
+                                    </p:animEffect>
+                                  </p:childTnLst>
+                                </p:cTn>
+                              </p:par>
+                            </p:childTnLst>
+                          </p:cTn>
+                        </p:par>
+                      </p:childTnLst>
+                    </p:cTn>
+                  </p:par>
+                  <p:par>
+                    <p:cTn id="37" fill="hold">
+                      <p:stCondLst>
+                        <p:cond delay="indefinite"/>
+                      </p:stCondLst>
+                      <p:childTnLst>
+                        <p:par>
+                          <p:cTn id="38" fill="hold">
+                            <p:stCondLst>
+                              <p:cond delay="0"/>
+                            </p:stCondLst>
+                            <p:childTnLst>
+                              <p:par>
+                                <p:cTn id="39" presetID="10" presetClass="entr" presetSubtype="0" fill="hold" nodeType="clickEffect">
+                                  <p:stCondLst>
+                                    <p:cond delay="0"/>
+                                  </p:stCondLst>
+                                  <p:childTnLst>
+                                    <p:set>
+                                      <p:cBhvr>
+                                        <p:cTn id="40" dur="1" fill="hold">
+                                          <p:stCondLst>
+                                            <p:cond delay="0"/>
+                                          </p:stCondLst>
+                                        </p:cTn>
+                                        <p:tgtEl>
+                                          <p:spTgt spid="12"/>
+                                        </p:tgtEl>
+                                        <p:attrNameLst>
+                                          <p:attrName>style.visibility</p:attrName>
+                                        </p:attrNameLst>
+                                      </p:cBhvr>
+                                      <p:to>
+                                        <p:strVal val="visible"/>
+                                      </p:to>
+                                    </p:set>
+                                    <p:animEffect transition="in" filter="fade">
+                                      <p:cBhvr>
+                                        <p:cTn id="41" dur="500"/>
+                                        <p:tgtEl>
+                                          <p:spTgt spid="12"/>
+                                        </p:tgtEl>
+                                      </p:cBhvr>
+                                    </p:animEffect>
+                                  </p:childTnLst>
+                                </p:cTn>
+                              </p:par>
+                            </p:childTnLst>
+                          </p:cTn>
+                        </p:par>
+                      </p:childTnLst>
+                    </p:cTn>
+                  </p:par>
+                  <p:par>
+                    <p:cTn id="42" fill="hold">
+                      <p:stCondLst>
+                        <p:cond delay="indefinite"/>
+                      </p:stCondLst>
+                      <p:childTnLst>
+                        <p:par>
+                          <p:cTn id="43" fill="hold">
+                            <p:stCondLst>
+                              <p:cond delay="0"/>
+                            </p:stCondLst>
+                            <p:childTnLst>
+                              <p:par>
+                                <p:cTn id="44" presetID="22" presetClass="entr" presetSubtype="2" fill="hold" grpId="0" nodeType="clickEffect">
+                                  <p:stCondLst>
+                                    <p:cond delay="0"/>
+                                  </p:stCondLst>
+                                  <p:childTnLst>
+                                    <p:set>
+                                      <p:cBhvr>
+                                        <p:cTn id="45" dur="1" fill="hold">
+                                          <p:stCondLst>
+                                            <p:cond delay="0"/>
+                                          </p:stCondLst>
+                                        </p:cTn>
+                                        <p:tgtEl>
+                                          <p:spTgt spid="15"/>
+                                        </p:tgtEl>
+                                        <p:attrNameLst>
+                                          <p:attrName>style.visibility</p:attrName>
+                                        </p:attrNameLst>
+                                      </p:cBhvr>
+                                      <p:to>
+                                        <p:strVal val="visible"/>
+                                      </p:to>
+                                    </p:set>
+                                    <p:animEffect transition="in" filter="wipe(right)">
+                                      <p:cBhvr>
+                                        <p:cTn id="46" dur="500"/>
+                                        <p:tgtEl>
+                                          <p:spTgt spid="15"/>
+                                        </p:tgtEl>
+                                      </p:cBhvr>
+                                    </p:animEffect>
+                                  </p:childTnLst>
+                                </p:cTn>
+                              </p:par>
+                            </p:childTnLst>
+                          </p:cTn>
+                        </p:par>
+                      </p:childTnLst>
+                    </p:cTn>
+                  </p:par>
+                  <p:par>
+                    <p:cTn id="47" fill="hold">
+                      <p:stCondLst>
+                        <p:cond delay="indefinite"/>
+                      </p:stCondLst>
+                      <p:childTnLst>
+                        <p:par>
+                          <p:cTn id="48" fill="hold">
+                            <p:stCondLst>
+                              <p:cond delay="0"/>
+                            </p:stCondLst>
+                            <p:childTnLst>
+                              <p:par>
+                                <p:cTn id="49" presetID="10" presetClass="entr" presetSubtype="0" fill="hold" nodeType="clickEffect">
+                                  <p:stCondLst>
+                                    <p:cond delay="0"/>
+                                  </p:stCondLst>
+                                  <p:childTnLst>
+                                    <p:set>
+                                      <p:cBhvr>
+                                        <p:cTn id="50" dur="1" fill="hold">
+                                          <p:stCondLst>
+                                            <p:cond delay="0"/>
+                                          </p:stCondLst>
+                                        </p:cTn>
+                                        <p:tgtEl>
+                                          <p:spTgt spid="13"/>
+                                        </p:tgtEl>
+                                        <p:attrNameLst>
+                                          <p:attrName>style.visibility</p:attrName>
+                                        </p:attrNameLst>
+                                      </p:cBhvr>
+                                      <p:to>
+                                        <p:strVal val="visible"/>
+                                      </p:to>
+                                    </p:set>
+                                    <p:animEffect transition="in" filter="fade">
+                                      <p:cBhvr>
+                                        <p:cTn id="51" dur="500"/>
+                                        <p:tgtEl>
+                                          <p:spTgt spid="13"/>
+                                        </p:tgtEl>
+                                      </p:cBhvr>
+                                    </p:animEffect>
+                                  </p:childTnLst>
+                                </p:cTn>
+                              </p:par>
+                            </p:childTnLst>
+                          </p:cTn>
+                        </p:par>
+                      </p:childTnLst>
+                    </p:cTn>
+                  </p:par>
+                  <p:par>
+                    <p:cTn id="52" fill="hold">
+                      <p:stCondLst>
+                        <p:cond delay="indefinite"/>
+                      </p:stCondLst>
+                      <p:childTnLst>
+                        <p:par>
+                          <p:cTn id="53" fill="hold">
+                            <p:stCondLst>
+                              <p:cond delay="0"/>
+                            </p:stCondLst>
+                            <p:childTnLst>
+                              <p:par>
+                                <p:cTn id="54" presetID="22" presetClass="entr" presetSubtype="2" fill="hold" grpId="0" nodeType="clickEffect">
+                                  <p:stCondLst>
+                                    <p:cond delay="0"/>
+                                  </p:stCondLst>
+                                  <p:childTnLst>
+                                    <p:set>
+                                      <p:cBhvr>
+                                        <p:cTn id="55" dur="1" fill="hold">
+                                          <p:stCondLst>
+                                            <p:cond delay="0"/>
+                                          </p:stCondLst>
+                                        </p:cTn>
+                                        <p:tgtEl>
+                                          <p:spTgt spid="16"/>
+                                        </p:tgtEl>
+                                        <p:attrNameLst>
+                                          <p:attrName>style.visibility</p:attrName>
+                                        </p:attrNameLst>
+                                      </p:cBhvr>
+                                      <p:to>
+                                        <p:strVal val="visible"/>
+                                      </p:to>
+                                    </p:set>
+                                    <p:animEffect transition="in" filter="wipe(right)">
+                                      <p:cBhvr>
+                                        <p:cTn id="56" dur="500"/>
+                                        <p:tgtEl>
+                                          <p:spTgt spid="16"/>
+                                        </p:tgtEl>
+                                      </p:cBhvr>
+                                    </p:animEffect>
+                                  </p:childTnLst>
+                                </p:cTn>
+                              </p:par>
+                            </p:childTnLst>
+                          </p:cTn>
+                        </p:par>
+                      </p:childTnLst>
+                    </p:cTn>
+                  </p:par>
+                  <p:par>
+                    <p:cTn id="57" fill="hold">
+                      <p:stCondLst>
+                        <p:cond delay="indefinite"/>
+                      </p:stCondLst>
+                      <p:childTnLst>
+                        <p:par>
+                          <p:cTn id="58" fill="hold">
+                            <p:stCondLst>
+                              <p:cond delay="0"/>
+                            </p:stCondLst>
+                            <p:childTnLst>
+                              <p:par>
+                                <p:cTn id="59" presetID="22" presetClass="entr" presetSubtype="4" fill="hold" grpId="0" nodeType="clickEffect">
+                                  <p:stCondLst>
+                                    <p:cond delay="0"/>
+                                  </p:stCondLst>
+                                  <p:childTnLst>
+                                    <p:set>
+                                      <p:cBhvr>
+                                        <p:cTn id="60" dur="1" fill="hold">
+                                          <p:stCondLst>
+                                            <p:cond delay="0"/>
+                                          </p:stCondLst>
+                                        </p:cTn>
+                                        <p:tgtEl>
+                                          <p:spTgt spid="17"/>
+                                        </p:tgtEl>
+                                        <p:attrNameLst>
+                                          <p:attrName>style.visibility</p:attrName>
+                                        </p:attrNameLst>
+                                      </p:cBhvr>
+                                      <p:to>
+                                        <p:strVal val="visible"/>
+                                      </p:to>
+                                    </p:set>
+                                    <p:animEffect transition="in" filter="wipe(down)">
+                                      <p:cBhvr>
+                                        <p:cTn id="61" dur="500"/>
+                                        <p:tgtEl>
+                                          <p:spTgt spid="17"/>
+                                        </p:tgtEl>
+                                      </p:cBhvr>
+                                    </p:animEffect>
+                                  </p:childTnLst>
+                                </p:cTn>
+                              </p:par>
+                            </p:childTnLst>
+                          </p:cTn>
+                        </p:par>
+                      </p:childTnLst>
+                    </p:cTn>
+                  </p:par>
+                </p:childTnLst>
+              </p:cTn>
+              <p:prevCondLst>
+                <p:cond evt="onPrev" delay="0">
+                  <p:tgtEl>
+                    <p:sldTgt/>
+                  </p:tgtEl>
+                </p:cond>
+              </p:prevCondLst>
+              <p:nextCondLst>
+                <p:cond evt="onNext" delay="0">
+                  <p:tgtEl>
+                    <p:sldTgt/>
+                  </p:tgtEl>
+                </p:cond>
+              </p:nextCondLst>
+            </p:seq>
+          </p:childTnLst>
+        </p:cTn>
+      </p:par>
+    </p:tnLst>
+    <p:bldLst>
+      <p:bldP spid="8" grpId="0"/>
+      <p:bldP spid="11" grpId="0"/>
+      <p:bldP spid="15" grpId="0"/>
+      <p:bldP spid="16" grpId="0"/>
+      <p:bldP spid="17" grpId="0"/>
+    </p:bldLst>
+  </p:timing>
 </p:sld>
 </file>
 
@@ -20529,13 +24050,13 @@
   <p:clrMapOvr>
     <a:masterClrMapping/>
   </p:clrMapOvr>
-  <mc:AlternateContent xmlns:mc="http://schemas.openxmlformats.org/markup-compatibility/2006">
-    <mc:Choice xmlns:p15="http://schemas.microsoft.com/office/powerpoint/2012/main" Requires="p15">
+  <mc:AlternateContent xmlns:mc="http://schemas.openxmlformats.org/markup-compatibility/2006" xmlns:p15="http://schemas.microsoft.com/office/powerpoint/2012/main">
+    <mc:Choice Requires="p15">
       <p:transition xmlns:p14="http://schemas.microsoft.com/office/powerpoint/2010/main" spd="slow" p14:dur="6000">
         <p15:prstTrans prst="curtains"/>
       </p:transition>
     </mc:Choice>
-    <mc:Fallback>
+    <mc:Fallback xmlns="">
       <p:transition spd="slow">
         <p:fade/>
       </p:transition>
@@ -20638,8 +24159,8 @@
           </a:p>
         </p:txBody>
       </p:sp>
-      <mc:AlternateContent xmlns:mc="http://schemas.openxmlformats.org/markup-compatibility/2006">
-        <mc:Choice xmlns:a14="http://schemas.microsoft.com/office/drawing/2010/main" Requires="a14">
+      <mc:AlternateContent xmlns:mc="http://schemas.openxmlformats.org/markup-compatibility/2006" xmlns:a14="http://schemas.microsoft.com/office/drawing/2010/main">
+        <mc:Choice Requires="a14">
           <p:sp>
             <p:nvSpPr>
               <p:cNvPr id="5" name="Sottotitolo 4">
@@ -20895,7 +24416,7 @@
             </p:txBody>
           </p:sp>
         </mc:Choice>
-        <mc:Fallback>
+        <mc:Fallback xmlns="">
           <p:sp>
             <p:nvSpPr>
               <p:cNvPr id="5" name="Sottotitolo 4">
@@ -21139,8 +24660,8 @@
           </a:fontRef>
         </p:style>
       </p:cxnSp>
-      <mc:AlternateContent xmlns:mc="http://schemas.openxmlformats.org/markup-compatibility/2006">
-        <mc:Choice xmlns:a14="http://schemas.microsoft.com/office/drawing/2010/main" Requires="a14">
+      <mc:AlternateContent xmlns:mc="http://schemas.openxmlformats.org/markup-compatibility/2006" xmlns:a14="http://schemas.microsoft.com/office/drawing/2010/main">
+        <mc:Choice Requires="a14">
           <p:sp>
             <p:nvSpPr>
               <p:cNvPr id="11" name="CasellaDiTesto 10">
@@ -21476,7 +24997,7 @@
             </p:txBody>
           </p:sp>
         </mc:Choice>
-        <mc:Fallback>
+        <mc:Fallback xmlns="">
           <p:sp>
             <p:nvSpPr>
               <p:cNvPr id="11" name="CasellaDiTesto 10">
@@ -21531,18 +25052,430 @@
   <p:clrMapOvr>
     <a:masterClrMapping/>
   </p:clrMapOvr>
-  <mc:AlternateContent xmlns:mc="http://schemas.openxmlformats.org/markup-compatibility/2006">
-    <mc:Choice xmlns:p15="http://schemas.microsoft.com/office/powerpoint/2012/main" Requires="p15">
+  <mc:AlternateContent xmlns:mc="http://schemas.openxmlformats.org/markup-compatibility/2006" xmlns:p15="http://schemas.microsoft.com/office/powerpoint/2012/main">
+    <mc:Choice Requires="p15">
       <p:transition xmlns:p14="http://schemas.microsoft.com/office/powerpoint/2010/main" spd="slow" p14:dur="2000">
         <p15:prstTrans prst="wind"/>
       </p:transition>
     </mc:Choice>
-    <mc:Fallback>
+    <mc:Fallback xmlns="">
       <p:transition spd="slow">
         <p:fade/>
       </p:transition>
     </mc:Fallback>
   </mc:AlternateContent>
+  <p:timing>
+    <p:tnLst>
+      <p:par>
+        <p:cTn id="1" dur="indefinite" restart="never" nodeType="tmRoot">
+          <p:childTnLst>
+            <p:seq concurrent="1" nextAc="seek">
+              <p:cTn id="2" dur="indefinite" nodeType="mainSeq">
+                <p:childTnLst>
+                  <p:par>
+                    <p:cTn id="3" fill="hold">
+                      <p:stCondLst>
+                        <p:cond delay="indefinite"/>
+                      </p:stCondLst>
+                      <p:childTnLst>
+                        <p:par>
+                          <p:cTn id="4" fill="hold">
+                            <p:stCondLst>
+                              <p:cond delay="0"/>
+                            </p:stCondLst>
+                            <p:childTnLst>
+                              <p:par>
+                                <p:cTn id="5" presetID="22" presetClass="entr" presetSubtype="8" fill="hold" grpId="0" nodeType="clickEffect">
+                                  <p:stCondLst>
+                                    <p:cond delay="0"/>
+                                  </p:stCondLst>
+                                  <p:childTnLst>
+                                    <p:set>
+                                      <p:cBhvr>
+                                        <p:cTn id="6" dur="1" fill="hold">
+                                          <p:stCondLst>
+                                            <p:cond delay="0"/>
+                                          </p:stCondLst>
+                                        </p:cTn>
+                                        <p:tgtEl>
+                                          <p:spTgt spid="2">
+                                            <p:txEl>
+                                              <p:pRg st="0" end="0"/>
+                                            </p:txEl>
+                                          </p:spTgt>
+                                        </p:tgtEl>
+                                        <p:attrNameLst>
+                                          <p:attrName>style.visibility</p:attrName>
+                                        </p:attrNameLst>
+                                      </p:cBhvr>
+                                      <p:to>
+                                        <p:strVal val="visible"/>
+                                      </p:to>
+                                    </p:set>
+                                    <p:animEffect transition="in" filter="wipe(left)">
+                                      <p:cBhvr>
+                                        <p:cTn id="7" dur="500"/>
+                                        <p:tgtEl>
+                                          <p:spTgt spid="2">
+                                            <p:txEl>
+                                              <p:pRg st="0" end="0"/>
+                                            </p:txEl>
+                                          </p:spTgt>
+                                        </p:tgtEl>
+                                      </p:cBhvr>
+                                    </p:animEffect>
+                                  </p:childTnLst>
+                                </p:cTn>
+                              </p:par>
+                            </p:childTnLst>
+                          </p:cTn>
+                        </p:par>
+                      </p:childTnLst>
+                    </p:cTn>
+                  </p:par>
+                  <p:par>
+                    <p:cTn id="8" fill="hold">
+                      <p:stCondLst>
+                        <p:cond delay="indefinite"/>
+                      </p:stCondLst>
+                      <p:childTnLst>
+                        <p:par>
+                          <p:cTn id="9" fill="hold">
+                            <p:stCondLst>
+                              <p:cond delay="0"/>
+                            </p:stCondLst>
+                            <p:childTnLst>
+                              <p:par>
+                                <p:cTn id="10" presetID="10" presetClass="entr" presetSubtype="0" fill="hold" nodeType="clickEffect">
+                                  <p:stCondLst>
+                                    <p:cond delay="0"/>
+                                  </p:stCondLst>
+                                  <p:childTnLst>
+                                    <p:set>
+                                      <p:cBhvr>
+                                        <p:cTn id="11" dur="1" fill="hold">
+                                          <p:stCondLst>
+                                            <p:cond delay="0"/>
+                                          </p:stCondLst>
+                                        </p:cTn>
+                                        <p:tgtEl>
+                                          <p:spTgt spid="7"/>
+                                        </p:tgtEl>
+                                        <p:attrNameLst>
+                                          <p:attrName>style.visibility</p:attrName>
+                                        </p:attrNameLst>
+                                      </p:cBhvr>
+                                      <p:to>
+                                        <p:strVal val="visible"/>
+                                      </p:to>
+                                    </p:set>
+                                    <p:animEffect transition="in" filter="fade">
+                                      <p:cBhvr>
+                                        <p:cTn id="12" dur="500"/>
+                                        <p:tgtEl>
+                                          <p:spTgt spid="7"/>
+                                        </p:tgtEl>
+                                      </p:cBhvr>
+                                    </p:animEffect>
+                                  </p:childTnLst>
+                                </p:cTn>
+                              </p:par>
+                            </p:childTnLst>
+                          </p:cTn>
+                        </p:par>
+                      </p:childTnLst>
+                    </p:cTn>
+                  </p:par>
+                  <p:par>
+                    <p:cTn id="13" fill="hold">
+                      <p:stCondLst>
+                        <p:cond delay="indefinite"/>
+                      </p:stCondLst>
+                      <p:childTnLst>
+                        <p:par>
+                          <p:cTn id="14" fill="hold">
+                            <p:stCondLst>
+                              <p:cond delay="0"/>
+                            </p:stCondLst>
+                            <p:childTnLst>
+                              <p:par>
+                                <p:cTn id="15" presetID="22" presetClass="entr" presetSubtype="2" fill="hold" nodeType="clickEffect">
+                                  <p:stCondLst>
+                                    <p:cond delay="0"/>
+                                  </p:stCondLst>
+                                  <p:childTnLst>
+                                    <p:set>
+                                      <p:cBhvr>
+                                        <p:cTn id="16" dur="1" fill="hold">
+                                          <p:stCondLst>
+                                            <p:cond delay="0"/>
+                                          </p:stCondLst>
+                                        </p:cTn>
+                                        <p:tgtEl>
+                                          <p:spTgt spid="5">
+                                            <p:txEl>
+                                              <p:pRg st="0" end="0"/>
+                                            </p:txEl>
+                                          </p:spTgt>
+                                        </p:tgtEl>
+                                        <p:attrNameLst>
+                                          <p:attrName>style.visibility</p:attrName>
+                                        </p:attrNameLst>
+                                      </p:cBhvr>
+                                      <p:to>
+                                        <p:strVal val="visible"/>
+                                      </p:to>
+                                    </p:set>
+                                    <p:animEffect transition="in" filter="wipe(right)">
+                                      <p:cBhvr>
+                                        <p:cTn id="17" dur="500"/>
+                                        <p:tgtEl>
+                                          <p:spTgt spid="5">
+                                            <p:txEl>
+                                              <p:pRg st="0" end="0"/>
+                                            </p:txEl>
+                                          </p:spTgt>
+                                        </p:tgtEl>
+                                      </p:cBhvr>
+                                    </p:animEffect>
+                                  </p:childTnLst>
+                                </p:cTn>
+                              </p:par>
+                              <p:par>
+                                <p:cTn id="18" presetID="22" presetClass="entr" presetSubtype="2" fill="hold" nodeType="withEffect">
+                                  <p:stCondLst>
+                                    <p:cond delay="0"/>
+                                  </p:stCondLst>
+                                  <p:childTnLst>
+                                    <p:set>
+                                      <p:cBhvr>
+                                        <p:cTn id="19" dur="1" fill="hold">
+                                          <p:stCondLst>
+                                            <p:cond delay="0"/>
+                                          </p:stCondLst>
+                                        </p:cTn>
+                                        <p:tgtEl>
+                                          <p:spTgt spid="5">
+                                            <p:txEl>
+                                              <p:pRg st="1" end="1"/>
+                                            </p:txEl>
+                                          </p:spTgt>
+                                        </p:tgtEl>
+                                        <p:attrNameLst>
+                                          <p:attrName>style.visibility</p:attrName>
+                                        </p:attrNameLst>
+                                      </p:cBhvr>
+                                      <p:to>
+                                        <p:strVal val="visible"/>
+                                      </p:to>
+                                    </p:set>
+                                    <p:animEffect transition="in" filter="wipe(right)">
+                                      <p:cBhvr>
+                                        <p:cTn id="20" dur="500"/>
+                                        <p:tgtEl>
+                                          <p:spTgt spid="5">
+                                            <p:txEl>
+                                              <p:pRg st="1" end="1"/>
+                                            </p:txEl>
+                                          </p:spTgt>
+                                        </p:tgtEl>
+                                      </p:cBhvr>
+                                    </p:animEffect>
+                                  </p:childTnLst>
+                                </p:cTn>
+                              </p:par>
+                            </p:childTnLst>
+                          </p:cTn>
+                        </p:par>
+                      </p:childTnLst>
+                    </p:cTn>
+                  </p:par>
+                  <p:par>
+                    <p:cTn id="21" fill="hold">
+                      <p:stCondLst>
+                        <p:cond delay="indefinite"/>
+                      </p:stCondLst>
+                      <p:childTnLst>
+                        <p:par>
+                          <p:cTn id="22" fill="hold">
+                            <p:stCondLst>
+                              <p:cond delay="0"/>
+                            </p:stCondLst>
+                            <p:childTnLst>
+                              <p:par>
+                                <p:cTn id="23" presetID="22" presetClass="entr" presetSubtype="8" fill="hold" grpId="0" nodeType="clickEffect">
+                                  <p:stCondLst>
+                                    <p:cond delay="0"/>
+                                  </p:stCondLst>
+                                  <p:childTnLst>
+                                    <p:set>
+                                      <p:cBhvr>
+                                        <p:cTn id="24" dur="1" fill="hold">
+                                          <p:stCondLst>
+                                            <p:cond delay="0"/>
+                                          </p:stCondLst>
+                                        </p:cTn>
+                                        <p:tgtEl>
+                                          <p:spTgt spid="8"/>
+                                        </p:tgtEl>
+                                        <p:attrNameLst>
+                                          <p:attrName>style.visibility</p:attrName>
+                                        </p:attrNameLst>
+                                      </p:cBhvr>
+                                      <p:to>
+                                        <p:strVal val="visible"/>
+                                      </p:to>
+                                    </p:set>
+                                    <p:animEffect transition="in" filter="wipe(left)">
+                                      <p:cBhvr>
+                                        <p:cTn id="25" dur="500"/>
+                                        <p:tgtEl>
+                                          <p:spTgt spid="8"/>
+                                        </p:tgtEl>
+                                      </p:cBhvr>
+                                    </p:animEffect>
+                                  </p:childTnLst>
+                                </p:cTn>
+                              </p:par>
+                            </p:childTnLst>
+                          </p:cTn>
+                        </p:par>
+                      </p:childTnLst>
+                    </p:cTn>
+                  </p:par>
+                  <p:par>
+                    <p:cTn id="26" fill="hold">
+                      <p:stCondLst>
+                        <p:cond delay="indefinite"/>
+                      </p:stCondLst>
+                      <p:childTnLst>
+                        <p:par>
+                          <p:cTn id="27" fill="hold">
+                            <p:stCondLst>
+                              <p:cond delay="0"/>
+                            </p:stCondLst>
+                            <p:childTnLst>
+                              <p:par>
+                                <p:cTn id="28" presetID="10" presetClass="entr" presetSubtype="0" fill="hold" nodeType="clickEffect">
+                                  <p:stCondLst>
+                                    <p:cond delay="0"/>
+                                  </p:stCondLst>
+                                  <p:childTnLst>
+                                    <p:set>
+                                      <p:cBhvr>
+                                        <p:cTn id="29" dur="1" fill="hold">
+                                          <p:stCondLst>
+                                            <p:cond delay="0"/>
+                                          </p:stCondLst>
+                                        </p:cTn>
+                                        <p:tgtEl>
+                                          <p:spTgt spid="9"/>
+                                        </p:tgtEl>
+                                        <p:attrNameLst>
+                                          <p:attrName>style.visibility</p:attrName>
+                                        </p:attrNameLst>
+                                      </p:cBhvr>
+                                      <p:to>
+                                        <p:strVal val="visible"/>
+                                      </p:to>
+                                    </p:set>
+                                    <p:animEffect transition="in" filter="fade">
+                                      <p:cBhvr>
+                                        <p:cTn id="30" dur="500"/>
+                                        <p:tgtEl>
+                                          <p:spTgt spid="9"/>
+                                        </p:tgtEl>
+                                      </p:cBhvr>
+                                    </p:animEffect>
+                                  </p:childTnLst>
+                                </p:cTn>
+                              </p:par>
+                            </p:childTnLst>
+                          </p:cTn>
+                        </p:par>
+                      </p:childTnLst>
+                    </p:cTn>
+                  </p:par>
+                  <p:par>
+                    <p:cTn id="31" fill="hold">
+                      <p:stCondLst>
+                        <p:cond delay="indefinite"/>
+                      </p:stCondLst>
+                      <p:childTnLst>
+                        <p:par>
+                          <p:cTn id="32" fill="hold">
+                            <p:stCondLst>
+                              <p:cond delay="0"/>
+                            </p:stCondLst>
+                            <p:childTnLst>
+                              <p:par>
+                                <p:cTn id="33" presetID="22" presetClass="entr" presetSubtype="2" fill="hold" grpId="0" nodeType="clickEffect">
+                                  <p:stCondLst>
+                                    <p:cond delay="0"/>
+                                  </p:stCondLst>
+                                  <p:childTnLst>
+                                    <p:set>
+                                      <p:cBhvr>
+                                        <p:cTn id="34" dur="1" fill="hold">
+                                          <p:stCondLst>
+                                            <p:cond delay="0"/>
+                                          </p:stCondLst>
+                                        </p:cTn>
+                                        <p:tgtEl>
+                                          <p:spTgt spid="11"/>
+                                        </p:tgtEl>
+                                        <p:attrNameLst>
+                                          <p:attrName>style.visibility</p:attrName>
+                                        </p:attrNameLst>
+                                      </p:cBhvr>
+                                      <p:to>
+                                        <p:strVal val="visible"/>
+                                      </p:to>
+                                    </p:set>
+                                    <p:animEffect transition="in" filter="wipe(right)">
+                                      <p:cBhvr>
+                                        <p:cTn id="35" dur="500"/>
+                                        <p:tgtEl>
+                                          <p:spTgt spid="11"/>
+                                        </p:tgtEl>
+                                      </p:cBhvr>
+                                    </p:animEffect>
+                                  </p:childTnLst>
+                                </p:cTn>
+                              </p:par>
+                            </p:childTnLst>
+                          </p:cTn>
+                        </p:par>
+                      </p:childTnLst>
+                    </p:cTn>
+                  </p:par>
+                </p:childTnLst>
+              </p:cTn>
+              <p:prevCondLst>
+                <p:cond evt="onPrev" delay="0">
+                  <p:tgtEl>
+                    <p:sldTgt/>
+                  </p:tgtEl>
+                </p:cond>
+              </p:prevCondLst>
+              <p:nextCondLst>
+                <p:cond evt="onNext" delay="0">
+                  <p:tgtEl>
+                    <p:sldTgt/>
+                  </p:tgtEl>
+                </p:cond>
+              </p:nextCondLst>
+            </p:seq>
+          </p:childTnLst>
+        </p:cTn>
+      </p:par>
+    </p:tnLst>
+    <p:bldLst>
+      <p:bldP spid="2" grpId="0" build="p"/>
+      <p:bldP spid="8" grpId="0"/>
+      <p:bldP spid="11" grpId="0"/>
+    </p:bldLst>
+  </p:timing>
 </p:sld>
 </file>
 
@@ -21887,7 +25820,7 @@
                 </a:solidFill>
                 <a:latin typeface="Abadi" panose="020B0604020104020204" pitchFamily="34" charset="0"/>
               </a:rPr>
-              <a:t>) contenenti i dati di particelle da aggiungere a </a:t>
+              <a:t>) contenente i dati delle particelle da aggiungere a </a:t>
             </a:r>
             <a:r>
               <a:rPr lang="it-IT" dirty="0" err="1">
@@ -22007,7 +25940,7 @@
                 </a:solidFill>
                 <a:latin typeface="Abadi" panose="020B0604020104020204" pitchFamily="34" charset="0"/>
               </a:rPr>
-              <a:t> con stesse colonne di </a:t>
+              <a:t> con le stesse colonne di </a:t>
             </a:r>
             <a:r>
               <a:rPr lang="it-IT" dirty="0" err="1">
@@ -22031,7 +25964,31 @@
                 </a:solidFill>
                 <a:latin typeface="Abadi" panose="020B0604020104020204" pitchFamily="34" charset="0"/>
               </a:rPr>
-              <a:t> (‘tipo’ e ‘energia’) a partire dalla lista (</a:t>
+              <a:t> (</a:t>
+            </a:r>
+            <a:r>
+              <a:rPr lang="it-IT" dirty="0">
+                <a:solidFill>
+                  <a:schemeClr val="tx2">
+                    <a:lumMod val="75000"/>
+                    <a:lumOff val="25000"/>
+                  </a:schemeClr>
+                </a:solidFill>
+                <a:latin typeface="Consolas" panose="020B0609020204030204" pitchFamily="49" charset="0"/>
+              </a:rPr>
+              <a:t>‘tipo’, ‘energia’</a:t>
+            </a:r>
+            <a:r>
+              <a:rPr lang="it-IT" dirty="0">
+                <a:solidFill>
+                  <a:schemeClr val="tx2">
+                    <a:lumMod val="75000"/>
+                    <a:lumOff val="25000"/>
+                  </a:schemeClr>
+                </a:solidFill>
+                <a:latin typeface="Abadi" panose="020B0604020104020204" pitchFamily="34" charset="0"/>
+              </a:rPr>
+              <a:t>) a partire dalla lista (</a:t>
             </a:r>
             <a:r>
               <a:rPr lang="it-IT" dirty="0" err="1">
@@ -22355,18 +26312,211 @@
   <p:clrMapOvr>
     <a:masterClrMapping/>
   </p:clrMapOvr>
-  <mc:AlternateContent xmlns:mc="http://schemas.openxmlformats.org/markup-compatibility/2006">
-    <mc:Choice xmlns:p15="http://schemas.microsoft.com/office/powerpoint/2012/main" Requires="p15">
+  <mc:AlternateContent xmlns:mc="http://schemas.openxmlformats.org/markup-compatibility/2006" xmlns:p15="http://schemas.microsoft.com/office/powerpoint/2012/main">
+    <mc:Choice Requires="p15">
       <p:transition xmlns:p14="http://schemas.microsoft.com/office/powerpoint/2010/main" spd="slow" p14:dur="2000">
         <p15:prstTrans prst="wind"/>
       </p:transition>
     </mc:Choice>
-    <mc:Fallback>
+    <mc:Fallback xmlns="">
       <p:transition spd="slow">
         <p:fade/>
       </p:transition>
     </mc:Fallback>
   </mc:AlternateContent>
+  <p:timing>
+    <p:tnLst>
+      <p:par>
+        <p:cTn id="1" dur="indefinite" restart="never" nodeType="tmRoot">
+          <p:childTnLst>
+            <p:seq concurrent="1" nextAc="seek">
+              <p:cTn id="2" dur="indefinite" nodeType="mainSeq">
+                <p:childTnLst>
+                  <p:par>
+                    <p:cTn id="3" fill="hold">
+                      <p:stCondLst>
+                        <p:cond delay="indefinite"/>
+                      </p:stCondLst>
+                      <p:childTnLst>
+                        <p:par>
+                          <p:cTn id="4" fill="hold">
+                            <p:stCondLst>
+                              <p:cond delay="0"/>
+                            </p:stCondLst>
+                            <p:childTnLst>
+                              <p:par>
+                                <p:cTn id="5" presetID="22" presetClass="entr" presetSubtype="8" fill="hold" grpId="0" nodeType="clickEffect">
+                                  <p:stCondLst>
+                                    <p:cond delay="0"/>
+                                  </p:stCondLst>
+                                  <p:childTnLst>
+                                    <p:set>
+                                      <p:cBhvr>
+                                        <p:cTn id="6" dur="1" fill="hold">
+                                          <p:stCondLst>
+                                            <p:cond delay="0"/>
+                                          </p:stCondLst>
+                                        </p:cTn>
+                                        <p:tgtEl>
+                                          <p:spTgt spid="13"/>
+                                        </p:tgtEl>
+                                        <p:attrNameLst>
+                                          <p:attrName>style.visibility</p:attrName>
+                                        </p:attrNameLst>
+                                      </p:cBhvr>
+                                      <p:to>
+                                        <p:strVal val="visible"/>
+                                      </p:to>
+                                    </p:set>
+                                    <p:animEffect transition="in" filter="wipe(left)">
+                                      <p:cBhvr>
+                                        <p:cTn id="7" dur="500"/>
+                                        <p:tgtEl>
+                                          <p:spTgt spid="13"/>
+                                        </p:tgtEl>
+                                      </p:cBhvr>
+                                    </p:animEffect>
+                                  </p:childTnLst>
+                                </p:cTn>
+                              </p:par>
+                            </p:childTnLst>
+                          </p:cTn>
+                        </p:par>
+                      </p:childTnLst>
+                    </p:cTn>
+                  </p:par>
+                  <p:par>
+                    <p:cTn id="8" fill="hold">
+                      <p:stCondLst>
+                        <p:cond delay="indefinite"/>
+                      </p:stCondLst>
+                      <p:childTnLst>
+                        <p:par>
+                          <p:cTn id="9" fill="hold">
+                            <p:stCondLst>
+                              <p:cond delay="0"/>
+                            </p:stCondLst>
+                            <p:childTnLst>
+                              <p:par>
+                                <p:cTn id="10" presetID="10" presetClass="entr" presetSubtype="0" fill="hold" nodeType="clickEffect">
+                                  <p:stCondLst>
+                                    <p:cond delay="0"/>
+                                  </p:stCondLst>
+                                  <p:childTnLst>
+                                    <p:set>
+                                      <p:cBhvr>
+                                        <p:cTn id="11" dur="1" fill="hold">
+                                          <p:stCondLst>
+                                            <p:cond delay="0"/>
+                                          </p:stCondLst>
+                                        </p:cTn>
+                                        <p:tgtEl>
+                                          <p:spTgt spid="14"/>
+                                        </p:tgtEl>
+                                        <p:attrNameLst>
+                                          <p:attrName>style.visibility</p:attrName>
+                                        </p:attrNameLst>
+                                      </p:cBhvr>
+                                      <p:to>
+                                        <p:strVal val="visible"/>
+                                      </p:to>
+                                    </p:set>
+                                    <p:animEffect transition="in" filter="fade">
+                                      <p:cBhvr>
+                                        <p:cTn id="12" dur="500"/>
+                                        <p:tgtEl>
+                                          <p:spTgt spid="14"/>
+                                        </p:tgtEl>
+                                      </p:cBhvr>
+                                    </p:animEffect>
+                                  </p:childTnLst>
+                                </p:cTn>
+                              </p:par>
+                            </p:childTnLst>
+                          </p:cTn>
+                        </p:par>
+                      </p:childTnLst>
+                    </p:cTn>
+                  </p:par>
+                  <p:par>
+                    <p:cTn id="13" fill="hold">
+                      <p:stCondLst>
+                        <p:cond delay="indefinite"/>
+                      </p:stCondLst>
+                      <p:childTnLst>
+                        <p:par>
+                          <p:cTn id="14" fill="hold">
+                            <p:stCondLst>
+                              <p:cond delay="0"/>
+                            </p:stCondLst>
+                            <p:childTnLst>
+                              <p:par>
+                                <p:cTn id="15" presetID="22" presetClass="entr" presetSubtype="2" fill="hold" grpId="0" nodeType="clickEffect">
+                                  <p:stCondLst>
+                                    <p:cond delay="0"/>
+                                  </p:stCondLst>
+                                  <p:childTnLst>
+                                    <p:set>
+                                      <p:cBhvr>
+                                        <p:cTn id="16" dur="1" fill="hold">
+                                          <p:stCondLst>
+                                            <p:cond delay="0"/>
+                                          </p:stCondLst>
+                                        </p:cTn>
+                                        <p:tgtEl>
+                                          <p:spTgt spid="16"/>
+                                        </p:tgtEl>
+                                        <p:attrNameLst>
+                                          <p:attrName>style.visibility</p:attrName>
+                                        </p:attrNameLst>
+                                      </p:cBhvr>
+                                      <p:to>
+                                        <p:strVal val="visible"/>
+                                      </p:to>
+                                    </p:set>
+                                    <p:animEffect transition="in" filter="wipe(right)">
+                                      <p:cBhvr>
+                                        <p:cTn id="17" dur="500"/>
+                                        <p:tgtEl>
+                                          <p:spTgt spid="16"/>
+                                        </p:tgtEl>
+                                      </p:cBhvr>
+                                    </p:animEffect>
+                                  </p:childTnLst>
+                                </p:cTn>
+                              </p:par>
+                            </p:childTnLst>
+                          </p:cTn>
+                        </p:par>
+                      </p:childTnLst>
+                    </p:cTn>
+                  </p:par>
+                </p:childTnLst>
+              </p:cTn>
+              <p:prevCondLst>
+                <p:cond evt="onPrev" delay="0">
+                  <p:tgtEl>
+                    <p:sldTgt/>
+                  </p:tgtEl>
+                </p:cond>
+              </p:prevCondLst>
+              <p:nextCondLst>
+                <p:cond evt="onNext" delay="0">
+                  <p:tgtEl>
+                    <p:sldTgt/>
+                  </p:tgtEl>
+                </p:cond>
+              </p:nextCondLst>
+            </p:seq>
+          </p:childTnLst>
+        </p:cTn>
+      </p:par>
+    </p:tnLst>
+    <p:bldLst>
+      <p:bldP spid="13" grpId="0"/>
+      <p:bldP spid="16" grpId="0"/>
+    </p:bldLst>
+  </p:timing>
 </p:sld>
 </file>
 
@@ -22783,18 +26933,211 @@
   <p:clrMapOvr>
     <a:masterClrMapping/>
   </p:clrMapOvr>
-  <mc:AlternateContent xmlns:mc="http://schemas.openxmlformats.org/markup-compatibility/2006">
-    <mc:Choice xmlns:p15="http://schemas.microsoft.com/office/powerpoint/2012/main" Requires="p15">
+  <mc:AlternateContent xmlns:mc="http://schemas.openxmlformats.org/markup-compatibility/2006" xmlns:p15="http://schemas.microsoft.com/office/powerpoint/2012/main">
+    <mc:Choice Requires="p15">
       <p:transition xmlns:p14="http://schemas.microsoft.com/office/powerpoint/2010/main" spd="slow" p14:dur="2000">
         <p15:prstTrans prst="wind"/>
       </p:transition>
     </mc:Choice>
-    <mc:Fallback>
+    <mc:Fallback xmlns="">
       <p:transition spd="slow">
         <p:fade/>
       </p:transition>
     </mc:Fallback>
   </mc:AlternateContent>
+  <p:timing>
+    <p:tnLst>
+      <p:par>
+        <p:cTn id="1" dur="indefinite" restart="never" nodeType="tmRoot">
+          <p:childTnLst>
+            <p:seq concurrent="1" nextAc="seek">
+              <p:cTn id="2" dur="indefinite" nodeType="mainSeq">
+                <p:childTnLst>
+                  <p:par>
+                    <p:cTn id="3" fill="hold">
+                      <p:stCondLst>
+                        <p:cond delay="indefinite"/>
+                      </p:stCondLst>
+                      <p:childTnLst>
+                        <p:par>
+                          <p:cTn id="4" fill="hold">
+                            <p:stCondLst>
+                              <p:cond delay="0"/>
+                            </p:stCondLst>
+                            <p:childTnLst>
+                              <p:par>
+                                <p:cTn id="5" presetID="22" presetClass="entr" presetSubtype="8" fill="hold" grpId="0" nodeType="clickEffect">
+                                  <p:stCondLst>
+                                    <p:cond delay="0"/>
+                                  </p:stCondLst>
+                                  <p:childTnLst>
+                                    <p:set>
+                                      <p:cBhvr>
+                                        <p:cTn id="6" dur="1" fill="hold">
+                                          <p:stCondLst>
+                                            <p:cond delay="0"/>
+                                          </p:stCondLst>
+                                        </p:cTn>
+                                        <p:tgtEl>
+                                          <p:spTgt spid="13"/>
+                                        </p:tgtEl>
+                                        <p:attrNameLst>
+                                          <p:attrName>style.visibility</p:attrName>
+                                        </p:attrNameLst>
+                                      </p:cBhvr>
+                                      <p:to>
+                                        <p:strVal val="visible"/>
+                                      </p:to>
+                                    </p:set>
+                                    <p:animEffect transition="in" filter="wipe(left)">
+                                      <p:cBhvr>
+                                        <p:cTn id="7" dur="500"/>
+                                        <p:tgtEl>
+                                          <p:spTgt spid="13"/>
+                                        </p:tgtEl>
+                                      </p:cBhvr>
+                                    </p:animEffect>
+                                  </p:childTnLst>
+                                </p:cTn>
+                              </p:par>
+                            </p:childTnLst>
+                          </p:cTn>
+                        </p:par>
+                      </p:childTnLst>
+                    </p:cTn>
+                  </p:par>
+                  <p:par>
+                    <p:cTn id="8" fill="hold">
+                      <p:stCondLst>
+                        <p:cond delay="indefinite"/>
+                      </p:stCondLst>
+                      <p:childTnLst>
+                        <p:par>
+                          <p:cTn id="9" fill="hold">
+                            <p:stCondLst>
+                              <p:cond delay="0"/>
+                            </p:stCondLst>
+                            <p:childTnLst>
+                              <p:par>
+                                <p:cTn id="10" presetID="10" presetClass="entr" presetSubtype="0" fill="hold" nodeType="clickEffect">
+                                  <p:stCondLst>
+                                    <p:cond delay="0"/>
+                                  </p:stCondLst>
+                                  <p:childTnLst>
+                                    <p:set>
+                                      <p:cBhvr>
+                                        <p:cTn id="11" dur="1" fill="hold">
+                                          <p:stCondLst>
+                                            <p:cond delay="0"/>
+                                          </p:stCondLst>
+                                        </p:cTn>
+                                        <p:tgtEl>
+                                          <p:spTgt spid="14"/>
+                                        </p:tgtEl>
+                                        <p:attrNameLst>
+                                          <p:attrName>style.visibility</p:attrName>
+                                        </p:attrNameLst>
+                                      </p:cBhvr>
+                                      <p:to>
+                                        <p:strVal val="visible"/>
+                                      </p:to>
+                                    </p:set>
+                                    <p:animEffect transition="in" filter="fade">
+                                      <p:cBhvr>
+                                        <p:cTn id="12" dur="500"/>
+                                        <p:tgtEl>
+                                          <p:spTgt spid="14"/>
+                                        </p:tgtEl>
+                                      </p:cBhvr>
+                                    </p:animEffect>
+                                  </p:childTnLst>
+                                </p:cTn>
+                              </p:par>
+                            </p:childTnLst>
+                          </p:cTn>
+                        </p:par>
+                      </p:childTnLst>
+                    </p:cTn>
+                  </p:par>
+                  <p:par>
+                    <p:cTn id="13" fill="hold">
+                      <p:stCondLst>
+                        <p:cond delay="indefinite"/>
+                      </p:stCondLst>
+                      <p:childTnLst>
+                        <p:par>
+                          <p:cTn id="14" fill="hold">
+                            <p:stCondLst>
+                              <p:cond delay="0"/>
+                            </p:stCondLst>
+                            <p:childTnLst>
+                              <p:par>
+                                <p:cTn id="15" presetID="22" presetClass="entr" presetSubtype="2" fill="hold" grpId="0" nodeType="clickEffect">
+                                  <p:stCondLst>
+                                    <p:cond delay="0"/>
+                                  </p:stCondLst>
+                                  <p:childTnLst>
+                                    <p:set>
+                                      <p:cBhvr>
+                                        <p:cTn id="16" dur="1" fill="hold">
+                                          <p:stCondLst>
+                                            <p:cond delay="0"/>
+                                          </p:stCondLst>
+                                        </p:cTn>
+                                        <p:tgtEl>
+                                          <p:spTgt spid="16"/>
+                                        </p:tgtEl>
+                                        <p:attrNameLst>
+                                          <p:attrName>style.visibility</p:attrName>
+                                        </p:attrNameLst>
+                                      </p:cBhvr>
+                                      <p:to>
+                                        <p:strVal val="visible"/>
+                                      </p:to>
+                                    </p:set>
+                                    <p:animEffect transition="in" filter="wipe(right)">
+                                      <p:cBhvr>
+                                        <p:cTn id="17" dur="500"/>
+                                        <p:tgtEl>
+                                          <p:spTgt spid="16"/>
+                                        </p:tgtEl>
+                                      </p:cBhvr>
+                                    </p:animEffect>
+                                  </p:childTnLst>
+                                </p:cTn>
+                              </p:par>
+                            </p:childTnLst>
+                          </p:cTn>
+                        </p:par>
+                      </p:childTnLst>
+                    </p:cTn>
+                  </p:par>
+                </p:childTnLst>
+              </p:cTn>
+              <p:prevCondLst>
+                <p:cond evt="onPrev" delay="0">
+                  <p:tgtEl>
+                    <p:sldTgt/>
+                  </p:tgtEl>
+                </p:cond>
+              </p:prevCondLst>
+              <p:nextCondLst>
+                <p:cond evt="onNext" delay="0">
+                  <p:tgtEl>
+                    <p:sldTgt/>
+                  </p:tgtEl>
+                </p:cond>
+              </p:nextCondLst>
+            </p:seq>
+          </p:childTnLst>
+        </p:cTn>
+      </p:par>
+    </p:tnLst>
+    <p:bldLst>
+      <p:bldP spid="13" grpId="0"/>
+      <p:bldP spid="16" grpId="0"/>
+    </p:bldLst>
+  </p:timing>
 </p:sld>
 </file>
 
@@ -23059,7 +27402,31 @@
                     </a:solidFill>
                     <a:latin typeface="Abadi" panose="020B0604020104020204" pitchFamily="34" charset="0"/>
                   </a:rPr>
-                  <a:t>Si inizializza quota con la quota iniziale (20 km) e si definisce lo spostamento verticale come </a:t>
+                  <a:t>Si inizializza </a:t>
+                </a:r>
+                <a:r>
+                  <a:rPr lang="it-IT" dirty="0">
+                    <a:solidFill>
+                      <a:schemeClr val="tx2">
+                        <a:lumMod val="75000"/>
+                        <a:lumOff val="25000"/>
+                      </a:schemeClr>
+                    </a:solidFill>
+                    <a:latin typeface="Consolas" panose="020B0609020204030204" pitchFamily="49" charset="0"/>
+                  </a:rPr>
+                  <a:t>quota</a:t>
+                </a:r>
+                <a:r>
+                  <a:rPr lang="it-IT" dirty="0">
+                    <a:solidFill>
+                      <a:schemeClr val="tx2">
+                        <a:lumMod val="75000"/>
+                        <a:lumOff val="25000"/>
+                      </a:schemeClr>
+                    </a:solidFill>
+                    <a:latin typeface="Abadi" panose="020B0604020104020204" pitchFamily="34" charset="0"/>
+                  </a:rPr>
+                  <a:t> con la quota iniziale (20 km) e si definisce lo spostamento verticale come </a:t>
                 </a:r>
                 <a:r>
                   <a:rPr lang="nn-NO" dirty="0">
@@ -23397,18 +27764,250 @@
   <p:clrMapOvr>
     <a:masterClrMapping/>
   </p:clrMapOvr>
-  <mc:AlternateContent xmlns:mc="http://schemas.openxmlformats.org/markup-compatibility/2006">
-    <mc:Choice xmlns:p15="http://schemas.microsoft.com/office/powerpoint/2012/main" Requires="p15">
+  <mc:AlternateContent xmlns:mc="http://schemas.openxmlformats.org/markup-compatibility/2006" xmlns:p15="http://schemas.microsoft.com/office/powerpoint/2012/main">
+    <mc:Choice Requires="p15">
       <p:transition xmlns:p14="http://schemas.microsoft.com/office/powerpoint/2010/main" spd="slow" p14:dur="2000">
         <p15:prstTrans prst="wind"/>
       </p:transition>
     </mc:Choice>
-    <mc:Fallback>
+    <mc:Fallback xmlns="">
       <p:transition spd="slow">
         <p:fade/>
       </p:transition>
     </mc:Fallback>
   </mc:AlternateContent>
+  <p:timing>
+    <p:tnLst>
+      <p:par>
+        <p:cTn id="1" dur="indefinite" restart="never" nodeType="tmRoot">
+          <p:childTnLst>
+            <p:seq concurrent="1" nextAc="seek">
+              <p:cTn id="2" dur="indefinite" nodeType="mainSeq">
+                <p:childTnLst>
+                  <p:par>
+                    <p:cTn id="3" fill="hold">
+                      <p:stCondLst>
+                        <p:cond delay="indefinite"/>
+                      </p:stCondLst>
+                      <p:childTnLst>
+                        <p:par>
+                          <p:cTn id="4" fill="hold">
+                            <p:stCondLst>
+                              <p:cond delay="0"/>
+                            </p:stCondLst>
+                            <p:childTnLst>
+                              <p:par>
+                                <p:cTn id="5" presetID="47" presetClass="entr" presetSubtype="0" fill="hold" grpId="0" nodeType="clickEffect">
+                                  <p:stCondLst>
+                                    <p:cond delay="0"/>
+                                  </p:stCondLst>
+                                  <p:childTnLst>
+                                    <p:set>
+                                      <p:cBhvr>
+                                        <p:cTn id="6" dur="1" fill="hold">
+                                          <p:stCondLst>
+                                            <p:cond delay="0"/>
+                                          </p:stCondLst>
+                                        </p:cTn>
+                                        <p:tgtEl>
+                                          <p:spTgt spid="2"/>
+                                        </p:tgtEl>
+                                        <p:attrNameLst>
+                                          <p:attrName>style.visibility</p:attrName>
+                                        </p:attrNameLst>
+                                      </p:cBhvr>
+                                      <p:to>
+                                        <p:strVal val="visible"/>
+                                      </p:to>
+                                    </p:set>
+                                    <p:animEffect transition="in" filter="fade">
+                                      <p:cBhvr>
+                                        <p:cTn id="7" dur="1000"/>
+                                        <p:tgtEl>
+                                          <p:spTgt spid="2"/>
+                                        </p:tgtEl>
+                                      </p:cBhvr>
+                                    </p:animEffect>
+                                    <p:anim calcmode="lin" valueType="num">
+                                      <p:cBhvr>
+                                        <p:cTn id="8" dur="1000" fill="hold"/>
+                                        <p:tgtEl>
+                                          <p:spTgt spid="2"/>
+                                        </p:tgtEl>
+                                        <p:attrNameLst>
+                                          <p:attrName>ppt_x</p:attrName>
+                                        </p:attrNameLst>
+                                      </p:cBhvr>
+                                      <p:tavLst>
+                                        <p:tav tm="0">
+                                          <p:val>
+                                            <p:strVal val="#ppt_x"/>
+                                          </p:val>
+                                        </p:tav>
+                                        <p:tav tm="100000">
+                                          <p:val>
+                                            <p:strVal val="#ppt_x"/>
+                                          </p:val>
+                                        </p:tav>
+                                      </p:tavLst>
+                                    </p:anim>
+                                    <p:anim calcmode="lin" valueType="num">
+                                      <p:cBhvr>
+                                        <p:cTn id="9" dur="1000" fill="hold"/>
+                                        <p:tgtEl>
+                                          <p:spTgt spid="2"/>
+                                        </p:tgtEl>
+                                        <p:attrNameLst>
+                                          <p:attrName>ppt_y</p:attrName>
+                                        </p:attrNameLst>
+                                      </p:cBhvr>
+                                      <p:tavLst>
+                                        <p:tav tm="0">
+                                          <p:val>
+                                            <p:strVal val="#ppt_y-.1"/>
+                                          </p:val>
+                                        </p:tav>
+                                        <p:tav tm="100000">
+                                          <p:val>
+                                            <p:strVal val="#ppt_y"/>
+                                          </p:val>
+                                        </p:tav>
+                                      </p:tavLst>
+                                    </p:anim>
+                                  </p:childTnLst>
+                                </p:cTn>
+                              </p:par>
+                            </p:childTnLst>
+                          </p:cTn>
+                        </p:par>
+                      </p:childTnLst>
+                    </p:cTn>
+                  </p:par>
+                  <p:par>
+                    <p:cTn id="10" fill="hold">
+                      <p:stCondLst>
+                        <p:cond delay="indefinite"/>
+                      </p:stCondLst>
+                      <p:childTnLst>
+                        <p:par>
+                          <p:cTn id="11" fill="hold">
+                            <p:stCondLst>
+                              <p:cond delay="0"/>
+                            </p:stCondLst>
+                            <p:childTnLst>
+                              <p:par>
+                                <p:cTn id="12" presetID="42" presetClass="entr" presetSubtype="0" fill="hold" grpId="0" nodeType="clickEffect">
+                                  <p:stCondLst>
+                                    <p:cond delay="0"/>
+                                  </p:stCondLst>
+                                  <p:childTnLst>
+                                    <p:set>
+                                      <p:cBhvr>
+                                        <p:cTn id="13" dur="1" fill="hold">
+                                          <p:stCondLst>
+                                            <p:cond delay="0"/>
+                                          </p:stCondLst>
+                                        </p:cTn>
+                                        <p:tgtEl>
+                                          <p:spTgt spid="5"/>
+                                        </p:tgtEl>
+                                        <p:attrNameLst>
+                                          <p:attrName>style.visibility</p:attrName>
+                                        </p:attrNameLst>
+                                      </p:cBhvr>
+                                      <p:to>
+                                        <p:strVal val="visible"/>
+                                      </p:to>
+                                    </p:set>
+                                    <p:animEffect transition="in" filter="fade">
+                                      <p:cBhvr>
+                                        <p:cTn id="14" dur="1000"/>
+                                        <p:tgtEl>
+                                          <p:spTgt spid="5"/>
+                                        </p:tgtEl>
+                                      </p:cBhvr>
+                                    </p:animEffect>
+                                    <p:anim calcmode="lin" valueType="num">
+                                      <p:cBhvr>
+                                        <p:cTn id="15" dur="1000" fill="hold"/>
+                                        <p:tgtEl>
+                                          <p:spTgt spid="5"/>
+                                        </p:tgtEl>
+                                        <p:attrNameLst>
+                                          <p:attrName>ppt_x</p:attrName>
+                                        </p:attrNameLst>
+                                      </p:cBhvr>
+                                      <p:tavLst>
+                                        <p:tav tm="0">
+                                          <p:val>
+                                            <p:strVal val="#ppt_x"/>
+                                          </p:val>
+                                        </p:tav>
+                                        <p:tav tm="100000">
+                                          <p:val>
+                                            <p:strVal val="#ppt_x"/>
+                                          </p:val>
+                                        </p:tav>
+                                      </p:tavLst>
+                                    </p:anim>
+                                    <p:anim calcmode="lin" valueType="num">
+                                      <p:cBhvr>
+                                        <p:cTn id="16" dur="1000" fill="hold"/>
+                                        <p:tgtEl>
+                                          <p:spTgt spid="5"/>
+                                        </p:tgtEl>
+                                        <p:attrNameLst>
+                                          <p:attrName>ppt_y</p:attrName>
+                                        </p:attrNameLst>
+                                      </p:cBhvr>
+                                      <p:tavLst>
+                                        <p:tav tm="0">
+                                          <p:val>
+                                            <p:strVal val="#ppt_y+.1"/>
+                                          </p:val>
+                                        </p:tav>
+                                        <p:tav tm="100000">
+                                          <p:val>
+                                            <p:strVal val="#ppt_y"/>
+                                          </p:val>
+                                        </p:tav>
+                                      </p:tavLst>
+                                    </p:anim>
+                                  </p:childTnLst>
+                                </p:cTn>
+                              </p:par>
+                            </p:childTnLst>
+                          </p:cTn>
+                        </p:par>
+                      </p:childTnLst>
+                    </p:cTn>
+                  </p:par>
+                </p:childTnLst>
+              </p:cTn>
+              <p:prevCondLst>
+                <p:cond evt="onPrev" delay="0">
+                  <p:tgtEl>
+                    <p:sldTgt/>
+                  </p:tgtEl>
+                </p:cond>
+              </p:prevCondLst>
+              <p:nextCondLst>
+                <p:cond evt="onNext" delay="0">
+                  <p:tgtEl>
+                    <p:sldTgt/>
+                  </p:tgtEl>
+                </p:cond>
+              </p:nextCondLst>
+            </p:seq>
+          </p:childTnLst>
+        </p:cTn>
+      </p:par>
+    </p:tnLst>
+    <p:bldLst>
+      <p:bldP spid="2" grpId="0"/>
+      <p:bldP spid="5" grpId="0"/>
+    </p:bldLst>
+  </p:timing>
 </p:sld>
 </file>
 

--- a/campionamento_sciami_atmosferici_ad_alta_quota_Irene_Gentili.pptx
+++ b/campionamento_sciami_atmosferici_ad_alta_quota_Irene_Gentili.pptx
@@ -8863,90 +8863,6 @@
                       </a:schemeClr>
                     </a:solidFill>
                     <a:latin typeface="Consolas" panose="020B0609020204030204" pitchFamily="49" charset="0"/>
-                  </a:rPr>
-                  <a:t>itertuples</a:t>
-                </a:r>
-                <a:r>
-                  <a:rPr lang="it-IT" dirty="0">
-                    <a:solidFill>
-                      <a:schemeClr val="tx2">
-                        <a:lumMod val="75000"/>
-                        <a:lumOff val="25000"/>
-                      </a:schemeClr>
-                    </a:solidFill>
-                    <a:latin typeface="Consolas" panose="020B0609020204030204" pitchFamily="49" charset="0"/>
-                  </a:rPr>
-                  <a:t>() </a:t>
-                </a:r>
-                <a:r>
-                  <a:rPr lang="it-IT" dirty="0">
-                    <a:solidFill>
-                      <a:schemeClr val="tx2">
-                        <a:lumMod val="75000"/>
-                        <a:lumOff val="25000"/>
-                      </a:schemeClr>
-                    </a:solidFill>
-                    <a:latin typeface="Abadi" panose="020B0604020104020204" pitchFamily="34" charset="0"/>
-                  </a:rPr>
-                  <a:t>che tratta le varie righe di </a:t>
-                </a:r>
-                <a:r>
-                  <a:rPr lang="it-IT" dirty="0">
-                    <a:solidFill>
-                      <a:schemeClr val="tx2">
-                        <a:lumMod val="75000"/>
-                        <a:lumOff val="25000"/>
-                      </a:schemeClr>
-                    </a:solidFill>
-                    <a:latin typeface="Consolas" panose="020B0609020204030204" pitchFamily="49" charset="0"/>
-                  </a:rPr>
-                  <a:t>sciame</a:t>
-                </a:r>
-                <a:r>
-                  <a:rPr lang="it-IT" dirty="0">
-                    <a:solidFill>
-                      <a:schemeClr val="tx2">
-                        <a:lumMod val="75000"/>
-                        <a:lumOff val="25000"/>
-                      </a:schemeClr>
-                    </a:solidFill>
-                    <a:latin typeface="Abadi" panose="020B0604020104020204" pitchFamily="34" charset="0"/>
-                  </a:rPr>
-                  <a:t> come se fossero delle </a:t>
-                </a:r>
-                <a:r>
-                  <a:rPr lang="it-IT" dirty="0" err="1">
-                    <a:solidFill>
-                      <a:schemeClr val="tx2">
-                        <a:lumMod val="75000"/>
-                        <a:lumOff val="25000"/>
-                      </a:schemeClr>
-                    </a:solidFill>
-                    <a:latin typeface="Consolas" panose="020B0609020204030204" pitchFamily="49" charset="0"/>
-                  </a:rPr>
-                  <a:t>tuple</a:t>
-                </a:r>
-                <a:r>
-                  <a:rPr lang="it-IT" dirty="0">
-                    <a:solidFill>
-                      <a:schemeClr val="tx2">
-                        <a:lumMod val="75000"/>
-                        <a:lumOff val="25000"/>
-                      </a:schemeClr>
-                    </a:solidFill>
-                    <a:latin typeface="Abadi" panose="020B0604020104020204" pitchFamily="34" charset="0"/>
-                  </a:rPr>
-                  <a:t> (indice, tipo, energia) (</a:t>
-                </a:r>
-                <a:r>
-                  <a:rPr lang="it-IT" dirty="0">
-                    <a:solidFill>
-                      <a:schemeClr val="tx2">
-                        <a:lumMod val="75000"/>
-                        <a:lumOff val="25000"/>
-                      </a:schemeClr>
-                    </a:solidFill>
-                    <a:latin typeface="Abadi" panose="020B0604020104020204" pitchFamily="34" charset="0"/>
                     <a:hlinkClick r:id="rId2">
                       <a:extLst>
                         <a:ext uri="{A12FA001-AC4F-418D-AE19-62706E023703}">
@@ -8955,10 +8871,10 @@
                       </a:extLst>
                     </a:hlinkClick>
                   </a:rPr>
-                  <a:t>più veloce di </a:t>
-                </a:r>
-                <a:r>
-                  <a:rPr lang="it-IT" dirty="0" err="1">
+                  <a:t>itertuples</a:t>
+                </a:r>
+                <a:r>
+                  <a:rPr lang="it-IT" dirty="0">
                     <a:solidFill>
                       <a:schemeClr val="tx2">
                         <a:lumMod val="75000"/>
@@ -8974,6 +8890,116 @@
                       </a:extLst>
                     </a:hlinkClick>
                   </a:rPr>
+                  <a:t>()</a:t>
+                </a:r>
+                <a:r>
+                  <a:rPr lang="it-IT" dirty="0">
+                    <a:solidFill>
+                      <a:schemeClr val="tx2">
+                        <a:lumMod val="75000"/>
+                        <a:lumOff val="25000"/>
+                      </a:schemeClr>
+                    </a:solidFill>
+                    <a:latin typeface="Consolas" panose="020B0609020204030204" pitchFamily="49" charset="0"/>
+                  </a:rPr>
+                  <a:t> </a:t>
+                </a:r>
+                <a:r>
+                  <a:rPr lang="it-IT" dirty="0">
+                    <a:solidFill>
+                      <a:schemeClr val="tx2">
+                        <a:lumMod val="75000"/>
+                        <a:lumOff val="25000"/>
+                      </a:schemeClr>
+                    </a:solidFill>
+                    <a:latin typeface="Abadi" panose="020B0604020104020204" pitchFamily="34" charset="0"/>
+                  </a:rPr>
+                  <a:t>che tratta le varie righe di </a:t>
+                </a:r>
+                <a:r>
+                  <a:rPr lang="it-IT" dirty="0">
+                    <a:solidFill>
+                      <a:schemeClr val="tx2">
+                        <a:lumMod val="75000"/>
+                        <a:lumOff val="25000"/>
+                      </a:schemeClr>
+                    </a:solidFill>
+                    <a:latin typeface="Consolas" panose="020B0609020204030204" pitchFamily="49" charset="0"/>
+                  </a:rPr>
+                  <a:t>sciame</a:t>
+                </a:r>
+                <a:r>
+                  <a:rPr lang="it-IT" dirty="0">
+                    <a:solidFill>
+                      <a:schemeClr val="tx2">
+                        <a:lumMod val="75000"/>
+                        <a:lumOff val="25000"/>
+                      </a:schemeClr>
+                    </a:solidFill>
+                    <a:latin typeface="Abadi" panose="020B0604020104020204" pitchFamily="34" charset="0"/>
+                  </a:rPr>
+                  <a:t> come se fossero delle </a:t>
+                </a:r>
+                <a:r>
+                  <a:rPr lang="it-IT" dirty="0" err="1">
+                    <a:solidFill>
+                      <a:schemeClr val="tx2">
+                        <a:lumMod val="75000"/>
+                        <a:lumOff val="25000"/>
+                      </a:schemeClr>
+                    </a:solidFill>
+                    <a:latin typeface="Consolas" panose="020B0609020204030204" pitchFamily="49" charset="0"/>
+                  </a:rPr>
+                  <a:t>tuple</a:t>
+                </a:r>
+                <a:r>
+                  <a:rPr lang="it-IT" dirty="0">
+                    <a:solidFill>
+                      <a:schemeClr val="tx2">
+                        <a:lumMod val="75000"/>
+                        <a:lumOff val="25000"/>
+                      </a:schemeClr>
+                    </a:solidFill>
+                    <a:latin typeface="Abadi" panose="020B0604020104020204" pitchFamily="34" charset="0"/>
+                  </a:rPr>
+                  <a:t> (indice, tipo, energia) (</a:t>
+                </a:r>
+                <a:r>
+                  <a:rPr lang="it-IT" dirty="0">
+                    <a:solidFill>
+                      <a:schemeClr val="tx2">
+                        <a:lumMod val="75000"/>
+                        <a:lumOff val="25000"/>
+                      </a:schemeClr>
+                    </a:solidFill>
+                    <a:latin typeface="Abadi" panose="020B0604020104020204" pitchFamily="34" charset="0"/>
+                    <a:hlinkClick r:id="rId3">
+                      <a:extLst>
+                        <a:ext uri="{A12FA001-AC4F-418D-AE19-62706E023703}">
+                          <ahyp:hlinkClr xmlns:ahyp="http://schemas.microsoft.com/office/drawing/2018/hyperlinkcolor" val="tx"/>
+                        </a:ext>
+                      </a:extLst>
+                    </a:hlinkClick>
+                  </a:rPr>
+                  <a:t>più veloce di </a:t>
+                </a:r>
+                <a:r>
+                  <a:rPr lang="it-IT" dirty="0" err="1">
+                    <a:solidFill>
+                      <a:schemeClr val="tx2">
+                        <a:lumMod val="75000"/>
+                        <a:lumOff val="25000"/>
+                      </a:schemeClr>
+                    </a:solidFill>
+                    <a:latin typeface="Consolas" panose="020B0609020204030204" pitchFamily="49" charset="0"/>
+                    <a:hlinkClick r:id="rId3">
+                      <a:extLst>
+                        <a:ext uri="{A12FA001-AC4F-418D-AE19-62706E023703}">
+                          <ahyp:hlinkClr xmlns:ahyp="http://schemas.microsoft.com/office/drawing/2018/hyperlinkcolor" val="tx"/>
+                        </a:ext>
+                      </a:extLst>
+                    </a:hlinkClick>
+                  </a:rPr>
                   <a:t>iterrows</a:t>
                 </a:r>
                 <a:r>
@@ -8985,7 +9011,7 @@
                       </a:schemeClr>
                     </a:solidFill>
                     <a:latin typeface="Consolas" panose="020B0609020204030204" pitchFamily="49" charset="0"/>
-                    <a:hlinkClick r:id="rId2">
+                    <a:hlinkClick r:id="rId3">
                       <a:extLst>
                         <a:ext uri="{A12FA001-AC4F-418D-AE19-62706E023703}">
                           <ahyp:hlinkClr xmlns:ahyp="http://schemas.microsoft.com/office/drawing/2018/hyperlinkcolor" val="tx"/>
@@ -9159,7 +9185,26 @@
                     </a:solidFill>
                     <a:latin typeface="Abadi" panose="020B0604020104020204" pitchFamily="34" charset="0"/>
                   </a:rPr>
-                  <a:t>corrispondente ( per </a:t>
+                  <a:t>corrispondente ( </a:t>
+                </a:r>
+                <a:r>
+                  <a:rPr lang="it-IT" dirty="0">
+                    <a:solidFill>
+                      <a:schemeClr val="tx2">
+                        <a:lumMod val="75000"/>
+                        <a:lumOff val="25000"/>
+                      </a:schemeClr>
+                    </a:solidFill>
+                    <a:latin typeface="Abadi" panose="020B0604020104020204" pitchFamily="34" charset="0"/>
+                    <a:hlinkClick r:id="rId4">
+                      <a:extLst>
+                        <a:ext uri="{A12FA001-AC4F-418D-AE19-62706E023703}">
+                          <ahyp:hlinkClr xmlns:ahyp="http://schemas.microsoft.com/office/drawing/2018/hyperlinkcolor" val="tx"/>
+                        </a:ext>
+                      </a:extLst>
+                    </a:hlinkClick>
+                  </a:rPr>
+                  <a:t>per </a:t>
                 </a:r>
                 <a14:m>
                   <m:oMath xmlns:m="http://schemas.openxmlformats.org/officeDocument/2006/math">
@@ -9230,6 +9275,13 @@
                       </a:schemeClr>
                     </a:solidFill>
                     <a:latin typeface="Abadi" panose="020B0604020104020204" pitchFamily="34" charset="0"/>
+                    <a:hlinkClick r:id="rId4">
+                      <a:extLst>
+                        <a:ext uri="{A12FA001-AC4F-418D-AE19-62706E023703}">
+                          <ahyp:hlinkClr xmlns:ahyp="http://schemas.microsoft.com/office/drawing/2018/hyperlinkcolor" val="tx"/>
+                        </a:ext>
+                      </a:extLst>
+                    </a:hlinkClick>
                   </a:rPr>
                   <a:t>87,92 MeV e per </a:t>
                 </a:r>
@@ -9302,8 +9354,27 @@
                       </a:schemeClr>
                     </a:solidFill>
                     <a:latin typeface="Abadi" panose="020B0604020104020204" pitchFamily="34" charset="0"/>
-                  </a:rPr>
-                  <a:t>85.97 MeV). Se </a:t>
+                    <a:hlinkClick r:id="rId4">
+                      <a:extLst>
+                        <a:ext uri="{A12FA001-AC4F-418D-AE19-62706E023703}">
+                          <ahyp:hlinkClr xmlns:ahyp="http://schemas.microsoft.com/office/drawing/2018/hyperlinkcolor" val="tx"/>
+                        </a:ext>
+                      </a:extLst>
+                    </a:hlinkClick>
+                  </a:rPr>
+                  <a:t>85.97 MeV</a:t>
+                </a:r>
+                <a:r>
+                  <a:rPr lang="it-IT" dirty="0">
+                    <a:solidFill>
+                      <a:schemeClr val="tx2">
+                        <a:lumMod val="75000"/>
+                        <a:lumOff val="25000"/>
+                      </a:schemeClr>
+                    </a:solidFill>
+                    <a:latin typeface="Abadi" panose="020B0604020104020204" pitchFamily="34" charset="0"/>
+                  </a:rPr>
+                  <a:t>). Se </a:t>
                 </a:r>
                 <a14:m>
                   <m:oMath xmlns:m="http://schemas.openxmlformats.org/officeDocument/2006/math">
@@ -10212,7 +10283,7 @@
                 <a:avLst/>
               </a:prstGeom>
               <a:blipFill>
-                <a:blip r:embed="rId3"/>
+                <a:blip r:embed="rId5"/>
                 <a:stretch>
                   <a:fillRect l="-149"/>
                 </a:stretch>
@@ -10584,8 +10655,8 @@
           </a:p>
         </p:txBody>
       </p:sp>
-      <mc:AlternateContent xmlns:mc="http://schemas.openxmlformats.org/markup-compatibility/2006">
-        <mc:Choice xmlns:a14="http://schemas.microsoft.com/office/drawing/2010/main" Requires="a14">
+      <mc:AlternateContent xmlns:mc="http://schemas.openxmlformats.org/markup-compatibility/2006" xmlns:a14="http://schemas.microsoft.com/office/drawing/2010/main">
+        <mc:Choice Requires="a14">
           <p:sp>
             <p:nvSpPr>
               <p:cNvPr id="5" name="CasellaDiTesto 4">
@@ -11767,7 +11838,7 @@
             </p:txBody>
           </p:sp>
         </mc:Choice>
-        <mc:Fallback>
+        <mc:Fallback xmlns="">
           <p:sp>
             <p:nvSpPr>
               <p:cNvPr id="5" name="CasellaDiTesto 4">
@@ -12761,8 +12832,8 @@
           </p:sp>
         </mc:Fallback>
       </mc:AlternateContent>
-      <mc:AlternateContent xmlns:mc="http://schemas.openxmlformats.org/markup-compatibility/2006">
-        <mc:Choice xmlns:a14="http://schemas.microsoft.com/office/drawing/2010/main" Requires="a14">
+      <mc:AlternateContent xmlns:mc="http://schemas.openxmlformats.org/markup-compatibility/2006" xmlns:a14="http://schemas.microsoft.com/office/drawing/2010/main">
+        <mc:Choice Requires="a14">
           <p:sp>
             <p:nvSpPr>
               <p:cNvPr id="5" name="CasellaDiTesto 4">
@@ -13353,7 +13424,7 @@
             </p:txBody>
           </p:sp>
         </mc:Choice>
-        <mc:Fallback>
+        <mc:Fallback xmlns="">
           <p:sp>
             <p:nvSpPr>
               <p:cNvPr id="5" name="CasellaDiTesto 4">
@@ -13700,8 +13771,8 @@
           </a:p>
         </p:txBody>
       </p:sp>
-      <mc:AlternateContent xmlns:mc="http://schemas.openxmlformats.org/markup-compatibility/2006">
-        <mc:Choice xmlns:a14="http://schemas.microsoft.com/office/drawing/2010/main" Requires="a14">
+      <mc:AlternateContent xmlns:mc="http://schemas.openxmlformats.org/markup-compatibility/2006" xmlns:a14="http://schemas.microsoft.com/office/drawing/2010/main">
+        <mc:Choice Requires="a14">
           <p:sp>
             <p:nvSpPr>
               <p:cNvPr id="5" name="CasellaDiTesto 4">
@@ -14648,7 +14719,7 @@
             </p:txBody>
           </p:sp>
         </mc:Choice>
-        <mc:Fallback>
+        <mc:Fallback xmlns="">
           <p:sp>
             <p:nvSpPr>
               <p:cNvPr id="5" name="CasellaDiTesto 4">
@@ -15871,8 +15942,8 @@
           </a:p>
         </p:txBody>
       </p:sp>
-      <mc:AlternateContent xmlns:mc="http://schemas.openxmlformats.org/markup-compatibility/2006">
-        <mc:Choice xmlns:a14="http://schemas.microsoft.com/office/drawing/2010/main" Requires="a14">
+      <mc:AlternateContent xmlns:mc="http://schemas.openxmlformats.org/markup-compatibility/2006" xmlns:a14="http://schemas.microsoft.com/office/drawing/2010/main">
+        <mc:Choice Requires="a14">
           <p:sp>
             <p:nvSpPr>
               <p:cNvPr id="3" name="CasellaDiTesto 2">
@@ -16383,7 +16454,7 @@
             </p:txBody>
           </p:sp>
         </mc:Choice>
-        <mc:Fallback>
+        <mc:Fallback xmlns="">
           <p:sp>
             <p:nvSpPr>
               <p:cNvPr id="3" name="CasellaDiTesto 2">
@@ -27235,8 +27306,8 @@
           </a:p>
         </p:txBody>
       </p:sp>
-      <mc:AlternateContent xmlns:mc="http://schemas.openxmlformats.org/markup-compatibility/2006">
-        <mc:Choice xmlns:a14="http://schemas.microsoft.com/office/drawing/2010/main" Requires="a14">
+      <mc:AlternateContent xmlns:mc="http://schemas.openxmlformats.org/markup-compatibility/2006" xmlns:a14="http://schemas.microsoft.com/office/drawing/2010/main">
+        <mc:Choice Requires="a14">
           <p:sp>
             <p:nvSpPr>
               <p:cNvPr id="5" name="CasellaDiTesto 4">
@@ -27709,7 +27780,7 @@
             </p:txBody>
           </p:sp>
         </mc:Choice>
-        <mc:Fallback>
+        <mc:Fallback xmlns="">
           <p:sp>
             <p:nvSpPr>
               <p:cNvPr id="5" name="CasellaDiTesto 4">

--- a/campionamento_sciami_atmosferici_ad_alta_quota_Irene_Gentili.pptx
+++ b/campionamento_sciami_atmosferici_ad_alta_quota_Irene_Gentili.pptx
@@ -419,7 +419,7 @@
           <a:p>
             <a:fld id="{1D0AE3D9-6B3F-4004-A10A-C1B28CEBFD42}" type="datetimeFigureOut">
               <a:rPr lang="it-IT" smtClean="0"/>
-              <a:t>01/02/2025</a:t>
+              <a:t>02/02/2025</a:t>
             </a:fld>
             <a:endParaRPr lang="it-IT"/>
           </a:p>
@@ -8558,8 +8558,8 @@
           </a:p>
         </p:txBody>
       </p:sp>
-      <mc:AlternateContent xmlns:mc="http://schemas.openxmlformats.org/markup-compatibility/2006">
-        <mc:Choice xmlns:a14="http://schemas.microsoft.com/office/drawing/2010/main" Requires="a14">
+      <mc:AlternateContent xmlns:mc="http://schemas.openxmlformats.org/markup-compatibility/2006" xmlns:a14="http://schemas.microsoft.com/office/drawing/2010/main">
+        <mc:Choice Requires="a14">
           <p:sp>
             <p:nvSpPr>
               <p:cNvPr id="5" name="CasellaDiTesto 4">
@@ -10259,7 +10259,7 @@
             </p:txBody>
           </p:sp>
         </mc:Choice>
-        <mc:Fallback>
+        <mc:Fallback xmlns="">
           <p:sp>
             <p:nvSpPr>
               <p:cNvPr id="5" name="CasellaDiTesto 4">
@@ -13771,8 +13771,8 @@
           </a:p>
         </p:txBody>
       </p:sp>
-      <mc:AlternateContent xmlns:mc="http://schemas.openxmlformats.org/markup-compatibility/2006" xmlns:a14="http://schemas.microsoft.com/office/drawing/2010/main">
-        <mc:Choice Requires="a14">
+      <mc:AlternateContent xmlns:mc="http://schemas.openxmlformats.org/markup-compatibility/2006">
+        <mc:Choice xmlns:a14="http://schemas.microsoft.com/office/drawing/2010/main" Requires="a14">
           <p:sp>
             <p:nvSpPr>
               <p:cNvPr id="5" name="CasellaDiTesto 4">
@@ -14178,7 +14178,7 @@
                     </a:solidFill>
                     <a:latin typeface="Consolas" panose="020B0609020204030204" pitchFamily="49" charset="0"/>
                   </a:rPr>
-                  <a:t>progresso_apply</a:t>
+                  <a:t>progress_apply</a:t>
                 </a:r>
                 <a:endParaRPr lang="it-IT" dirty="0">
                   <a:solidFill>
@@ -14719,7 +14719,7 @@
             </p:txBody>
           </p:sp>
         </mc:Choice>
-        <mc:Fallback xmlns="">
+        <mc:Fallback>
           <p:sp>
             <p:nvSpPr>
               <p:cNvPr id="5" name="CasellaDiTesto 4">

--- a/campionamento_sciami_atmosferici_ad_alta_quota_Irene_Gentili.pptx
+++ b/campionamento_sciami_atmosferici_ad_alta_quota_Irene_Gentili.pptx
@@ -5,10 +5,10 @@
     <p:sldMasterId id="2147483675" r:id="rId1"/>
   </p:sldMasterIdLst>
   <p:notesMasterIdLst>
-    <p:notesMasterId r:id="rId25"/>
+    <p:notesMasterId r:id="rId26"/>
   </p:notesMasterIdLst>
   <p:handoutMasterIdLst>
-    <p:handoutMasterId r:id="rId26"/>
+    <p:handoutMasterId r:id="rId27"/>
   </p:handoutMasterIdLst>
   <p:sldIdLst>
     <p:sldId id="256" r:id="rId2"/>
@@ -34,47 +34,48 @@
     <p:sldId id="293" r:id="rId22"/>
     <p:sldId id="260" r:id="rId23"/>
     <p:sldId id="292" r:id="rId24"/>
+    <p:sldId id="298" r:id="rId25"/>
   </p:sldIdLst>
   <p:sldSz cx="9144000" cy="5143500" type="screen16x9"/>
   <p:notesSz cx="6797675" cy="9926638"/>
   <p:embeddedFontLst>
     <p:embeddedFont>
       <p:font typeface="Abadi" panose="020B0604020104020204" pitchFamily="34" charset="0"/>
-      <p:regular r:id="rId27"/>
+      <p:regular r:id="rId28"/>
     </p:embeddedFont>
     <p:embeddedFont>
       <p:font typeface="Aharoni" panose="02010803020104030203" pitchFamily="2" charset="-79"/>
-      <p:bold r:id="rId28"/>
+      <p:bold r:id="rId29"/>
     </p:embeddedFont>
     <p:embeddedFont>
       <p:font typeface="Albert Sans" panose="020B0604020202020204" charset="0"/>
-      <p:regular r:id="rId29"/>
-      <p:bold r:id="rId30"/>
-      <p:italic r:id="rId31"/>
-      <p:boldItalic r:id="rId32"/>
+      <p:regular r:id="rId30"/>
+      <p:bold r:id="rId31"/>
+      <p:italic r:id="rId32"/>
+      <p:boldItalic r:id="rId33"/>
     </p:embeddedFont>
     <p:embeddedFont>
       <p:font typeface="Bebas Neue" panose="020B0606020202050201" pitchFamily="34" charset="0"/>
-      <p:regular r:id="rId33"/>
+      <p:regular r:id="rId34"/>
     </p:embeddedFont>
     <p:embeddedFont>
       <p:font typeface="Cambria Math" panose="02040503050406030204" pitchFamily="18" charset="0"/>
-      <p:regular r:id="rId34"/>
+      <p:regular r:id="rId35"/>
     </p:embeddedFont>
     <p:embeddedFont>
       <p:font typeface="Consolas" panose="020B0609020204030204" pitchFamily="49" charset="0"/>
-      <p:regular r:id="rId35"/>
-      <p:bold r:id="rId36"/>
-      <p:italic r:id="rId37"/>
-      <p:boldItalic r:id="rId38"/>
+      <p:regular r:id="rId36"/>
+      <p:bold r:id="rId37"/>
+      <p:italic r:id="rId38"/>
+      <p:boldItalic r:id="rId39"/>
     </p:embeddedFont>
     <p:embeddedFont>
       <p:font typeface="Elsie" panose="020B0604020202020204" charset="0"/>
-      <p:regular r:id="rId39"/>
+      <p:regular r:id="rId40"/>
     </p:embeddedFont>
     <p:embeddedFont>
       <p:font typeface="Poiret One" panose="00000500000000000000" pitchFamily="2" charset="0"/>
-      <p:regular r:id="rId40"/>
+      <p:regular r:id="rId41"/>
     </p:embeddedFont>
   </p:embeddedFontLst>
   <p:defaultTextStyle>
@@ -419,7 +420,7 @@
           <a:p>
             <a:fld id="{1D0AE3D9-6B3F-4004-A10A-C1B28CEBFD42}" type="datetimeFigureOut">
               <a:rPr lang="it-IT" smtClean="0"/>
-              <a:t>02/02/2025</a:t>
+              <a:t>03/02/2025</a:t>
             </a:fld>
             <a:endParaRPr lang="it-IT"/>
           </a:p>
@@ -1061,6 +1062,115 @@
 </p:notes>
 </file>
 
+<file path=ppt/notesSlides/notesSlide10.xml><?xml version="1.0" encoding="utf-8"?>
+<p:notes xmlns:a="http://schemas.openxmlformats.org/drawingml/2006/main" xmlns:r="http://schemas.openxmlformats.org/officeDocument/2006/relationships" xmlns:p="http://schemas.openxmlformats.org/presentationml/2006/main" showMasterSp="0" showMasterPhAnim="0">
+  <p:cSld>
+    <p:spTree>
+      <p:nvGrpSpPr>
+        <p:cNvPr id="1" name="Shape 222"/>
+        <p:cNvGrpSpPr/>
+        <p:nvPr/>
+      </p:nvGrpSpPr>
+      <p:grpSpPr>
+        <a:xfrm>
+          <a:off x="0" y="0"/>
+          <a:ext cx="0" cy="0"/>
+          <a:chOff x="0" y="0"/>
+          <a:chExt cx="0" cy="0"/>
+        </a:xfrm>
+      </p:grpSpPr>
+      <p:sp>
+        <p:nvSpPr>
+          <p:cNvPr id="223" name="Google Shape;223;p:notes"/>
+          <p:cNvSpPr>
+            <a:spLocks noGrp="1" noRot="1" noChangeAspect="1"/>
+          </p:cNvSpPr>
+          <p:nvPr>
+            <p:ph type="sldImg" idx="2"/>
+          </p:nvPr>
+        </p:nvSpPr>
+        <p:spPr>
+          <a:xfrm>
+            <a:off x="90488" y="744538"/>
+            <a:ext cx="6616700" cy="3722687"/>
+          </a:xfrm>
+          <a:custGeom>
+            <a:avLst/>
+            <a:gdLst/>
+            <a:ahLst/>
+            <a:cxnLst/>
+            <a:rect l="l" t="t" r="r" b="b"/>
+            <a:pathLst>
+              <a:path w="120000" h="120000" extrusionOk="0">
+                <a:moveTo>
+                  <a:pt x="0" y="0"/>
+                </a:moveTo>
+                <a:lnTo>
+                  <a:pt x="120000" y="0"/>
+                </a:lnTo>
+                <a:lnTo>
+                  <a:pt x="120000" y="120000"/>
+                </a:lnTo>
+                <a:lnTo>
+                  <a:pt x="0" y="120000"/>
+                </a:lnTo>
+                <a:close/>
+              </a:path>
+            </a:pathLst>
+          </a:custGeom>
+        </p:spPr>
+      </p:sp>
+      <p:sp>
+        <p:nvSpPr>
+          <p:cNvPr id="224" name="Google Shape;224;p:notes"/>
+          <p:cNvSpPr txBox="1">
+            <a:spLocks noGrp="1"/>
+          </p:cNvSpPr>
+          <p:nvPr>
+            <p:ph type="body" idx="1"/>
+          </p:nvPr>
+        </p:nvSpPr>
+        <p:spPr>
+          <a:xfrm>
+            <a:off x="679768" y="4715153"/>
+            <a:ext cx="5438140" cy="4466987"/>
+          </a:xfrm>
+          <a:prstGeom prst="rect">
+            <a:avLst/>
+          </a:prstGeom>
+        </p:spPr>
+        <p:txBody>
+          <a:bodyPr spcFirstLastPara="1" wrap="square" lIns="91425" tIns="91425" rIns="91425" bIns="91425" anchor="t" anchorCtr="0">
+            <a:noAutofit/>
+          </a:bodyPr>
+          <a:lstStyle/>
+          <a:p>
+            <a:pPr marL="0" lvl="0" indent="0" algn="l" rtl="0">
+              <a:spcBef>
+                <a:spcPts val="0"/>
+              </a:spcBef>
+              <a:spcAft>
+                <a:spcPts val="0"/>
+              </a:spcAft>
+              <a:buNone/>
+            </a:pPr>
+            <a:endParaRPr/>
+          </a:p>
+        </p:txBody>
+      </p:sp>
+    </p:spTree>
+    <p:extLst>
+      <p:ext uri="{BB962C8B-B14F-4D97-AF65-F5344CB8AC3E}">
+        <p14:creationId xmlns:p14="http://schemas.microsoft.com/office/powerpoint/2010/main" val="3252110407"/>
+      </p:ext>
+    </p:extLst>
+  </p:cSld>
+  <p:clrMapOvr>
+    <a:masterClrMapping/>
+  </p:clrMapOvr>
+</p:notes>
+</file>
+
 <file path=ppt/notesSlides/notesSlide2.xml><?xml version="1.0" encoding="utf-8"?>
 <p:notes xmlns:a="http://schemas.openxmlformats.org/drawingml/2006/main" xmlns:r="http://schemas.openxmlformats.org/officeDocument/2006/relationships" xmlns:p="http://schemas.openxmlformats.org/presentationml/2006/main" showMasterSp="0" showMasterPhAnim="0">
   <p:cSld>
@@ -1445,11 +1555,11 @@
 </file>
 
 <file path=ppt/notesSlides/notesSlide6.xml><?xml version="1.0" encoding="utf-8"?>
-<p:notes xmlns:a="http://schemas.openxmlformats.org/drawingml/2006/main" xmlns:r="http://schemas.openxmlformats.org/officeDocument/2006/relationships" xmlns:p="http://schemas.openxmlformats.org/presentationml/2006/main" showMasterSp="0" showMasterPhAnim="0">
+<p:notes xmlns:a="http://schemas.openxmlformats.org/drawingml/2006/main" xmlns:r="http://schemas.openxmlformats.org/officeDocument/2006/relationships" xmlns:p="http://schemas.openxmlformats.org/presentationml/2006/main">
   <p:cSld>
     <p:spTree>
       <p:nvGrpSpPr>
-        <p:cNvPr id="1" name="Shape 265"/>
+        <p:cNvPr id="1" name=""/>
         <p:cNvGrpSpPr/>
         <p:nvPr/>
       </p:nvGrpSpPr>
@@ -1463,87 +1573,39 @@
       </p:grpSpPr>
       <p:sp>
         <p:nvSpPr>
-          <p:cNvPr id="266" name="Google Shape;266;g278dd1e3212_0_176:notes"/>
+          <p:cNvPr id="2" name="Segnaposto immagine diapositiva 1"/>
           <p:cNvSpPr>
             <a:spLocks noGrp="1" noRot="1" noChangeAspect="1"/>
           </p:cNvSpPr>
           <p:nvPr>
-            <p:ph type="sldImg" idx="2"/>
+            <p:ph type="sldImg"/>
           </p:nvPr>
         </p:nvSpPr>
-        <p:spPr>
-          <a:xfrm>
-            <a:off x="90488" y="744538"/>
-            <a:ext cx="6616700" cy="3722687"/>
-          </a:xfrm>
-          <a:custGeom>
-            <a:avLst/>
-            <a:gdLst/>
-            <a:ahLst/>
-            <a:cxnLst/>
-            <a:rect l="l" t="t" r="r" b="b"/>
-            <a:pathLst>
-              <a:path w="120000" h="120000" extrusionOk="0">
-                <a:moveTo>
-                  <a:pt x="0" y="0"/>
-                </a:moveTo>
-                <a:lnTo>
-                  <a:pt x="120000" y="0"/>
-                </a:lnTo>
-                <a:lnTo>
-                  <a:pt x="120000" y="120000"/>
-                </a:lnTo>
-                <a:lnTo>
-                  <a:pt x="0" y="120000"/>
-                </a:lnTo>
-                <a:close/>
-              </a:path>
-            </a:pathLst>
-          </a:custGeom>
-        </p:spPr>
+        <p:spPr/>
       </p:sp>
       <p:sp>
         <p:nvSpPr>
-          <p:cNvPr id="267" name="Google Shape;267;g278dd1e3212_0_176:notes"/>
-          <p:cNvSpPr txBox="1">
+          <p:cNvPr id="3" name="Segnaposto note 2"/>
+          <p:cNvSpPr>
             <a:spLocks noGrp="1"/>
           </p:cNvSpPr>
           <p:nvPr>
             <p:ph type="body" idx="1"/>
           </p:nvPr>
         </p:nvSpPr>
-        <p:spPr>
-          <a:xfrm>
-            <a:off x="679768" y="4715153"/>
-            <a:ext cx="5438140" cy="4466987"/>
-          </a:xfrm>
-          <a:prstGeom prst="rect">
-            <a:avLst/>
-          </a:prstGeom>
-        </p:spPr>
+        <p:spPr/>
         <p:txBody>
-          <a:bodyPr spcFirstLastPara="1" wrap="square" lIns="91425" tIns="91425" rIns="91425" bIns="91425" anchor="t" anchorCtr="0">
-            <a:noAutofit/>
-          </a:bodyPr>
+          <a:bodyPr/>
           <a:lstStyle/>
           <a:p>
-            <a:pPr marL="0" lvl="0" indent="0" algn="l" rtl="0">
-              <a:spcBef>
-                <a:spcPts val="0"/>
-              </a:spcBef>
-              <a:spcAft>
-                <a:spcPts val="0"/>
-              </a:spcAft>
-              <a:buNone/>
-            </a:pPr>
-            <a:endParaRPr/>
+            <a:endParaRPr lang="it-IT" dirty="0"/>
           </a:p>
         </p:txBody>
       </p:sp>
     </p:spTree>
     <p:extLst>
       <p:ext uri="{BB962C8B-B14F-4D97-AF65-F5344CB8AC3E}">
-        <p14:creationId xmlns:p14="http://schemas.microsoft.com/office/powerpoint/2010/main" val="4188111929"/>
+        <p14:creationId xmlns:p14="http://schemas.microsoft.com/office/powerpoint/2010/main" val="2005471010"/>
       </p:ext>
     </p:extLst>
   </p:cSld>
@@ -1650,6 +1712,11 @@
         </p:txBody>
       </p:sp>
     </p:spTree>
+    <p:extLst>
+      <p:ext uri="{BB962C8B-B14F-4D97-AF65-F5344CB8AC3E}">
+        <p14:creationId xmlns:p14="http://schemas.microsoft.com/office/powerpoint/2010/main" val="4188111929"/>
+      </p:ext>
+    </p:extLst>
   </p:cSld>
   <p:clrMapOvr>
     <a:masterClrMapping/>
@@ -1658,6 +1725,110 @@
 </file>
 
 <file path=ppt/notesSlides/notesSlide8.xml><?xml version="1.0" encoding="utf-8"?>
+<p:notes xmlns:a="http://schemas.openxmlformats.org/drawingml/2006/main" xmlns:r="http://schemas.openxmlformats.org/officeDocument/2006/relationships" xmlns:p="http://schemas.openxmlformats.org/presentationml/2006/main" showMasterSp="0" showMasterPhAnim="0">
+  <p:cSld>
+    <p:spTree>
+      <p:nvGrpSpPr>
+        <p:cNvPr id="1" name="Shape 265"/>
+        <p:cNvGrpSpPr/>
+        <p:nvPr/>
+      </p:nvGrpSpPr>
+      <p:grpSpPr>
+        <a:xfrm>
+          <a:off x="0" y="0"/>
+          <a:ext cx="0" cy="0"/>
+          <a:chOff x="0" y="0"/>
+          <a:chExt cx="0" cy="0"/>
+        </a:xfrm>
+      </p:grpSpPr>
+      <p:sp>
+        <p:nvSpPr>
+          <p:cNvPr id="266" name="Google Shape;266;g278dd1e3212_0_176:notes"/>
+          <p:cNvSpPr>
+            <a:spLocks noGrp="1" noRot="1" noChangeAspect="1"/>
+          </p:cNvSpPr>
+          <p:nvPr>
+            <p:ph type="sldImg" idx="2"/>
+          </p:nvPr>
+        </p:nvSpPr>
+        <p:spPr>
+          <a:xfrm>
+            <a:off x="90488" y="744538"/>
+            <a:ext cx="6616700" cy="3722687"/>
+          </a:xfrm>
+          <a:custGeom>
+            <a:avLst/>
+            <a:gdLst/>
+            <a:ahLst/>
+            <a:cxnLst/>
+            <a:rect l="l" t="t" r="r" b="b"/>
+            <a:pathLst>
+              <a:path w="120000" h="120000" extrusionOk="0">
+                <a:moveTo>
+                  <a:pt x="0" y="0"/>
+                </a:moveTo>
+                <a:lnTo>
+                  <a:pt x="120000" y="0"/>
+                </a:lnTo>
+                <a:lnTo>
+                  <a:pt x="120000" y="120000"/>
+                </a:lnTo>
+                <a:lnTo>
+                  <a:pt x="0" y="120000"/>
+                </a:lnTo>
+                <a:close/>
+              </a:path>
+            </a:pathLst>
+          </a:custGeom>
+        </p:spPr>
+      </p:sp>
+      <p:sp>
+        <p:nvSpPr>
+          <p:cNvPr id="267" name="Google Shape;267;g278dd1e3212_0_176:notes"/>
+          <p:cNvSpPr txBox="1">
+            <a:spLocks noGrp="1"/>
+          </p:cNvSpPr>
+          <p:nvPr>
+            <p:ph type="body" idx="1"/>
+          </p:nvPr>
+        </p:nvSpPr>
+        <p:spPr>
+          <a:xfrm>
+            <a:off x="679768" y="4715153"/>
+            <a:ext cx="5438140" cy="4466987"/>
+          </a:xfrm>
+          <a:prstGeom prst="rect">
+            <a:avLst/>
+          </a:prstGeom>
+        </p:spPr>
+        <p:txBody>
+          <a:bodyPr spcFirstLastPara="1" wrap="square" lIns="91425" tIns="91425" rIns="91425" bIns="91425" anchor="t" anchorCtr="0">
+            <a:noAutofit/>
+          </a:bodyPr>
+          <a:lstStyle/>
+          <a:p>
+            <a:pPr marL="0" lvl="0" indent="0" algn="l" rtl="0">
+              <a:spcBef>
+                <a:spcPts val="0"/>
+              </a:spcBef>
+              <a:spcAft>
+                <a:spcPts val="0"/>
+              </a:spcAft>
+              <a:buNone/>
+            </a:pPr>
+            <a:endParaRPr/>
+          </a:p>
+        </p:txBody>
+      </p:sp>
+    </p:spTree>
+  </p:cSld>
+  <p:clrMapOvr>
+    <a:masterClrMapping/>
+  </p:clrMapOvr>
+</p:notes>
+</file>
+
+<file path=ppt/notesSlides/notesSlide9.xml><?xml version="1.0" encoding="utf-8"?>
 <p:notes xmlns:a="http://schemas.openxmlformats.org/drawingml/2006/main" xmlns:r="http://schemas.openxmlformats.org/officeDocument/2006/relationships" xmlns:p="http://schemas.openxmlformats.org/presentationml/2006/main" showMasterSp="0" showMasterPhAnim="0">
   <p:cSld>
     <p:spTree>
@@ -10655,8 +10826,8 @@
           </a:p>
         </p:txBody>
       </p:sp>
-      <mc:AlternateContent xmlns:mc="http://schemas.openxmlformats.org/markup-compatibility/2006" xmlns:a14="http://schemas.microsoft.com/office/drawing/2010/main">
-        <mc:Choice Requires="a14">
+      <mc:AlternateContent xmlns:mc="http://schemas.openxmlformats.org/markup-compatibility/2006">
+        <mc:Choice xmlns:a14="http://schemas.microsoft.com/office/drawing/2010/main" Requires="a14">
           <p:sp>
             <p:nvSpPr>
               <p:cNvPr id="5" name="CasellaDiTesto 4">
@@ -10672,7 +10843,7 @@
             <p:spPr>
               <a:xfrm>
                 <a:off x="473120" y="707043"/>
-                <a:ext cx="8197760" cy="4401205"/>
+                <a:ext cx="8197760" cy="4616648"/>
               </a:xfrm>
               <a:prstGeom prst="rect">
                 <a:avLst/>
@@ -11378,7 +11549,31 @@
                     </a:solidFill>
                     <a:latin typeface="Abadi" panose="020B0604020104020204" pitchFamily="34" charset="0"/>
                   </a:rPr>
-                  <a:t>Successivamente vengono aggiornate le energie delle particelle di sciame con i nuovi valori aggiunti in </a:t>
+                  <a:t>Successivamente vengono aggiornate le energie delle particelle di </a:t>
+                </a:r>
+                <a:r>
+                  <a:rPr lang="it-IT" dirty="0">
+                    <a:solidFill>
+                      <a:schemeClr val="tx2">
+                        <a:lumMod val="75000"/>
+                        <a:lumOff val="25000"/>
+                      </a:schemeClr>
+                    </a:solidFill>
+                    <a:latin typeface="Consolas" panose="020B0609020204030204" pitchFamily="49" charset="0"/>
+                  </a:rPr>
+                  <a:t>sciame</a:t>
+                </a:r>
+                <a:r>
+                  <a:rPr lang="it-IT" dirty="0">
+                    <a:solidFill>
+                      <a:schemeClr val="tx2">
+                        <a:lumMod val="75000"/>
+                        <a:lumOff val="25000"/>
+                      </a:schemeClr>
+                    </a:solidFill>
+                    <a:latin typeface="Abadi" panose="020B0604020104020204" pitchFamily="34" charset="0"/>
+                  </a:rPr>
+                  <a:t> con i nuovi valori aggiunti in </a:t>
                 </a:r>
                 <a:r>
                   <a:rPr lang="it-IT" dirty="0" err="1">
@@ -11450,7 +11645,55 @@
                     </a:solidFill>
                     <a:latin typeface="Abadi" panose="020B0604020104020204" pitchFamily="34" charset="0"/>
                   </a:rPr>
-                  <a:t>Si eliminano dallo sciame le particelle aventi energia pari a 0.</a:t>
+                  <a:t>Si eliminano dallo sciame le particelle aventi energia pari a 0 con </a:t>
+                </a:r>
+                <a:r>
+                  <a:rPr lang="it-IT" dirty="0" err="1">
+                    <a:solidFill>
+                      <a:schemeClr val="tx2">
+                        <a:lumMod val="75000"/>
+                        <a:lumOff val="25000"/>
+                      </a:schemeClr>
+                    </a:solidFill>
+                    <a:latin typeface="Consolas" panose="020B0609020204030204" pitchFamily="49" charset="0"/>
+                  </a:rPr>
+                  <a:t>sciame.drop</a:t>
+                </a:r>
+                <a:r>
+                  <a:rPr lang="it-IT" dirty="0">
+                    <a:solidFill>
+                      <a:schemeClr val="tx2">
+                        <a:lumMod val="75000"/>
+                        <a:lumOff val="25000"/>
+                      </a:schemeClr>
+                    </a:solidFill>
+                    <a:latin typeface="Consolas" panose="020B0609020204030204" pitchFamily="49" charset="0"/>
+                  </a:rPr>
+                  <a:t>(sciame[sciame['energia'] == 0].index, </a:t>
+                </a:r>
+                <a:r>
+                  <a:rPr lang="it-IT" dirty="0" err="1">
+                    <a:solidFill>
+                      <a:schemeClr val="tx2">
+                        <a:lumMod val="75000"/>
+                        <a:lumOff val="25000"/>
+                      </a:schemeClr>
+                    </a:solidFill>
+                    <a:latin typeface="Consolas" panose="020B0609020204030204" pitchFamily="49" charset="0"/>
+                  </a:rPr>
+                  <a:t>inplace</a:t>
+                </a:r>
+                <a:r>
+                  <a:rPr lang="it-IT" dirty="0">
+                    <a:solidFill>
+                      <a:schemeClr val="tx2">
+                        <a:lumMod val="75000"/>
+                        <a:lumOff val="25000"/>
+                      </a:schemeClr>
+                    </a:solidFill>
+                    <a:latin typeface="Consolas" panose="020B0609020204030204" pitchFamily="49" charset="0"/>
+                  </a:rPr>
+                  <a:t>=True)</a:t>
                 </a:r>
               </a:p>
               <a:p>
@@ -11838,7 +12081,7 @@
             </p:txBody>
           </p:sp>
         </mc:Choice>
-        <mc:Fallback xmlns="">
+        <mc:Fallback>
           <p:sp>
             <p:nvSpPr>
               <p:cNvPr id="5" name="CasellaDiTesto 4">
@@ -11856,7 +12099,7 @@
             <p:spPr>
               <a:xfrm>
                 <a:off x="473120" y="707043"/>
-                <a:ext cx="8197760" cy="4401205"/>
+                <a:ext cx="8197760" cy="4616648"/>
               </a:xfrm>
               <a:prstGeom prst="rect">
                 <a:avLst/>
@@ -11864,7 +12107,7 @@
               <a:blipFill>
                 <a:blip r:embed="rId2"/>
                 <a:stretch>
-                  <a:fillRect l="-149"/>
+                  <a:fillRect l="-149" r="-372"/>
                 </a:stretch>
               </a:blipFill>
             </p:spPr>
@@ -12832,8 +13075,8 @@
           </p:sp>
         </mc:Fallback>
       </mc:AlternateContent>
-      <mc:AlternateContent xmlns:mc="http://schemas.openxmlformats.org/markup-compatibility/2006" xmlns:a14="http://schemas.microsoft.com/office/drawing/2010/main">
-        <mc:Choice Requires="a14">
+      <mc:AlternateContent xmlns:mc="http://schemas.openxmlformats.org/markup-compatibility/2006">
+        <mc:Choice xmlns:a14="http://schemas.microsoft.com/office/drawing/2010/main" Requires="a14">
           <p:sp>
             <p:nvSpPr>
               <p:cNvPr id="5" name="CasellaDiTesto 4">
@@ -12849,7 +13092,7 @@
             <p:spPr>
               <a:xfrm>
                 <a:off x="436880" y="2236262"/>
-                <a:ext cx="8493760" cy="2462213"/>
+                <a:ext cx="8493760" cy="2893100"/>
               </a:xfrm>
               <a:prstGeom prst="rect">
                 <a:avLst/>
@@ -12882,7 +13125,43 @@
                     </a:solidFill>
                     <a:latin typeface="Abadi" panose="020B0604020104020204" pitchFamily="34" charset="0"/>
                   </a:rPr>
-                  <a:t>Si rappresenta, tramite un istogramma e uno </a:t>
+                  <a:t>Si rappresenta, tramite </a:t>
+                </a:r>
+                <a:r>
+                  <a:rPr lang="it-IT" dirty="0">
+                    <a:solidFill>
+                      <a:schemeClr val="tx2">
+                        <a:lumMod val="75000"/>
+                        <a:lumOff val="25000"/>
+                      </a:schemeClr>
+                    </a:solidFill>
+                    <a:latin typeface="Consolas" panose="020B0609020204030204" pitchFamily="49" charset="0"/>
+                  </a:rPr>
+                  <a:t>un istogramma</a:t>
+                </a:r>
+                <a:r>
+                  <a:rPr lang="it-IT" dirty="0">
+                    <a:solidFill>
+                      <a:schemeClr val="tx2">
+                        <a:lumMod val="75000"/>
+                        <a:lumOff val="25000"/>
+                      </a:schemeClr>
+                    </a:solidFill>
+                    <a:latin typeface="Abadi" panose="020B0604020104020204" pitchFamily="34" charset="0"/>
+                  </a:rPr>
+                  <a:t> e </a:t>
+                </a:r>
+                <a:r>
+                  <a:rPr lang="it-IT" dirty="0">
+                    <a:solidFill>
+                      <a:schemeClr val="tx2">
+                        <a:lumMod val="75000"/>
+                        <a:lumOff val="25000"/>
+                      </a:schemeClr>
+                    </a:solidFill>
+                    <a:latin typeface="Consolas" panose="020B0609020204030204" pitchFamily="49" charset="0"/>
+                  </a:rPr>
+                  <a:t>uno </a:t>
                 </a:r>
                 <a:r>
                   <a:rPr lang="it-IT" dirty="0" err="1">
@@ -12892,21 +13171,33 @@
                         <a:lumOff val="25000"/>
                       </a:schemeClr>
                     </a:solidFill>
+                    <a:latin typeface="Consolas" panose="020B0609020204030204" pitchFamily="49" charset="0"/>
+                  </a:rPr>
+                  <a:t>scatter</a:t>
+                </a:r>
+                <a:r>
+                  <a:rPr lang="it-IT" dirty="0">
+                    <a:solidFill>
+                      <a:schemeClr val="tx2">
+                        <a:lumMod val="75000"/>
+                        <a:lumOff val="25000"/>
+                      </a:schemeClr>
+                    </a:solidFill>
+                    <a:latin typeface="Consolas" panose="020B0609020204030204" pitchFamily="49" charset="0"/>
+                  </a:rPr>
+                  <a:t> plot</a:t>
+                </a:r>
+                <a:r>
+                  <a:rPr lang="it-IT" dirty="0">
+                    <a:solidFill>
+                      <a:schemeClr val="tx2">
+                        <a:lumMod val="75000"/>
+                        <a:lumOff val="25000"/>
+                      </a:schemeClr>
+                    </a:solidFill>
                     <a:latin typeface="Abadi" panose="020B0604020104020204" pitchFamily="34" charset="0"/>
                   </a:rPr>
-                  <a:t>scatter</a:t>
-                </a:r>
-                <a:r>
-                  <a:rPr lang="it-IT" dirty="0">
-                    <a:solidFill>
-                      <a:schemeClr val="tx2">
-                        <a:lumMod val="75000"/>
-                        <a:lumOff val="25000"/>
-                      </a:schemeClr>
-                    </a:solidFill>
-                    <a:latin typeface="Abadi" panose="020B0604020104020204" pitchFamily="34" charset="0"/>
-                  </a:rPr>
-                  <a:t> plot, il numero medio di particelle rivelate in funzione di E per 4 valori diversi di </a:t>
+                  <a:t>, il numero medio di particelle rivelate in funzione di E per 4 valori diversi di </a:t>
                 </a:r>
                 <a14:m>
                   <m:oMath xmlns:m="http://schemas.openxmlformats.org/officeDocument/2006/math">
@@ -13373,15 +13664,114 @@
                     </m:r>
                   </m:oMath>
                 </a14:m>
-                <a:endParaRPr lang="it-IT" dirty="0">
-                  <a:solidFill>
-                    <a:schemeClr val="tx2">
-                      <a:lumMod val="75000"/>
-                      <a:lumOff val="25000"/>
-                    </a:schemeClr>
-                  </a:solidFill>
-                  <a:latin typeface="Abadi" panose="020B0604020104020204" pitchFamily="34" charset="0"/>
-                </a:endParaRPr>
+                <a:r>
+                  <a:rPr lang="it-IT" dirty="0">
+                    <a:solidFill>
+                      <a:schemeClr val="tx2">
+                        <a:lumMod val="75000"/>
+                        <a:lumOff val="25000"/>
+                      </a:schemeClr>
+                    </a:solidFill>
+                    <a:latin typeface="Abadi" panose="020B0604020104020204" pitchFamily="34" charset="0"/>
+                  </a:rPr>
+                  <a:t>: </a:t>
+                </a:r>
+                <a:r>
+                  <a:rPr lang="it-IT" dirty="0" err="1">
+                    <a:solidFill>
+                      <a:schemeClr val="tx2">
+                        <a:lumMod val="75000"/>
+                        <a:lumOff val="25000"/>
+                      </a:schemeClr>
+                    </a:solidFill>
+                    <a:latin typeface="Consolas" panose="020B0609020204030204" pitchFamily="49" charset="0"/>
+                  </a:rPr>
+                  <a:t>df_risultati</a:t>
+                </a:r>
+                <a:r>
+                  <a:rPr lang="it-IT" dirty="0">
+                    <a:solidFill>
+                      <a:schemeClr val="tx2">
+                        <a:lumMod val="75000"/>
+                        <a:lumOff val="25000"/>
+                      </a:schemeClr>
+                    </a:solidFill>
+                    <a:latin typeface="Consolas" panose="020B0609020204030204" pitchFamily="49" charset="0"/>
+                  </a:rPr>
+                  <a:t> = </a:t>
+                </a:r>
+                <a:r>
+                  <a:rPr lang="it-IT" dirty="0" err="1">
+                    <a:solidFill>
+                      <a:schemeClr val="tx2">
+                        <a:lumMod val="75000"/>
+                        <a:lumOff val="25000"/>
+                      </a:schemeClr>
+                    </a:solidFill>
+                    <a:latin typeface="Consolas" panose="020B0609020204030204" pitchFamily="49" charset="0"/>
+                  </a:rPr>
+                  <a:t>pd.DataFrame</a:t>
+                </a:r>
+                <a:r>
+                  <a:rPr lang="it-IT" dirty="0">
+                    <a:solidFill>
+                      <a:schemeClr val="tx2">
+                        <a:lumMod val="75000"/>
+                        <a:lumOff val="25000"/>
+                      </a:schemeClr>
+                    </a:solidFill>
+                    <a:latin typeface="Consolas" panose="020B0609020204030204" pitchFamily="49" charset="0"/>
+                  </a:rPr>
+                  <a:t>(index=</a:t>
+                </a:r>
+                <a:r>
+                  <a:rPr lang="it-IT" dirty="0" err="1">
+                    <a:solidFill>
+                      <a:schemeClr val="tx2">
+                        <a:lumMod val="75000"/>
+                        <a:lumOff val="25000"/>
+                      </a:schemeClr>
+                    </a:solidFill>
+                    <a:latin typeface="Consolas" panose="020B0609020204030204" pitchFamily="49" charset="0"/>
+                  </a:rPr>
+                  <a:t>pd.MultiIndex.from_product</a:t>
+                </a:r>
+                <a:r>
+                  <a:rPr lang="it-IT" dirty="0">
+                    <a:solidFill>
+                      <a:schemeClr val="tx2">
+                        <a:lumMod val="75000"/>
+                        <a:lumOff val="25000"/>
+                      </a:schemeClr>
+                    </a:solidFill>
+                    <a:latin typeface="Consolas" panose="020B0609020204030204" pitchFamily="49" charset="0"/>
+                  </a:rPr>
+                  <a:t>([energie, angoli], names=['energia', 'angolo'])).</a:t>
+                </a:r>
+                <a:r>
+                  <a:rPr lang="it-IT" dirty="0" err="1">
+                    <a:solidFill>
+                      <a:schemeClr val="tx2">
+                        <a:lumMod val="75000"/>
+                        <a:lumOff val="25000"/>
+                      </a:schemeClr>
+                    </a:solidFill>
+                    <a:latin typeface="Consolas" panose="020B0609020204030204" pitchFamily="49" charset="0"/>
+                  </a:rPr>
+                  <a:t>reset_index</a:t>
+                </a:r>
+                <a:r>
+                  <a:rPr lang="it-IT" dirty="0">
+                    <a:solidFill>
+                      <a:schemeClr val="tx2">
+                        <a:lumMod val="75000"/>
+                        <a:lumOff val="25000"/>
+                      </a:schemeClr>
+                    </a:solidFill>
+                    <a:latin typeface="Consolas" panose="020B0609020204030204" pitchFamily="49" charset="0"/>
+                  </a:rPr>
+                  <a:t>()</a:t>
+                </a:r>
               </a:p>
               <a:p>
                 <a:pPr marL="609600" lvl="1" algn="l">
@@ -13424,7 +13814,7 @@
             </p:txBody>
           </p:sp>
         </mc:Choice>
-        <mc:Fallback xmlns="">
+        <mc:Fallback>
           <p:sp>
             <p:nvSpPr>
               <p:cNvPr id="5" name="CasellaDiTesto 4">
@@ -13442,7 +13832,7 @@
             <p:spPr>
               <a:xfrm>
                 <a:off x="436880" y="2236262"/>
-                <a:ext cx="8493760" cy="2462213"/>
+                <a:ext cx="8493760" cy="2893100"/>
               </a:xfrm>
               <a:prstGeom prst="rect">
                 <a:avLst/>
@@ -13450,7 +13840,7 @@
               <a:blipFill>
                 <a:blip r:embed="rId3"/>
                 <a:stretch>
-                  <a:fillRect l="-144" t="-743"/>
+                  <a:fillRect l="-144" t="-633" r="-72"/>
                 </a:stretch>
               </a:blipFill>
             </p:spPr>
@@ -13788,7 +14178,7 @@
             <p:spPr>
               <a:xfrm>
                 <a:off x="325120" y="1159045"/>
-                <a:ext cx="8493760" cy="3539430"/>
+                <a:ext cx="8493760" cy="3754874"/>
               </a:xfrm>
               <a:prstGeom prst="rect">
                 <a:avLst/>
@@ -14273,7 +14663,7 @@
                     <a:cs typeface="Arial"/>
                     <a:sym typeface="Arial"/>
                   </a:rPr>
-                  <a:t>i rappresentano tramite degli </a:t>
+                  <a:t>i rappresentano tramite </a:t>
                 </a:r>
                 <a:r>
                   <a:rPr kumimoji="0" lang="it-IT" sz="1400" b="0" i="0" u="none" strike="noStrike" kern="0" cap="none" spc="0" normalizeH="0" baseline="0" noProof="0" dirty="0">
@@ -14281,16 +14671,34 @@
                       <a:noFill/>
                     </a:ln>
                     <a:solidFill>
-                      <a:schemeClr val="tx2">
-                        <a:lumMod val="75000"/>
-                        <a:lumOff val="25000"/>
-                      </a:schemeClr>
+                      <a:srgbClr val="0C343D">
+                        <a:lumMod val="75000"/>
+                        <a:lumOff val="25000"/>
+                      </a:srgbClr>
                     </a:solidFill>
                     <a:effectLst/>
                     <a:uLnTx/>
                     <a:uFillTx/>
-                    <a:latin typeface="Abadi" panose="020B0604020104020204" pitchFamily="34" charset="0"/>
-                    <a:cs typeface="Arial"/>
+                    <a:latin typeface="Consolas" panose="020B0609020204030204" pitchFamily="49" charset="0"/>
+                    <a:sym typeface="Arial"/>
+                  </a:rPr>
+                  <a:t>degli </a:t>
+                </a:r>
+                <a:r>
+                  <a:rPr kumimoji="0" lang="it-IT" sz="1400" b="0" i="0" u="none" strike="noStrike" kern="0" cap="none" spc="0" normalizeH="0" baseline="0" noProof="0" dirty="0">
+                    <a:ln>
+                      <a:noFill/>
+                    </a:ln>
+                    <a:solidFill>
+                      <a:schemeClr val="tx2">
+                        <a:lumMod val="75000"/>
+                        <a:lumOff val="25000"/>
+                      </a:schemeClr>
+                    </a:solidFill>
+                    <a:effectLst/>
+                    <a:uLnTx/>
+                    <a:uFillTx/>
+                    <a:latin typeface="Consolas" panose="020B0609020204030204" pitchFamily="49" charset="0"/>
                     <a:sym typeface="Arial"/>
                     <a:hlinkClick r:id="rId2" action="ppaction://hlinksldjump">
                       <a:extLst>
@@ -14316,11 +14724,30 @@
                     <a:effectLst/>
                     <a:uLnTx/>
                     <a:uFillTx/>
+                    <a:latin typeface="Consolas" panose="020B0609020204030204" pitchFamily="49" charset="0"/>
+                    <a:sym typeface="Arial"/>
+                  </a:rPr>
+                  <a:t> </a:t>
+                </a:r>
+                <a:r>
+                  <a:rPr kumimoji="0" lang="it-IT" sz="1400" b="0" i="0" u="none" strike="noStrike" kern="0" cap="none" spc="0" normalizeH="0" baseline="0" noProof="0" dirty="0">
+                    <a:ln>
+                      <a:noFill/>
+                    </a:ln>
+                    <a:solidFill>
+                      <a:srgbClr val="0C343D">
+                        <a:lumMod val="75000"/>
+                        <a:lumOff val="25000"/>
+                      </a:srgbClr>
+                    </a:solidFill>
+                    <a:effectLst/>
+                    <a:uLnTx/>
+                    <a:uFillTx/>
                     <a:latin typeface="Abadi" panose="020B0604020104020204" pitchFamily="34" charset="0"/>
                     <a:cs typeface="Arial"/>
                     <a:sym typeface="Arial"/>
                   </a:rPr>
-                  <a:t> il numero di particelle rivelate per </a:t>
+                  <a:t>il numero di particelle rivelate per </a:t>
                 </a:r>
                 <a:r>
                   <a:rPr kumimoji="0" lang="it-IT" sz="1400" b="0" i="0" u="none" strike="noStrike" kern="0" cap="none" spc="0" normalizeH="0" baseline="0" noProof="0" dirty="0" err="1">
@@ -14550,9 +14977,21 @@
                         <a:lumOff val="25000"/>
                       </a:srgbClr>
                     </a:solidFill>
+                    <a:latin typeface="Consolas" panose="020B0609020204030204" pitchFamily="49" charset="0"/>
+                  </a:rPr>
+                  <a:t>un istogramma 3D </a:t>
+                </a:r>
+                <a:r>
+                  <a:rPr lang="it-IT" dirty="0">
+                    <a:solidFill>
+                      <a:srgbClr val="0C343D">
+                        <a:lumMod val="75000"/>
+                        <a:lumOff val="25000"/>
+                      </a:srgbClr>
+                    </a:solidFill>
                     <a:latin typeface="Abadi" panose="020B0604020104020204" pitchFamily="34" charset="0"/>
                   </a:rPr>
-                  <a:t>un istogramma 3D avente sull’asse x i valori di E,  sull’asse y i 4 valori di </a:t>
+                  <a:t>avente sull’asse x i valori di E,  sull’asse y i 4 valori di </a:t>
                 </a:r>
                 <a14:m>
                   <m:oMath xmlns:m="http://schemas.openxmlformats.org/officeDocument/2006/math">
@@ -14604,33 +15043,45 @@
                         <a:lumOff val="25000"/>
                       </a:srgbClr>
                     </a:solidFill>
+                    <a:latin typeface="Consolas" panose="020B0609020204030204" pitchFamily="49" charset="0"/>
+                  </a:rPr>
+                  <a:t>uno </a:t>
+                </a:r>
+                <a:r>
+                  <a:rPr lang="it-IT" dirty="0" err="1">
+                    <a:solidFill>
+                      <a:srgbClr val="0C343D">
+                        <a:lumMod val="75000"/>
+                        <a:lumOff val="25000"/>
+                      </a:srgbClr>
+                    </a:solidFill>
+                    <a:latin typeface="Consolas" panose="020B0609020204030204" pitchFamily="49" charset="0"/>
+                  </a:rPr>
+                  <a:t>scatter</a:t>
+                </a:r>
+                <a:r>
+                  <a:rPr lang="it-IT" dirty="0">
+                    <a:solidFill>
+                      <a:srgbClr val="0C343D">
+                        <a:lumMod val="75000"/>
+                        <a:lumOff val="25000"/>
+                      </a:srgbClr>
+                    </a:solidFill>
+                    <a:latin typeface="Consolas" panose="020B0609020204030204" pitchFamily="49" charset="0"/>
+                  </a:rPr>
+                  <a:t> plot </a:t>
+                </a:r>
+                <a:r>
+                  <a:rPr lang="it-IT" dirty="0">
+                    <a:solidFill>
+                      <a:srgbClr val="0C343D">
+                        <a:lumMod val="75000"/>
+                        <a:lumOff val="25000"/>
+                      </a:srgbClr>
+                    </a:solidFill>
                     <a:latin typeface="Abadi" panose="020B0604020104020204" pitchFamily="34" charset="0"/>
                   </a:rPr>
-                  <a:t>uno </a:t>
-                </a:r>
-                <a:r>
-                  <a:rPr lang="it-IT" dirty="0" err="1">
-                    <a:solidFill>
-                      <a:srgbClr val="0C343D">
-                        <a:lumMod val="75000"/>
-                        <a:lumOff val="25000"/>
-                      </a:srgbClr>
-                    </a:solidFill>
-                    <a:latin typeface="Abadi" panose="020B0604020104020204" pitchFamily="34" charset="0"/>
-                  </a:rPr>
-                  <a:t>scatter</a:t>
-                </a:r>
-                <a:r>
-                  <a:rPr lang="it-IT" dirty="0">
-                    <a:solidFill>
-                      <a:srgbClr val="0C343D">
-                        <a:lumMod val="75000"/>
-                        <a:lumOff val="25000"/>
-                      </a:srgbClr>
-                    </a:solidFill>
-                    <a:latin typeface="Abadi" panose="020B0604020104020204" pitchFamily="34" charset="0"/>
-                  </a:rPr>
-                  <a:t> plot avente sull’asse x i valori di E , sull’asse y il numero medio di particelle rivelate per ognuno dei 4 </a:t>
+                  <a:t>avente sull’asse x i valori di E , sull’asse y il numero medio di particelle rivelate per ognuno dei 4 </a:t>
                 </a:r>
                 <a14:m>
                   <m:oMath xmlns:m="http://schemas.openxmlformats.org/officeDocument/2006/math">
@@ -14672,7 +15123,19 @@
                     </a:solidFill>
                     <a:latin typeface="Abadi" panose="020B0604020104020204" pitchFamily="34" charset="0"/>
                   </a:rPr>
-                  <a:t>considerati. Nello </a:t>
+                  <a:t>considerati. </a:t>
+                </a:r>
+                <a:r>
+                  <a:rPr lang="it-IT" dirty="0">
+                    <a:solidFill>
+                      <a:srgbClr val="0C343D">
+                        <a:lumMod val="75000"/>
+                        <a:lumOff val="25000"/>
+                      </a:srgbClr>
+                    </a:solidFill>
+                    <a:latin typeface="Consolas" panose="020B0609020204030204" pitchFamily="49" charset="0"/>
+                  </a:rPr>
+                  <a:t>Nello </a:t>
                 </a:r>
                 <a:r>
                   <a:rPr lang="it-IT" dirty="0" err="1">
@@ -14682,21 +15145,33 @@
                         <a:lumOff val="25000"/>
                       </a:srgbClr>
                     </a:solidFill>
+                    <a:latin typeface="Consolas" panose="020B0609020204030204" pitchFamily="49" charset="0"/>
+                  </a:rPr>
+                  <a:t>scatter</a:t>
+                </a:r>
+                <a:r>
+                  <a:rPr lang="it-IT" dirty="0">
+                    <a:solidFill>
+                      <a:srgbClr val="0C343D">
+                        <a:lumMod val="75000"/>
+                        <a:lumOff val="25000"/>
+                      </a:srgbClr>
+                    </a:solidFill>
+                    <a:latin typeface="Consolas" panose="020B0609020204030204" pitchFamily="49" charset="0"/>
+                  </a:rPr>
+                  <a:t> plot </a:t>
+                </a:r>
+                <a:r>
+                  <a:rPr lang="it-IT" dirty="0">
+                    <a:solidFill>
+                      <a:srgbClr val="0C343D">
+                        <a:lumMod val="75000"/>
+                        <a:lumOff val="25000"/>
+                      </a:srgbClr>
+                    </a:solidFill>
                     <a:latin typeface="Abadi" panose="020B0604020104020204" pitchFamily="34" charset="0"/>
                   </a:rPr>
-                  <a:t>scatter</a:t>
-                </a:r>
-                <a:r>
-                  <a:rPr lang="it-IT" dirty="0">
-                    <a:solidFill>
-                      <a:srgbClr val="0C343D">
-                        <a:lumMod val="75000"/>
-                        <a:lumOff val="25000"/>
-                      </a:srgbClr>
-                    </a:solidFill>
-                    <a:latin typeface="Abadi" panose="020B0604020104020204" pitchFamily="34" charset="0"/>
-                  </a:rPr>
-                  <a:t> plot sono riportati anche gli errori associati.</a:t>
+                  <a:t>sono riportati anche gli errori associati.</a:t>
                 </a:r>
                 <a:endParaRPr kumimoji="0" lang="it-IT" sz="1400" b="0" i="0" u="none" strike="noStrike" kern="0" cap="none" spc="0" normalizeH="0" baseline="0" noProof="0" dirty="0">
                   <a:ln>
@@ -14737,7 +15212,7 @@
             <p:spPr>
               <a:xfrm>
                 <a:off x="325120" y="1159045"/>
-                <a:ext cx="8493760" cy="3539430"/>
+                <a:ext cx="8493760" cy="3754874"/>
               </a:xfrm>
               <a:prstGeom prst="rect">
                 <a:avLst/>
@@ -14745,7 +15220,7 @@
               <a:blipFill>
                 <a:blip r:embed="rId3"/>
                 <a:stretch>
-                  <a:fillRect l="-143" t="-516" r="-72" b="-688"/>
+                  <a:fillRect l="-143" t="-487" b="-649"/>
                 </a:stretch>
               </a:blipFill>
             </p:spPr>
@@ -14821,15 +15296,15 @@
           <p:nvPr/>
         </p:nvPicPr>
         <p:blipFill>
-          <a:blip r:embed="rId2"/>
+          <a:blip r:embed="rId3"/>
           <a:stretch>
             <a:fillRect/>
           </a:stretch>
         </p:blipFill>
         <p:spPr>
           <a:xfrm>
-            <a:off x="320452" y="314960"/>
-            <a:ext cx="8503096" cy="4209188"/>
+            <a:off x="291961" y="285572"/>
+            <a:ext cx="8560077" cy="4209188"/>
           </a:xfrm>
           <a:prstGeom prst="rect">
             <a:avLst/>
@@ -14850,7 +15325,7 @@
         </p:nvSpPr>
         <p:spPr>
           <a:xfrm>
-            <a:off x="1137920" y="4524148"/>
+            <a:off x="235211" y="4547396"/>
             <a:ext cx="3637280" cy="307777"/>
           </a:xfrm>
           <a:prstGeom prst="rect">
@@ -14879,6 +15354,49 @@
           </a:p>
         </p:txBody>
       </p:sp>
+      <p:sp>
+        <p:nvSpPr>
+          <p:cNvPr id="5" name="CasellaDiTesto 4">
+            <a:extLst>
+              <a:ext uri="{FF2B5EF4-FFF2-40B4-BE49-F238E27FC236}">
+                <a16:creationId xmlns:a16="http://schemas.microsoft.com/office/drawing/2014/main" id="{F9D98B61-3DB8-4FF8-3A39-8FE78196F09C}"/>
+              </a:ext>
+            </a:extLst>
+          </p:cNvPr>
+          <p:cNvSpPr txBox="1"/>
+          <p:nvPr/>
+        </p:nvSpPr>
+        <p:spPr>
+          <a:xfrm>
+            <a:off x="5060197" y="4254460"/>
+            <a:ext cx="3967566" cy="738664"/>
+          </a:xfrm>
+          <a:prstGeom prst="rect">
+            <a:avLst/>
+          </a:prstGeom>
+          <a:noFill/>
+        </p:spPr>
+        <p:txBody>
+          <a:bodyPr wrap="square" rtlCol="0">
+            <a:spAutoFit/>
+          </a:bodyPr>
+          <a:lstStyle/>
+          <a:p>
+            <a:r>
+              <a:rPr lang="it-IT" dirty="0">
+                <a:solidFill>
+                  <a:schemeClr val="tx2">
+                    <a:lumMod val="75000"/>
+                    <a:lumOff val="25000"/>
+                  </a:schemeClr>
+                </a:solidFill>
+                <a:latin typeface="Abadi" panose="020B0604020104020204" pitchFamily="34" charset="0"/>
+              </a:rPr>
+              <a:t>Si può notare che il numero medio di particelle è massimo per energie elevate e angoli intorno ai 30°</a:t>
+            </a:r>
+          </a:p>
+        </p:txBody>
+      </p:sp>
     </p:spTree>
     <p:extLst>
       <p:ext uri="{BB962C8B-B14F-4D97-AF65-F5344CB8AC3E}">
@@ -14901,6 +15419,138 @@
       </p:transition>
     </mc:Fallback>
   </mc:AlternateContent>
+  <p:timing>
+    <p:tnLst>
+      <p:par>
+        <p:cTn id="1" dur="indefinite" restart="never" nodeType="tmRoot">
+          <p:childTnLst>
+            <p:seq concurrent="1" nextAc="seek">
+              <p:cTn id="2" dur="indefinite" nodeType="mainSeq">
+                <p:childTnLst>
+                  <p:par>
+                    <p:cTn id="3" fill="hold">
+                      <p:stCondLst>
+                        <p:cond delay="indefinite"/>
+                      </p:stCondLst>
+                      <p:childTnLst>
+                        <p:par>
+                          <p:cTn id="4" fill="hold">
+                            <p:stCondLst>
+                              <p:cond delay="0"/>
+                            </p:stCondLst>
+                            <p:childTnLst>
+                              <p:par>
+                                <p:cTn id="5" presetID="42" presetClass="entr" presetSubtype="0" fill="hold" grpId="0" nodeType="clickEffect">
+                                  <p:stCondLst>
+                                    <p:cond delay="0"/>
+                                  </p:stCondLst>
+                                  <p:childTnLst>
+                                    <p:set>
+                                      <p:cBhvr>
+                                        <p:cTn id="6" dur="1" fill="hold">
+                                          <p:stCondLst>
+                                            <p:cond delay="0"/>
+                                          </p:stCondLst>
+                                        </p:cTn>
+                                        <p:tgtEl>
+                                          <p:spTgt spid="5"/>
+                                        </p:tgtEl>
+                                        <p:attrNameLst>
+                                          <p:attrName>style.visibility</p:attrName>
+                                        </p:attrNameLst>
+                                      </p:cBhvr>
+                                      <p:to>
+                                        <p:strVal val="visible"/>
+                                      </p:to>
+                                    </p:set>
+                                    <p:animEffect transition="in" filter="fade">
+                                      <p:cBhvr>
+                                        <p:cTn id="7" dur="1000"/>
+                                        <p:tgtEl>
+                                          <p:spTgt spid="5"/>
+                                        </p:tgtEl>
+                                      </p:cBhvr>
+                                    </p:animEffect>
+                                    <p:anim calcmode="lin" valueType="num">
+                                      <p:cBhvr>
+                                        <p:cTn id="8" dur="1000" fill="hold"/>
+                                        <p:tgtEl>
+                                          <p:spTgt spid="5"/>
+                                        </p:tgtEl>
+                                        <p:attrNameLst>
+                                          <p:attrName>ppt_x</p:attrName>
+                                        </p:attrNameLst>
+                                      </p:cBhvr>
+                                      <p:tavLst>
+                                        <p:tav tm="0">
+                                          <p:val>
+                                            <p:strVal val="#ppt_x"/>
+                                          </p:val>
+                                        </p:tav>
+                                        <p:tav tm="100000">
+                                          <p:val>
+                                            <p:strVal val="#ppt_x"/>
+                                          </p:val>
+                                        </p:tav>
+                                      </p:tavLst>
+                                    </p:anim>
+                                    <p:anim calcmode="lin" valueType="num">
+                                      <p:cBhvr>
+                                        <p:cTn id="9" dur="1000" fill="hold"/>
+                                        <p:tgtEl>
+                                          <p:spTgt spid="5"/>
+                                        </p:tgtEl>
+                                        <p:attrNameLst>
+                                          <p:attrName>ppt_y</p:attrName>
+                                        </p:attrNameLst>
+                                      </p:cBhvr>
+                                      <p:tavLst>
+                                        <p:tav tm="0">
+                                          <p:val>
+                                            <p:strVal val="#ppt_y+.1"/>
+                                          </p:val>
+                                        </p:tav>
+                                        <p:tav tm="100000">
+                                          <p:val>
+                                            <p:strVal val="#ppt_y"/>
+                                          </p:val>
+                                        </p:tav>
+                                      </p:tavLst>
+                                    </p:anim>
+                                  </p:childTnLst>
+                                </p:cTn>
+                              </p:par>
+                            </p:childTnLst>
+                          </p:cTn>
+                        </p:par>
+                      </p:childTnLst>
+                    </p:cTn>
+                  </p:par>
+                </p:childTnLst>
+              </p:cTn>
+              <p:prevCondLst>
+                <p:cond evt="onPrev" delay="0">
+                  <p:tgtEl>
+                    <p:sldTgt/>
+                  </p:tgtEl>
+                </p:cond>
+              </p:prevCondLst>
+              <p:nextCondLst>
+                <p:cond evt="onNext" delay="0">
+                  <p:tgtEl>
+                    <p:sldTgt/>
+                  </p:tgtEl>
+                </p:cond>
+              </p:nextCondLst>
+            </p:seq>
+          </p:childTnLst>
+        </p:cTn>
+      </p:par>
+    </p:tnLst>
+    <p:bldLst>
+      <p:bldP spid="5" grpId="0"/>
+    </p:bldLst>
+  </p:timing>
 </p:sld>
 </file>
 
@@ -15122,8 +15772,8 @@
           </a:p>
         </p:txBody>
       </p:sp>
-      <mc:AlternateContent xmlns:mc="http://schemas.openxmlformats.org/markup-compatibility/2006" xmlns:a14="http://schemas.microsoft.com/office/drawing/2010/main">
-        <mc:Choice Requires="a14">
+      <mc:AlternateContent xmlns:mc="http://schemas.openxmlformats.org/markup-compatibility/2006">
+        <mc:Choice xmlns:a14="http://schemas.microsoft.com/office/drawing/2010/main" Requires="a14">
           <p:sp>
             <p:nvSpPr>
               <p:cNvPr id="5" name="CasellaDiTesto 4">
@@ -15172,7 +15822,43 @@
                     </a:solidFill>
                     <a:latin typeface="Abadi" panose="020B0604020104020204" pitchFamily="34" charset="0"/>
                   </a:rPr>
-                  <a:t>Si rappresenta, tramite un istogramma e uno </a:t>
+                  <a:t>Si rappresenta, tramite </a:t>
+                </a:r>
+                <a:r>
+                  <a:rPr lang="it-IT" dirty="0">
+                    <a:solidFill>
+                      <a:schemeClr val="tx2">
+                        <a:lumMod val="75000"/>
+                        <a:lumOff val="25000"/>
+                      </a:schemeClr>
+                    </a:solidFill>
+                    <a:latin typeface="Consolas" panose="020B0609020204030204" pitchFamily="49" charset="0"/>
+                  </a:rPr>
+                  <a:t>un istogramma </a:t>
+                </a:r>
+                <a:r>
+                  <a:rPr lang="it-IT" dirty="0">
+                    <a:solidFill>
+                      <a:schemeClr val="tx2">
+                        <a:lumMod val="75000"/>
+                        <a:lumOff val="25000"/>
+                      </a:schemeClr>
+                    </a:solidFill>
+                    <a:latin typeface="Abadi" panose="020B0604020104020204" pitchFamily="34" charset="0"/>
+                  </a:rPr>
+                  <a:t>e </a:t>
+                </a:r>
+                <a:r>
+                  <a:rPr lang="it-IT" dirty="0">
+                    <a:solidFill>
+                      <a:schemeClr val="tx2">
+                        <a:lumMod val="75000"/>
+                        <a:lumOff val="25000"/>
+                      </a:schemeClr>
+                    </a:solidFill>
+                    <a:latin typeface="Consolas" panose="020B0609020204030204" pitchFamily="49" charset="0"/>
+                  </a:rPr>
+                  <a:t>uno </a:t>
                 </a:r>
                 <a:r>
                   <a:rPr lang="it-IT" dirty="0" err="1">
@@ -15182,21 +15868,33 @@
                         <a:lumOff val="25000"/>
                       </a:schemeClr>
                     </a:solidFill>
+                    <a:latin typeface="Consolas" panose="020B0609020204030204" pitchFamily="49" charset="0"/>
+                  </a:rPr>
+                  <a:t>scatter</a:t>
+                </a:r>
+                <a:r>
+                  <a:rPr lang="it-IT" dirty="0">
+                    <a:solidFill>
+                      <a:schemeClr val="tx2">
+                        <a:lumMod val="75000"/>
+                        <a:lumOff val="25000"/>
+                      </a:schemeClr>
+                    </a:solidFill>
+                    <a:latin typeface="Consolas" panose="020B0609020204030204" pitchFamily="49" charset="0"/>
+                  </a:rPr>
+                  <a:t> plot</a:t>
+                </a:r>
+                <a:r>
+                  <a:rPr lang="it-IT" dirty="0">
+                    <a:solidFill>
+                      <a:schemeClr val="tx2">
+                        <a:lumMod val="75000"/>
+                        <a:lumOff val="25000"/>
+                      </a:schemeClr>
+                    </a:solidFill>
                     <a:latin typeface="Abadi" panose="020B0604020104020204" pitchFamily="34" charset="0"/>
                   </a:rPr>
-                  <a:t>scatter</a:t>
-                </a:r>
-                <a:r>
-                  <a:rPr lang="it-IT" dirty="0">
-                    <a:solidFill>
-                      <a:schemeClr val="tx2">
-                        <a:lumMod val="75000"/>
-                        <a:lumOff val="25000"/>
-                      </a:schemeClr>
-                    </a:solidFill>
-                    <a:latin typeface="Abadi" panose="020B0604020104020204" pitchFamily="34" charset="0"/>
-                  </a:rPr>
-                  <a:t> plot, il numero medio di particelle rivelate in funzione di </a:t>
+                  <a:t>, il numero medio di particelle rivelate in funzione di </a:t>
                 </a:r>
                 <a14:m>
                   <m:oMath xmlns:m="http://schemas.openxmlformats.org/officeDocument/2006/math">
@@ -15400,9 +16098,21 @@
                         <a:lumOff val="25000"/>
                       </a:schemeClr>
                     </a:solidFill>
+                    <a:latin typeface="Consolas" panose="020B0609020204030204" pitchFamily="49" charset="0"/>
+                  </a:rPr>
+                  <a:t>Un istogramma 3D </a:t>
+                </a:r>
+                <a:r>
+                  <a:rPr lang="it-IT" dirty="0">
+                    <a:solidFill>
+                      <a:schemeClr val="tx2">
+                        <a:lumMod val="75000"/>
+                        <a:lumOff val="25000"/>
+                      </a:schemeClr>
+                    </a:solidFill>
                     <a:latin typeface="Abadi" panose="020B0604020104020204" pitchFamily="34" charset="0"/>
                   </a:rPr>
-                  <a:t>Un istogramma 3D avente sull’asse x i valori di </a:t>
+                  <a:t>avente sull’asse x i valori di </a:t>
                 </a:r>
                 <a14:m>
                   <m:oMath xmlns:m="http://schemas.openxmlformats.org/officeDocument/2006/math">
@@ -15453,33 +16163,45 @@
                         <a:lumOff val="25000"/>
                       </a:schemeClr>
                     </a:solidFill>
+                    <a:latin typeface="Consolas" panose="020B0609020204030204" pitchFamily="49" charset="0"/>
+                  </a:rPr>
+                  <a:t>uno </a:t>
+                </a:r>
+                <a:r>
+                  <a:rPr lang="it-IT" dirty="0" err="1">
+                    <a:solidFill>
+                      <a:schemeClr val="tx2">
+                        <a:lumMod val="75000"/>
+                        <a:lumOff val="25000"/>
+                      </a:schemeClr>
+                    </a:solidFill>
+                    <a:latin typeface="Consolas" panose="020B0609020204030204" pitchFamily="49" charset="0"/>
+                  </a:rPr>
+                  <a:t>scatter</a:t>
+                </a:r>
+                <a:r>
+                  <a:rPr lang="it-IT" dirty="0">
+                    <a:solidFill>
+                      <a:schemeClr val="tx2">
+                        <a:lumMod val="75000"/>
+                        <a:lumOff val="25000"/>
+                      </a:schemeClr>
+                    </a:solidFill>
+                    <a:latin typeface="Consolas" panose="020B0609020204030204" pitchFamily="49" charset="0"/>
+                  </a:rPr>
+                  <a:t> plot </a:t>
+                </a:r>
+                <a:r>
+                  <a:rPr lang="it-IT" dirty="0">
+                    <a:solidFill>
+                      <a:schemeClr val="tx2">
+                        <a:lumMod val="75000"/>
+                        <a:lumOff val="25000"/>
+                      </a:schemeClr>
+                    </a:solidFill>
                     <a:latin typeface="Abadi" panose="020B0604020104020204" pitchFamily="34" charset="0"/>
                   </a:rPr>
-                  <a:t>uno </a:t>
-                </a:r>
-                <a:r>
-                  <a:rPr lang="it-IT" dirty="0" err="1">
-                    <a:solidFill>
-                      <a:schemeClr val="tx2">
-                        <a:lumMod val="75000"/>
-                        <a:lumOff val="25000"/>
-                      </a:schemeClr>
-                    </a:solidFill>
-                    <a:latin typeface="Abadi" panose="020B0604020104020204" pitchFamily="34" charset="0"/>
-                  </a:rPr>
-                  <a:t>scatter</a:t>
-                </a:r>
-                <a:r>
-                  <a:rPr lang="it-IT" dirty="0">
-                    <a:solidFill>
-                      <a:schemeClr val="tx2">
-                        <a:lumMod val="75000"/>
-                        <a:lumOff val="25000"/>
-                      </a:schemeClr>
-                    </a:solidFill>
-                    <a:latin typeface="Abadi" panose="020B0604020104020204" pitchFamily="34" charset="0"/>
-                  </a:rPr>
-                  <a:t> plot avente sull’asse x i vari valori di </a:t>
+                  <a:t>avente sull’asse x i vari valori di </a:t>
                 </a:r>
                 <a14:m>
                   <m:oMath xmlns:m="http://schemas.openxmlformats.org/officeDocument/2006/math">
@@ -15596,7 +16318,7 @@
             </p:txBody>
           </p:sp>
         </mc:Choice>
-        <mc:Fallback xmlns="">
+        <mc:Fallback>
           <p:sp>
             <p:nvSpPr>
               <p:cNvPr id="5" name="CasellaDiTesto 4">
@@ -15622,7 +16344,7 @@
               <a:blipFill>
                 <a:blip r:embed="rId2"/>
                 <a:stretch>
-                  <a:fillRect l="-144" t="-683"/>
+                  <a:fillRect l="-144" t="-683" r="-574"/>
                 </a:stretch>
               </a:blipFill>
             </p:spPr>
@@ -15748,14 +16470,57 @@
         </p:blipFill>
         <p:spPr>
           <a:xfrm>
-            <a:off x="231143" y="226541"/>
-            <a:ext cx="8681713" cy="4297607"/>
+            <a:off x="282178" y="277068"/>
+            <a:ext cx="8579643" cy="4247080"/>
           </a:xfrm>
           <a:prstGeom prst="rect">
             <a:avLst/>
           </a:prstGeom>
         </p:spPr>
       </p:pic>
+      <p:sp>
+        <p:nvSpPr>
+          <p:cNvPr id="2" name="CasellaDiTesto 1">
+            <a:extLst>
+              <a:ext uri="{FF2B5EF4-FFF2-40B4-BE49-F238E27FC236}">
+                <a16:creationId xmlns:a16="http://schemas.microsoft.com/office/drawing/2014/main" id="{8AB022D6-EA11-7242-BCFB-4419A200B232}"/>
+              </a:ext>
+            </a:extLst>
+          </p:cNvPr>
+          <p:cNvSpPr txBox="1"/>
+          <p:nvPr/>
+        </p:nvSpPr>
+        <p:spPr>
+          <a:xfrm>
+            <a:off x="5060197" y="4254460"/>
+            <a:ext cx="3967566" cy="738664"/>
+          </a:xfrm>
+          <a:prstGeom prst="rect">
+            <a:avLst/>
+          </a:prstGeom>
+          <a:noFill/>
+        </p:spPr>
+        <p:txBody>
+          <a:bodyPr wrap="square" rtlCol="0">
+            <a:spAutoFit/>
+          </a:bodyPr>
+          <a:lstStyle/>
+          <a:p>
+            <a:r>
+              <a:rPr lang="it-IT" dirty="0">
+                <a:solidFill>
+                  <a:schemeClr val="tx2">
+                    <a:lumMod val="75000"/>
+                    <a:lumOff val="25000"/>
+                  </a:schemeClr>
+                </a:solidFill>
+                <a:latin typeface="Abadi" panose="020B0604020104020204" pitchFamily="34" charset="0"/>
+              </a:rPr>
+              <a:t>Si può notare, anche in questo caso, che il numero medio di particelle è massimo per energie elevate e angoli intorno ai 30°</a:t>
+            </a:r>
+          </a:p>
+        </p:txBody>
+      </p:sp>
     </p:spTree>
     <p:extLst>
       <p:ext uri="{BB962C8B-B14F-4D97-AF65-F5344CB8AC3E}">
@@ -15778,6 +16543,138 @@
       </p:transition>
     </mc:Fallback>
   </mc:AlternateContent>
+  <p:timing>
+    <p:tnLst>
+      <p:par>
+        <p:cTn id="1" dur="indefinite" restart="never" nodeType="tmRoot">
+          <p:childTnLst>
+            <p:seq concurrent="1" nextAc="seek">
+              <p:cTn id="2" dur="indefinite" nodeType="mainSeq">
+                <p:childTnLst>
+                  <p:par>
+                    <p:cTn id="3" fill="hold">
+                      <p:stCondLst>
+                        <p:cond delay="indefinite"/>
+                      </p:stCondLst>
+                      <p:childTnLst>
+                        <p:par>
+                          <p:cTn id="4" fill="hold">
+                            <p:stCondLst>
+                              <p:cond delay="0"/>
+                            </p:stCondLst>
+                            <p:childTnLst>
+                              <p:par>
+                                <p:cTn id="5" presetID="42" presetClass="entr" presetSubtype="0" fill="hold" grpId="0" nodeType="clickEffect">
+                                  <p:stCondLst>
+                                    <p:cond delay="0"/>
+                                  </p:stCondLst>
+                                  <p:childTnLst>
+                                    <p:set>
+                                      <p:cBhvr>
+                                        <p:cTn id="6" dur="1" fill="hold">
+                                          <p:stCondLst>
+                                            <p:cond delay="0"/>
+                                          </p:stCondLst>
+                                        </p:cTn>
+                                        <p:tgtEl>
+                                          <p:spTgt spid="2"/>
+                                        </p:tgtEl>
+                                        <p:attrNameLst>
+                                          <p:attrName>style.visibility</p:attrName>
+                                        </p:attrNameLst>
+                                      </p:cBhvr>
+                                      <p:to>
+                                        <p:strVal val="visible"/>
+                                      </p:to>
+                                    </p:set>
+                                    <p:animEffect transition="in" filter="fade">
+                                      <p:cBhvr>
+                                        <p:cTn id="7" dur="1000"/>
+                                        <p:tgtEl>
+                                          <p:spTgt spid="2"/>
+                                        </p:tgtEl>
+                                      </p:cBhvr>
+                                    </p:animEffect>
+                                    <p:anim calcmode="lin" valueType="num">
+                                      <p:cBhvr>
+                                        <p:cTn id="8" dur="1000" fill="hold"/>
+                                        <p:tgtEl>
+                                          <p:spTgt spid="2"/>
+                                        </p:tgtEl>
+                                        <p:attrNameLst>
+                                          <p:attrName>ppt_x</p:attrName>
+                                        </p:attrNameLst>
+                                      </p:cBhvr>
+                                      <p:tavLst>
+                                        <p:tav tm="0">
+                                          <p:val>
+                                            <p:strVal val="#ppt_x"/>
+                                          </p:val>
+                                        </p:tav>
+                                        <p:tav tm="100000">
+                                          <p:val>
+                                            <p:strVal val="#ppt_x"/>
+                                          </p:val>
+                                        </p:tav>
+                                      </p:tavLst>
+                                    </p:anim>
+                                    <p:anim calcmode="lin" valueType="num">
+                                      <p:cBhvr>
+                                        <p:cTn id="9" dur="1000" fill="hold"/>
+                                        <p:tgtEl>
+                                          <p:spTgt spid="2"/>
+                                        </p:tgtEl>
+                                        <p:attrNameLst>
+                                          <p:attrName>ppt_y</p:attrName>
+                                        </p:attrNameLst>
+                                      </p:cBhvr>
+                                      <p:tavLst>
+                                        <p:tav tm="0">
+                                          <p:val>
+                                            <p:strVal val="#ppt_y+.1"/>
+                                          </p:val>
+                                        </p:tav>
+                                        <p:tav tm="100000">
+                                          <p:val>
+                                            <p:strVal val="#ppt_y"/>
+                                          </p:val>
+                                        </p:tav>
+                                      </p:tavLst>
+                                    </p:anim>
+                                  </p:childTnLst>
+                                </p:cTn>
+                              </p:par>
+                            </p:childTnLst>
+                          </p:cTn>
+                        </p:par>
+                      </p:childTnLst>
+                    </p:cTn>
+                  </p:par>
+                </p:childTnLst>
+              </p:cTn>
+              <p:prevCondLst>
+                <p:cond evt="onPrev" delay="0">
+                  <p:tgtEl>
+                    <p:sldTgt/>
+                  </p:tgtEl>
+                </p:cond>
+              </p:prevCondLst>
+              <p:nextCondLst>
+                <p:cond evt="onNext" delay="0">
+                  <p:tgtEl>
+                    <p:sldTgt/>
+                  </p:tgtEl>
+                </p:cond>
+              </p:nextCondLst>
+            </p:seq>
+          </p:childTnLst>
+        </p:cTn>
+      </p:par>
+    </p:tnLst>
+    <p:bldLst>
+      <p:bldP spid="2" grpId="0"/>
+    </p:bldLst>
+  </p:timing>
 </p:sld>
 </file>
 
@@ -15942,8 +16839,8 @@
           </a:p>
         </p:txBody>
       </p:sp>
-      <mc:AlternateContent xmlns:mc="http://schemas.openxmlformats.org/markup-compatibility/2006" xmlns:a14="http://schemas.microsoft.com/office/drawing/2010/main">
-        <mc:Choice Requires="a14">
+      <mc:AlternateContent xmlns:mc="http://schemas.openxmlformats.org/markup-compatibility/2006">
+        <mc:Choice xmlns:a14="http://schemas.microsoft.com/office/drawing/2010/main" Requires="a14">
           <p:sp>
             <p:nvSpPr>
               <p:cNvPr id="3" name="CasellaDiTesto 2">
@@ -16002,21 +16899,33 @@
                         <a:lumOff val="25000"/>
                       </a:schemeClr>
                     </a:solidFill>
+                    <a:latin typeface="Consolas" panose="020B0609020204030204" pitchFamily="49" charset="0"/>
+                  </a:rPr>
+                  <a:t>scatter</a:t>
+                </a:r>
+                <a:r>
+                  <a:rPr lang="it-IT" dirty="0">
+                    <a:solidFill>
+                      <a:schemeClr val="tx2">
+                        <a:lumMod val="75000"/>
+                        <a:lumOff val="25000"/>
+                      </a:schemeClr>
+                    </a:solidFill>
+                    <a:latin typeface="Consolas" panose="020B0609020204030204" pitchFamily="49" charset="0"/>
+                  </a:rPr>
+                  <a:t> plot </a:t>
+                </a:r>
+                <a:r>
+                  <a:rPr lang="it-IT" dirty="0">
+                    <a:solidFill>
+                      <a:schemeClr val="tx2">
+                        <a:lumMod val="75000"/>
+                        <a:lumOff val="25000"/>
+                      </a:schemeClr>
+                    </a:solidFill>
                     <a:latin typeface="Abadi" panose="020B0604020104020204" pitchFamily="34" charset="0"/>
                   </a:rPr>
-                  <a:t>scatter</a:t>
-                </a:r>
-                <a:r>
-                  <a:rPr lang="it-IT" dirty="0">
-                    <a:solidFill>
-                      <a:schemeClr val="tx2">
-                        <a:lumMod val="75000"/>
-                        <a:lumOff val="25000"/>
-                      </a:schemeClr>
-                    </a:solidFill>
-                    <a:latin typeface="Abadi" panose="020B0604020104020204" pitchFamily="34" charset="0"/>
-                  </a:rPr>
-                  <a:t> plot e un grafico</a:t>
+                  <a:t>e un grafico</a:t>
                 </a:r>
                 <a:r>
                   <a:rPr lang="it-IT" dirty="0">
@@ -16280,7 +17189,7 @@
                         <a:lumOff val="25000"/>
                       </a:schemeClr>
                     </a:solidFill>
-                    <a:latin typeface="Abadi" panose="020B0604020104020204" pitchFamily="34" charset="0"/>
+                    <a:latin typeface="Consolas" panose="020B0609020204030204" pitchFamily="49" charset="0"/>
                   </a:rPr>
                   <a:t>scatter</a:t>
                 </a:r>
@@ -16454,7 +17363,7 @@
             </p:txBody>
           </p:sp>
         </mc:Choice>
-        <mc:Fallback xmlns="">
+        <mc:Fallback>
           <p:sp>
             <p:nvSpPr>
               <p:cNvPr id="3" name="CasellaDiTesto 2">
@@ -16480,7 +17389,7 @@
               <a:blipFill>
                 <a:blip r:embed="rId2"/>
                 <a:stretch>
-                  <a:fillRect l="-143" t="-813" r="-287" b="-1626"/>
+                  <a:fillRect l="-143" t="-813" b="-1626"/>
                 </a:stretch>
               </a:blipFill>
             </p:spPr>
@@ -16885,7 +17794,7 @@
         </p:blipFill>
         <p:spPr>
           <a:xfrm>
-            <a:off x="233574" y="609509"/>
+            <a:off x="233574" y="400282"/>
             <a:ext cx="8676852" cy="3718651"/>
           </a:xfrm>
           <a:prstGeom prst="rect">
@@ -16893,6 +17802,49 @@
           </a:prstGeom>
         </p:spPr>
       </p:pic>
+      <p:sp>
+        <p:nvSpPr>
+          <p:cNvPr id="2" name="CasellaDiTesto 1">
+            <a:extLst>
+              <a:ext uri="{FF2B5EF4-FFF2-40B4-BE49-F238E27FC236}">
+                <a16:creationId xmlns:a16="http://schemas.microsoft.com/office/drawing/2014/main" id="{509CF135-3172-87A0-2320-65EE98F446EB}"/>
+              </a:ext>
+            </a:extLst>
+          </p:cNvPr>
+          <p:cNvSpPr txBox="1"/>
+          <p:nvPr/>
+        </p:nvSpPr>
+        <p:spPr>
+          <a:xfrm>
+            <a:off x="4942860" y="4154816"/>
+            <a:ext cx="3967566" cy="738664"/>
+          </a:xfrm>
+          <a:prstGeom prst="rect">
+            <a:avLst/>
+          </a:prstGeom>
+          <a:noFill/>
+        </p:spPr>
+        <p:txBody>
+          <a:bodyPr wrap="square" rtlCol="0">
+            <a:spAutoFit/>
+          </a:bodyPr>
+          <a:lstStyle/>
+          <a:p>
+            <a:r>
+              <a:rPr lang="it-IT" dirty="0">
+                <a:solidFill>
+                  <a:schemeClr val="tx2">
+                    <a:lumMod val="75000"/>
+                    <a:lumOff val="25000"/>
+                  </a:schemeClr>
+                </a:solidFill>
+                <a:latin typeface="Abadi" panose="020B0604020104020204" pitchFamily="34" charset="0"/>
+              </a:rPr>
+              <a:t>Si può notare, anche ora, che il numero medio di particelle è massimo per energie elevate e angoli intorno ai 30°</a:t>
+            </a:r>
+          </a:p>
+        </p:txBody>
+      </p:sp>
     </p:spTree>
     <p:extLst>
       <p:ext uri="{BB962C8B-B14F-4D97-AF65-F5344CB8AC3E}">
@@ -16915,6 +17867,138 @@
       </p:transition>
     </mc:Fallback>
   </mc:AlternateContent>
+  <p:timing>
+    <p:tnLst>
+      <p:par>
+        <p:cTn id="1" dur="indefinite" restart="never" nodeType="tmRoot">
+          <p:childTnLst>
+            <p:seq concurrent="1" nextAc="seek">
+              <p:cTn id="2" dur="indefinite" nodeType="mainSeq">
+                <p:childTnLst>
+                  <p:par>
+                    <p:cTn id="3" fill="hold">
+                      <p:stCondLst>
+                        <p:cond delay="indefinite"/>
+                      </p:stCondLst>
+                      <p:childTnLst>
+                        <p:par>
+                          <p:cTn id="4" fill="hold">
+                            <p:stCondLst>
+                              <p:cond delay="0"/>
+                            </p:stCondLst>
+                            <p:childTnLst>
+                              <p:par>
+                                <p:cTn id="5" presetID="42" presetClass="entr" presetSubtype="0" fill="hold" grpId="0" nodeType="clickEffect">
+                                  <p:stCondLst>
+                                    <p:cond delay="0"/>
+                                  </p:stCondLst>
+                                  <p:childTnLst>
+                                    <p:set>
+                                      <p:cBhvr>
+                                        <p:cTn id="6" dur="1" fill="hold">
+                                          <p:stCondLst>
+                                            <p:cond delay="0"/>
+                                          </p:stCondLst>
+                                        </p:cTn>
+                                        <p:tgtEl>
+                                          <p:spTgt spid="2"/>
+                                        </p:tgtEl>
+                                        <p:attrNameLst>
+                                          <p:attrName>style.visibility</p:attrName>
+                                        </p:attrNameLst>
+                                      </p:cBhvr>
+                                      <p:to>
+                                        <p:strVal val="visible"/>
+                                      </p:to>
+                                    </p:set>
+                                    <p:animEffect transition="in" filter="fade">
+                                      <p:cBhvr>
+                                        <p:cTn id="7" dur="1000"/>
+                                        <p:tgtEl>
+                                          <p:spTgt spid="2"/>
+                                        </p:tgtEl>
+                                      </p:cBhvr>
+                                    </p:animEffect>
+                                    <p:anim calcmode="lin" valueType="num">
+                                      <p:cBhvr>
+                                        <p:cTn id="8" dur="1000" fill="hold"/>
+                                        <p:tgtEl>
+                                          <p:spTgt spid="2"/>
+                                        </p:tgtEl>
+                                        <p:attrNameLst>
+                                          <p:attrName>ppt_x</p:attrName>
+                                        </p:attrNameLst>
+                                      </p:cBhvr>
+                                      <p:tavLst>
+                                        <p:tav tm="0">
+                                          <p:val>
+                                            <p:strVal val="#ppt_x"/>
+                                          </p:val>
+                                        </p:tav>
+                                        <p:tav tm="100000">
+                                          <p:val>
+                                            <p:strVal val="#ppt_x"/>
+                                          </p:val>
+                                        </p:tav>
+                                      </p:tavLst>
+                                    </p:anim>
+                                    <p:anim calcmode="lin" valueType="num">
+                                      <p:cBhvr>
+                                        <p:cTn id="9" dur="1000" fill="hold"/>
+                                        <p:tgtEl>
+                                          <p:spTgt spid="2"/>
+                                        </p:tgtEl>
+                                        <p:attrNameLst>
+                                          <p:attrName>ppt_y</p:attrName>
+                                        </p:attrNameLst>
+                                      </p:cBhvr>
+                                      <p:tavLst>
+                                        <p:tav tm="0">
+                                          <p:val>
+                                            <p:strVal val="#ppt_y+.1"/>
+                                          </p:val>
+                                        </p:tav>
+                                        <p:tav tm="100000">
+                                          <p:val>
+                                            <p:strVal val="#ppt_y"/>
+                                          </p:val>
+                                        </p:tav>
+                                      </p:tavLst>
+                                    </p:anim>
+                                  </p:childTnLst>
+                                </p:cTn>
+                              </p:par>
+                            </p:childTnLst>
+                          </p:cTn>
+                        </p:par>
+                      </p:childTnLst>
+                    </p:cTn>
+                  </p:par>
+                </p:childTnLst>
+              </p:cTn>
+              <p:prevCondLst>
+                <p:cond evt="onPrev" delay="0">
+                  <p:tgtEl>
+                    <p:sldTgt/>
+                  </p:tgtEl>
+                </p:cond>
+              </p:prevCondLst>
+              <p:nextCondLst>
+                <p:cond evt="onNext" delay="0">
+                  <p:tgtEl>
+                    <p:sldTgt/>
+                  </p:tgtEl>
+                </p:cond>
+              </p:nextCondLst>
+            </p:seq>
+          </p:childTnLst>
+        </p:cTn>
+      </p:par>
+    </p:tnLst>
+    <p:bldLst>
+      <p:bldP spid="2" grpId="0"/>
+    </p:bldLst>
+  </p:timing>
 </p:sld>
 </file>
 
@@ -16967,7 +18051,7 @@
             </a:pPr>
             <a:r>
               <a:rPr lang="it-IT" sz="3000" dirty="0"/>
-              <a:t>Motivazioni</a:t>
+              <a:t>Motivazioni delle scelte</a:t>
             </a:r>
             <a:endParaRPr sz="3000" dirty="0"/>
           </a:p>
@@ -17895,7 +18979,7 @@
             </a:pPr>
             <a:r>
               <a:rPr lang="it-IT" sz="3000" dirty="0"/>
-              <a:t>Motivazioni</a:t>
+              <a:t>Motivazioni delle scelte</a:t>
             </a:r>
             <a:endParaRPr sz="3000" dirty="0"/>
           </a:p>
@@ -18932,7 +20016,7 @@
             </a:pPr>
             <a:r>
               <a:rPr lang="it-IT" sz="3000" dirty="0"/>
-              <a:t>Motivazioni</a:t>
+              <a:t>Motivazioni delle scelte</a:t>
             </a:r>
             <a:endParaRPr sz="3000" dirty="0"/>
           </a:p>
@@ -19905,6 +20989,252 @@
       <p:bldP spid="12" grpId="0"/>
     </p:bldLst>
   </p:timing>
+</p:sld>
+</file>
+
+<file path=ppt/slides/slide24.xml><?xml version="1.0" encoding="utf-8"?>
+<p:sld xmlns:a="http://schemas.openxmlformats.org/drawingml/2006/main" xmlns:r="http://schemas.openxmlformats.org/officeDocument/2006/relationships" xmlns:p="http://schemas.openxmlformats.org/presentationml/2006/main">
+  <p:cSld>
+    <p:spTree>
+      <p:nvGrpSpPr>
+        <p:cNvPr id="1" name="Shape 225"/>
+        <p:cNvGrpSpPr/>
+        <p:nvPr/>
+      </p:nvGrpSpPr>
+      <p:grpSpPr>
+        <a:xfrm>
+          <a:off x="0" y="0"/>
+          <a:ext cx="0" cy="0"/>
+          <a:chOff x="0" y="0"/>
+          <a:chExt cx="0" cy="0"/>
+        </a:xfrm>
+      </p:grpSpPr>
+      <p:sp>
+        <p:nvSpPr>
+          <p:cNvPr id="226" name="Google Shape;226;p30"/>
+          <p:cNvSpPr txBox="1">
+            <a:spLocks noGrp="1"/>
+          </p:cNvSpPr>
+          <p:nvPr>
+            <p:ph type="ctrTitle"/>
+          </p:nvPr>
+        </p:nvSpPr>
+        <p:spPr>
+          <a:xfrm>
+            <a:off x="185978" y="782668"/>
+            <a:ext cx="8787539" cy="1883949"/>
+          </a:xfrm>
+          <a:prstGeom prst="rect">
+            <a:avLst/>
+          </a:prstGeom>
+        </p:spPr>
+        <p:txBody>
+          <a:bodyPr spcFirstLastPara="1" wrap="square" lIns="91425" tIns="91425" rIns="91425" bIns="91425" anchor="b" anchorCtr="0">
+            <a:noAutofit/>
+          </a:bodyPr>
+          <a:lstStyle/>
+          <a:p>
+            <a:pPr marL="0" lvl="0" indent="0" algn="ctr" rtl="0">
+              <a:spcBef>
+                <a:spcPts val="0"/>
+              </a:spcBef>
+              <a:spcAft>
+                <a:spcPts val="0"/>
+              </a:spcAft>
+              <a:buNone/>
+            </a:pPr>
+            <a:r>
+              <a:rPr lang="en" sz="4400" dirty="0"/>
+              <a:t>Grazie per l’ascolto</a:t>
+            </a:r>
+            <a:endParaRPr sz="4400" dirty="0"/>
+          </a:p>
+        </p:txBody>
+      </p:sp>
+      <p:sp>
+        <p:nvSpPr>
+          <p:cNvPr id="227" name="Google Shape;227;p30"/>
+          <p:cNvSpPr txBox="1">
+            <a:spLocks noGrp="1"/>
+          </p:cNvSpPr>
+          <p:nvPr>
+            <p:ph type="subTitle" idx="1"/>
+          </p:nvPr>
+        </p:nvSpPr>
+        <p:spPr>
+          <a:xfrm>
+            <a:off x="1677548" y="3625028"/>
+            <a:ext cx="5804400" cy="1024464"/>
+          </a:xfrm>
+          <a:prstGeom prst="rect">
+            <a:avLst/>
+          </a:prstGeom>
+        </p:spPr>
+        <p:txBody>
+          <a:bodyPr spcFirstLastPara="1" wrap="square" lIns="91425" tIns="91425" rIns="91425" bIns="91425" anchor="t" anchorCtr="0">
+            <a:noAutofit/>
+          </a:bodyPr>
+          <a:lstStyle/>
+          <a:p>
+            <a:pPr marL="0" lvl="0" indent="0" algn="ctr" rtl="0">
+              <a:spcBef>
+                <a:spcPts val="0"/>
+              </a:spcBef>
+              <a:spcAft>
+                <a:spcPts val="0"/>
+              </a:spcAft>
+              <a:buNone/>
+            </a:pPr>
+            <a:r>
+              <a:rPr lang="it-IT" sz="1600" b="1" dirty="0">
+                <a:solidFill>
+                  <a:schemeClr val="tx2">
+                    <a:lumMod val="75000"/>
+                    <a:lumOff val="25000"/>
+                  </a:schemeClr>
+                </a:solidFill>
+                <a:latin typeface="Poiret One" panose="00000500000000000000" pitchFamily="2" charset="0"/>
+              </a:rPr>
+              <a:t>Irene Gentili </a:t>
+            </a:r>
+          </a:p>
+        </p:txBody>
+      </p:sp>
+      <p:grpSp>
+        <p:nvGrpSpPr>
+          <p:cNvPr id="228" name="Google Shape;228;p30"/>
+          <p:cNvGrpSpPr/>
+          <p:nvPr/>
+        </p:nvGrpSpPr>
+        <p:grpSpPr>
+          <a:xfrm>
+            <a:off x="1796975" y="3000478"/>
+            <a:ext cx="5550050" cy="197700"/>
+            <a:chOff x="1653525" y="2970747"/>
+            <a:chExt cx="5550050" cy="197700"/>
+          </a:xfrm>
+        </p:grpSpPr>
+        <p:sp>
+          <p:nvSpPr>
+            <p:cNvPr id="229" name="Google Shape;229;p30"/>
+            <p:cNvSpPr/>
+            <p:nvPr/>
+          </p:nvSpPr>
+          <p:spPr>
+            <a:xfrm>
+              <a:off x="4329709" y="2970747"/>
+              <a:ext cx="197700" cy="197700"/>
+            </a:xfrm>
+            <a:prstGeom prst="plaque">
+              <a:avLst>
+                <a:gd name="adj" fmla="val 50000"/>
+              </a:avLst>
+            </a:prstGeom>
+            <a:noFill/>
+            <a:ln w="9525" cap="flat" cmpd="sng">
+              <a:solidFill>
+                <a:schemeClr val="dk1"/>
+              </a:solidFill>
+              <a:prstDash val="solid"/>
+              <a:round/>
+              <a:headEnd type="none" w="sm" len="sm"/>
+              <a:tailEnd type="none" w="sm" len="sm"/>
+            </a:ln>
+          </p:spPr>
+          <p:txBody>
+            <a:bodyPr spcFirstLastPara="1" wrap="square" lIns="91425" tIns="91425" rIns="91425" bIns="91425" anchor="ctr" anchorCtr="0">
+              <a:noAutofit/>
+            </a:bodyPr>
+            <a:lstStyle/>
+            <a:p>
+              <a:pPr marL="0" lvl="0" indent="0" algn="l" rtl="0">
+                <a:spcBef>
+                  <a:spcPts val="0"/>
+                </a:spcBef>
+                <a:spcAft>
+                  <a:spcPts val="0"/>
+                </a:spcAft>
+                <a:buNone/>
+              </a:pPr>
+              <a:endParaRPr/>
+            </a:p>
+          </p:txBody>
+        </p:sp>
+        <p:cxnSp>
+          <p:nvCxnSpPr>
+            <p:cNvPr id="230" name="Google Shape;230;p30"/>
+            <p:cNvCxnSpPr/>
+            <p:nvPr/>
+          </p:nvCxnSpPr>
+          <p:spPr>
+            <a:xfrm>
+              <a:off x="1653525" y="3069600"/>
+              <a:ext cx="2527200" cy="0"/>
+            </a:xfrm>
+            <a:prstGeom prst="straightConnector1">
+              <a:avLst/>
+            </a:prstGeom>
+            <a:noFill/>
+            <a:ln w="9525" cap="flat" cmpd="sng">
+              <a:solidFill>
+                <a:schemeClr val="dk1"/>
+              </a:solidFill>
+              <a:prstDash val="solid"/>
+              <a:round/>
+              <a:headEnd type="none" w="med" len="med"/>
+              <a:tailEnd type="none" w="med" len="med"/>
+            </a:ln>
+          </p:spPr>
+        </p:cxnSp>
+        <p:cxnSp>
+          <p:nvCxnSpPr>
+            <p:cNvPr id="231" name="Google Shape;231;p30"/>
+            <p:cNvCxnSpPr/>
+            <p:nvPr/>
+          </p:nvCxnSpPr>
+          <p:spPr>
+            <a:xfrm>
+              <a:off x="4676375" y="3069600"/>
+              <a:ext cx="2527200" cy="0"/>
+            </a:xfrm>
+            <a:prstGeom prst="straightConnector1">
+              <a:avLst/>
+            </a:prstGeom>
+            <a:noFill/>
+            <a:ln w="9525" cap="flat" cmpd="sng">
+              <a:solidFill>
+                <a:schemeClr val="dk1"/>
+              </a:solidFill>
+              <a:prstDash val="solid"/>
+              <a:round/>
+              <a:headEnd type="none" w="med" len="med"/>
+              <a:tailEnd type="none" w="med" len="med"/>
+            </a:ln>
+          </p:spPr>
+        </p:cxnSp>
+      </p:grpSp>
+    </p:spTree>
+    <p:extLst>
+      <p:ext uri="{BB962C8B-B14F-4D97-AF65-F5344CB8AC3E}">
+        <p14:creationId xmlns:p14="http://schemas.microsoft.com/office/powerpoint/2010/main" val="2985350614"/>
+      </p:ext>
+    </p:extLst>
+  </p:cSld>
+  <p:clrMapOvr>
+    <a:masterClrMapping/>
+  </p:clrMapOvr>
+  <mc:AlternateContent xmlns:mc="http://schemas.openxmlformats.org/markup-compatibility/2006">
+    <mc:Choice xmlns:p15="http://schemas.microsoft.com/office/powerpoint/2012/main" Requires="p15">
+      <p:transition xmlns:p14="http://schemas.microsoft.com/office/powerpoint/2010/main" spd="slow" p14:dur="1250">
+        <p15:prstTrans prst="airplane"/>
+      </p:transition>
+    </mc:Choice>
+    <mc:Fallback>
+      <p:transition spd="slow">
+        <p:fade/>
+      </p:transition>
+    </mc:Fallback>
+  </mc:AlternateContent>
 </p:sld>
 </file>
 

--- a/campionamento_sciami_atmosferici_ad_alta_quota_Irene_Gentili.pptx
+++ b/campionamento_sciami_atmosferici_ad_alta_quota_Irene_Gentili.pptx
@@ -12609,7 +12609,7 @@
         </p:nvSpPr>
         <p:spPr>
           <a:xfrm>
-            <a:off x="4976777" y="4411043"/>
+            <a:off x="4694673" y="4411043"/>
             <a:ext cx="3935392" cy="400110"/>
           </a:xfrm>
           <a:prstGeom prst="rect">
@@ -12659,10 +12659,10 @@
       </p:sp>
       <p:pic>
         <p:nvPicPr>
-          <p:cNvPr id="4098" name="Picture 2" descr="Cascata Elettromagnetica da Raggi Cosmici – PhysicsOpenLab">
+          <p:cNvPr id="1026" name="Picture 2" descr="HAWC 300">
             <a:extLst>
               <a:ext uri="{FF2B5EF4-FFF2-40B4-BE49-F238E27FC236}">
-                <a16:creationId xmlns:a16="http://schemas.microsoft.com/office/drawing/2014/main" id="{B0CB54C6-79F5-8485-743D-99B6C9838183}"/>
+                <a16:creationId xmlns:a16="http://schemas.microsoft.com/office/drawing/2014/main" id="{444B1F2A-5096-CC54-3CAD-5BA8F4901535}"/>
               </a:ext>
             </a:extLst>
           </p:cNvPr>
@@ -12686,8 +12686,8 @@
         </p:blipFill>
         <p:spPr bwMode="auto">
           <a:xfrm>
-            <a:off x="5556859" y="594884"/>
-            <a:ext cx="2790825" cy="3667125"/>
+            <a:off x="4572000" y="1331849"/>
+            <a:ext cx="4180739" cy="2309858"/>
           </a:xfrm>
           <a:prstGeom prst="rect">
             <a:avLst/>
@@ -12704,6 +12704,71 @@
           </a:extLst>
         </p:spPr>
       </p:pic>
+      <p:sp>
+        <p:nvSpPr>
+          <p:cNvPr id="2" name="CasellaDiTesto 1">
+            <a:extLst>
+              <a:ext uri="{FF2B5EF4-FFF2-40B4-BE49-F238E27FC236}">
+                <a16:creationId xmlns:a16="http://schemas.microsoft.com/office/drawing/2014/main" id="{0C0CAE33-4AAC-CA04-766F-D1B2FBAAE4D3}"/>
+              </a:ext>
+            </a:extLst>
+          </p:cNvPr>
+          <p:cNvSpPr txBox="1"/>
+          <p:nvPr/>
+        </p:nvSpPr>
+        <p:spPr>
+          <a:xfrm>
+            <a:off x="4849832" y="3687821"/>
+            <a:ext cx="3633999" cy="677108"/>
+          </a:xfrm>
+          <a:prstGeom prst="rect">
+            <a:avLst/>
+          </a:prstGeom>
+          <a:noFill/>
+        </p:spPr>
+        <p:txBody>
+          <a:bodyPr wrap="square" rtlCol="0">
+            <a:spAutoFit/>
+          </a:bodyPr>
+          <a:lstStyle/>
+          <a:p>
+            <a:pPr algn="ctr"/>
+            <a:r>
+              <a:rPr lang="it-IT" b="1" dirty="0">
+                <a:solidFill>
+                  <a:schemeClr val="tx2">
+                    <a:lumMod val="75000"/>
+                    <a:lumOff val="25000"/>
+                  </a:schemeClr>
+                </a:solidFill>
+                <a:latin typeface="Poiret One" panose="00000500000000000000" pitchFamily="2" charset="0"/>
+              </a:rPr>
+              <a:t>HAWK. </a:t>
+            </a:r>
+            <a:r>
+              <a:rPr lang="it-IT" sz="1200" b="1" dirty="0">
+                <a:solidFill>
+                  <a:schemeClr val="tx2">
+                    <a:lumMod val="75000"/>
+                    <a:lumOff val="25000"/>
+                  </a:schemeClr>
+                </a:solidFill>
+                <a:latin typeface="Poiret One" panose="00000500000000000000" pitchFamily="2" charset="0"/>
+              </a:rPr>
+              <a:t>Situato in Messico a 4100 m. Ha come scopo lo studio di raggi gamma e raggi cosmici tra 100 GeV e 100 TeV.</a:t>
+            </a:r>
+            <a:endParaRPr lang="it-IT" b="1" dirty="0">
+              <a:solidFill>
+                <a:schemeClr val="tx2">
+                  <a:lumMod val="75000"/>
+                  <a:lumOff val="25000"/>
+                </a:schemeClr>
+              </a:solidFill>
+              <a:latin typeface="Poiret One" panose="00000500000000000000" pitchFamily="2" charset="0"/>
+            </a:endParaRPr>
+          </a:p>
+        </p:txBody>
+      </p:sp>
     </p:spTree>
     <p:extLst>
       <p:ext uri="{BB962C8B-B14F-4D97-AF65-F5344CB8AC3E}">
@@ -25301,8 +25366,8 @@
         </p:nvSpPr>
         <p:spPr>
           <a:xfrm>
-            <a:off x="5223282" y="3722264"/>
-            <a:ext cx="3124200" cy="307777"/>
+            <a:off x="4849832" y="3687821"/>
+            <a:ext cx="3633999" cy="861774"/>
           </a:xfrm>
           <a:prstGeom prst="rect">
             <a:avLst/>
@@ -25326,10 +25391,10 @@
                 </a:solidFill>
                 <a:latin typeface="Poiret One" panose="00000500000000000000" pitchFamily="2" charset="0"/>
               </a:rPr>
-              <a:t>The </a:t>
+              <a:t>LHAASO  </a:t>
             </a:r>
             <a:r>
-              <a:rPr lang="it-IT" b="1" dirty="0" err="1">
+              <a:rPr lang="it-IT" sz="1200" b="1" dirty="0">
                 <a:solidFill>
                   <a:schemeClr val="tx2">
                     <a:lumMod val="75000"/>
@@ -25338,10 +25403,46 @@
                 </a:solidFill>
                 <a:latin typeface="Poiret One" panose="00000500000000000000" pitchFamily="2" charset="0"/>
               </a:rPr>
-              <a:t>bird</a:t>
+              <a:t>(The Large High </a:t>
             </a:r>
             <a:r>
-              <a:rPr lang="it-IT" b="1" dirty="0">
+              <a:rPr lang="it-IT" sz="1200" b="1" dirty="0" err="1">
+                <a:solidFill>
+                  <a:schemeClr val="tx2">
+                    <a:lumMod val="75000"/>
+                    <a:lumOff val="25000"/>
+                  </a:schemeClr>
+                </a:solidFill>
+                <a:latin typeface="Poiret One" panose="00000500000000000000" pitchFamily="2" charset="0"/>
+              </a:rPr>
+              <a:t>Altitude</a:t>
+            </a:r>
+            <a:r>
+              <a:rPr lang="it-IT" sz="1200" b="1" dirty="0">
+                <a:solidFill>
+                  <a:schemeClr val="tx2">
+                    <a:lumMod val="75000"/>
+                    <a:lumOff val="25000"/>
+                  </a:schemeClr>
+                </a:solidFill>
+                <a:latin typeface="Poiret One" panose="00000500000000000000" pitchFamily="2" charset="0"/>
+              </a:rPr>
+              <a:t> Air </a:t>
+            </a:r>
+            <a:r>
+              <a:rPr lang="it-IT" sz="1200" b="1" dirty="0" err="1">
+                <a:solidFill>
+                  <a:schemeClr val="tx2">
+                    <a:lumMod val="75000"/>
+                    <a:lumOff val="25000"/>
+                  </a:schemeClr>
+                </a:solidFill>
+                <a:latin typeface="Poiret One" panose="00000500000000000000" pitchFamily="2" charset="0"/>
+              </a:rPr>
+              <a:t>Shower</a:t>
+            </a:r>
+            <a:r>
+              <a:rPr lang="it-IT" sz="1200" b="1" dirty="0">
                 <a:solidFill>
                   <a:schemeClr val="tx2">
                     <a:lumMod val="75000"/>
@@ -25353,7 +25454,7 @@
               <a:t> </a:t>
             </a:r>
             <a:r>
-              <a:rPr lang="it-IT" b="1" dirty="0" err="1">
+              <a:rPr lang="it-IT" sz="1200" b="1" dirty="0" err="1">
                 <a:solidFill>
                   <a:schemeClr val="tx2">
                     <a:lumMod val="75000"/>
@@ -25362,10 +25463,10 @@
                 </a:solidFill>
                 <a:latin typeface="Poiret One" panose="00000500000000000000" pitchFamily="2" charset="0"/>
               </a:rPr>
-              <a:t>view</a:t>
+              <a:t>Observatory</a:t>
             </a:r>
             <a:r>
-              <a:rPr lang="it-IT" b="1" dirty="0">
+              <a:rPr lang="it-IT" sz="1200" b="1" dirty="0">
                 <a:solidFill>
                   <a:schemeClr val="tx2">
                     <a:lumMod val="75000"/>
@@ -25374,8 +25475,17 @@
                 </a:solidFill>
                 <a:latin typeface="Poiret One" panose="00000500000000000000" pitchFamily="2" charset="0"/>
               </a:rPr>
-              <a:t> of LHAASO </a:t>
+              <a:t>) localizzato a 4410 m sopra il livello del mare in China. Ha come scopo l’esplorazione dell’origine dei raggi cosmici ad alta energia </a:t>
             </a:r>
+            <a:endParaRPr lang="it-IT" b="1" dirty="0">
+              <a:solidFill>
+                <a:schemeClr val="tx2">
+                  <a:lumMod val="75000"/>
+                  <a:lumOff val="25000"/>
+                </a:schemeClr>
+              </a:solidFill>
+              <a:latin typeface="Poiret One" panose="00000500000000000000" pitchFamily="2" charset="0"/>
+            </a:endParaRPr>
           </a:p>
         </p:txBody>
       </p:sp>
@@ -25393,7 +25503,7 @@
         </p:nvSpPr>
         <p:spPr>
           <a:xfrm>
-            <a:off x="4682138" y="4199527"/>
+            <a:off x="4682138" y="4470748"/>
             <a:ext cx="3935392" cy="400110"/>
           </a:xfrm>
           <a:prstGeom prst="rect">
